--- a/detecting_bias_in_monte_carlo_renderers_using_welch’s.pptx
+++ b/detecting_bias_in_monte_carlo_renderers_using_welch’s.pptx
@@ -10,15 +10,21 @@
     <p:sldId id="259" r:id="rId4"/>
     <p:sldId id="269" r:id="rId5"/>
     <p:sldId id="265" r:id="rId6"/>
-    <p:sldId id="266" r:id="rId7"/>
-    <p:sldId id="261" r:id="rId8"/>
-    <p:sldId id="262" r:id="rId9"/>
-    <p:sldId id="263" r:id="rId10"/>
-    <p:sldId id="264" r:id="rId11"/>
-    <p:sldId id="268" r:id="rId12"/>
-    <p:sldId id="267" r:id="rId13"/>
-    <p:sldId id="270" r:id="rId14"/>
-    <p:sldId id="257" r:id="rId15"/>
+    <p:sldId id="271" r:id="rId7"/>
+    <p:sldId id="272" r:id="rId8"/>
+    <p:sldId id="261" r:id="rId9"/>
+    <p:sldId id="262" r:id="rId10"/>
+    <p:sldId id="263" r:id="rId11"/>
+    <p:sldId id="264" r:id="rId12"/>
+    <p:sldId id="275" r:id="rId13"/>
+    <p:sldId id="276" r:id="rId14"/>
+    <p:sldId id="277" r:id="rId15"/>
+    <p:sldId id="274" r:id="rId16"/>
+    <p:sldId id="268" r:id="rId17"/>
+    <p:sldId id="267" r:id="rId18"/>
+    <p:sldId id="270" r:id="rId19"/>
+    <p:sldId id="273" r:id="rId20"/>
+    <p:sldId id="257" r:id="rId21"/>
   </p:sldIdLst>
   <p:sldSz cx="12192000" cy="6858000"/>
   <p:notesSz cx="6858000" cy="9144000"/>
@@ -127,14 +133,20 @@
             <p14:sldId id="259"/>
             <p14:sldId id="269"/>
             <p14:sldId id="265"/>
-            <p14:sldId id="266"/>
+            <p14:sldId id="271"/>
+            <p14:sldId id="272"/>
             <p14:sldId id="261"/>
             <p14:sldId id="262"/>
             <p14:sldId id="263"/>
             <p14:sldId id="264"/>
+            <p14:sldId id="275"/>
+            <p14:sldId id="276"/>
+            <p14:sldId id="277"/>
+            <p14:sldId id="274"/>
             <p14:sldId id="268"/>
             <p14:sldId id="267"/>
             <p14:sldId id="270"/>
+            <p14:sldId id="273"/>
             <p14:sldId id="257"/>
           </p14:sldIdLst>
         </p14:section>
@@ -6407,2035 +6419,6 @@
       </p:grpSpPr>
       <p:sp>
         <p:nvSpPr>
-          <p:cNvPr id="2" name="タイトル 1">
-            <a:extLst>
-              <a:ext uri="{FF2B5EF4-FFF2-40B4-BE49-F238E27FC236}">
-                <a16:creationId xmlns:a16="http://schemas.microsoft.com/office/drawing/2014/main" id="{319FF2B0-2E18-48FC-9C87-638689B7D2F6}"/>
-              </a:ext>
-            </a:extLst>
-          </p:cNvPr>
-          <p:cNvSpPr>
-            <a:spLocks noGrp="1"/>
-          </p:cNvSpPr>
-          <p:nvPr>
-            <p:ph type="title"/>
-          </p:nvPr>
-        </p:nvSpPr>
-        <p:spPr/>
-        <p:txBody>
-          <a:bodyPr/>
-          <a:lstStyle/>
-          <a:p>
-            <a:r>
-              <a:rPr lang="en-US" altLang="ja-JP" dirty="0"/>
-              <a:t>Welch's t-test</a:t>
-            </a:r>
-            <a:endParaRPr kumimoji="1" lang="ja-JP" altLang="en-US" dirty="0"/>
-          </a:p>
-        </p:txBody>
-      </p:sp>
-      <mc:AlternateContent xmlns:mc="http://schemas.openxmlformats.org/markup-compatibility/2006">
-        <mc:Choice xmlns:a14="http://schemas.microsoft.com/office/drawing/2010/main" Requires="a14">
-          <p:sp>
-            <p:nvSpPr>
-              <p:cNvPr id="3" name="コンテンツ プレースホルダー 2">
-                <a:extLst>
-                  <a:ext uri="{FF2B5EF4-FFF2-40B4-BE49-F238E27FC236}">
-                    <a16:creationId xmlns:a16="http://schemas.microsoft.com/office/drawing/2014/main" id="{35DE658A-59FF-40F4-98AE-A64545E18C61}"/>
-                  </a:ext>
-                </a:extLst>
-              </p:cNvPr>
-              <p:cNvSpPr>
-                <a:spLocks noGrp="1"/>
-              </p:cNvSpPr>
-              <p:nvPr>
-                <p:ph idx="1"/>
-              </p:nvPr>
-            </p:nvSpPr>
-            <p:spPr/>
-            <p:txBody>
-              <a:bodyPr/>
-              <a:lstStyle/>
-              <a:p>
-                <a:pPr marL="36900" indent="0">
-                  <a:buNone/>
-                </a:pPr>
-                <a:r>
-                  <a:rPr lang="ja-JP" altLang="en-US" b="0" dirty="0"/>
-                  <a:t>この時</a:t>
-                </a:r>
-                <a:r>
-                  <a:rPr lang="en-US" altLang="ja-JP" b="0" dirty="0"/>
-                  <a:t>t</a:t>
-                </a:r>
-                <a:r>
-                  <a:rPr lang="ja-JP" altLang="en-US" b="0" dirty="0"/>
-                  <a:t>値</a:t>
-                </a:r>
-                <a:r>
-                  <a:rPr lang="en-US" altLang="ja-JP" b="0" dirty="0"/>
-                  <a:t>(t-statistic)</a:t>
-                </a:r>
-                <a:r>
-                  <a:rPr lang="ja-JP" altLang="en-US" b="0" dirty="0"/>
-                  <a:t>は次のようになる</a:t>
-                </a:r>
-                <a:endParaRPr lang="en-US" altLang="ja-JP" b="0" dirty="0"/>
-              </a:p>
-              <a:p>
-                <a:pPr marL="36900" indent="0">
-                  <a:buNone/>
-                </a:pPr>
-                <a14:m>
-                  <m:oMathPara xmlns:m="http://schemas.openxmlformats.org/officeDocument/2006/math">
-                    <m:oMathParaPr>
-                      <m:jc m:val="centerGroup"/>
-                    </m:oMathParaPr>
-                    <m:oMath xmlns:m="http://schemas.openxmlformats.org/officeDocument/2006/math">
-                      <m:r>
-                        <a:rPr lang="en-US" altLang="ja-JP" b="0" i="1" smtClean="0">
-                          <a:latin typeface="Cambria Math" panose="02040503050406030204" pitchFamily="18" charset="0"/>
-                        </a:rPr>
-                        <m:t>𝑡</m:t>
-                      </m:r>
-                      <m:r>
-                        <a:rPr lang="en-US" altLang="ja-JP" b="0" i="1" smtClean="0">
-                          <a:latin typeface="Cambria Math" panose="02040503050406030204" pitchFamily="18" charset="0"/>
-                        </a:rPr>
-                        <m:t>=</m:t>
-                      </m:r>
-                      <m:f>
-                        <m:fPr>
-                          <m:ctrlPr>
-                            <a:rPr lang="en-US" altLang="ja-JP" b="0" i="1" smtClean="0">
-                              <a:latin typeface="Cambria Math" panose="02040503050406030204" pitchFamily="18" charset="0"/>
-                            </a:rPr>
-                          </m:ctrlPr>
-                        </m:fPr>
-                        <m:num>
-                          <m:acc>
-                            <m:accPr>
-                              <m:chr m:val="̅"/>
-                              <m:ctrlPr>
-                                <a:rPr lang="en-US" altLang="ja-JP" b="0" i="1" smtClean="0">
-                                  <a:latin typeface="Cambria Math" panose="02040503050406030204" pitchFamily="18" charset="0"/>
-                                </a:rPr>
-                              </m:ctrlPr>
-                            </m:accPr>
-                            <m:e>
-                              <m:sSub>
-                                <m:sSubPr>
-                                  <m:ctrlPr>
-                                    <a:rPr lang="en-US" altLang="ja-JP" b="0" i="1" smtClean="0">
-                                      <a:latin typeface="Cambria Math" panose="02040503050406030204" pitchFamily="18" charset="0"/>
-                                    </a:rPr>
-                                  </m:ctrlPr>
-                                </m:sSubPr>
-                                <m:e>
-                                  <m:r>
-                                    <a:rPr lang="en-US" altLang="ja-JP" b="0" i="1" smtClean="0">
-                                      <a:latin typeface="Cambria Math" panose="02040503050406030204" pitchFamily="18" charset="0"/>
-                                    </a:rPr>
-                                    <m:t>𝑋</m:t>
-                                  </m:r>
-                                </m:e>
-                                <m:sub>
-                                  <m:r>
-                                    <a:rPr lang="en-US" altLang="ja-JP" b="0" i="1" smtClean="0">
-                                      <a:latin typeface="Cambria Math" panose="02040503050406030204" pitchFamily="18" charset="0"/>
-                                    </a:rPr>
-                                    <m:t>1</m:t>
-                                  </m:r>
-                                </m:sub>
-                              </m:sSub>
-                            </m:e>
-                          </m:acc>
-                          <m:r>
-                            <a:rPr lang="en-US" altLang="ja-JP" b="0" i="1" smtClean="0">
-                              <a:latin typeface="Cambria Math" panose="02040503050406030204" pitchFamily="18" charset="0"/>
-                            </a:rPr>
-                            <m:t>−</m:t>
-                          </m:r>
-                          <m:acc>
-                            <m:accPr>
-                              <m:chr m:val="̅"/>
-                              <m:ctrlPr>
-                                <a:rPr lang="en-US" altLang="ja-JP" b="0" i="1" smtClean="0">
-                                  <a:latin typeface="Cambria Math" panose="02040503050406030204" pitchFamily="18" charset="0"/>
-                                </a:rPr>
-                              </m:ctrlPr>
-                            </m:accPr>
-                            <m:e>
-                              <m:sSub>
-                                <m:sSubPr>
-                                  <m:ctrlPr>
-                                    <a:rPr lang="en-US" altLang="ja-JP" b="0" i="1" smtClean="0">
-                                      <a:latin typeface="Cambria Math" panose="02040503050406030204" pitchFamily="18" charset="0"/>
-                                    </a:rPr>
-                                  </m:ctrlPr>
-                                </m:sSubPr>
-                                <m:e>
-                                  <m:r>
-                                    <a:rPr lang="en-US" altLang="ja-JP" b="0" i="1" smtClean="0">
-                                      <a:latin typeface="Cambria Math" panose="02040503050406030204" pitchFamily="18" charset="0"/>
-                                    </a:rPr>
-                                    <m:t>𝑋</m:t>
-                                  </m:r>
-                                </m:e>
-                                <m:sub>
-                                  <m:r>
-                                    <a:rPr lang="en-US" altLang="ja-JP" b="0" i="1" smtClean="0">
-                                      <a:latin typeface="Cambria Math" panose="02040503050406030204" pitchFamily="18" charset="0"/>
-                                    </a:rPr>
-                                    <m:t>2</m:t>
-                                  </m:r>
-                                </m:sub>
-                              </m:sSub>
-                            </m:e>
-                          </m:acc>
-                        </m:num>
-                        <m:den>
-                          <m:rad>
-                            <m:radPr>
-                              <m:degHide m:val="on"/>
-                              <m:ctrlPr>
-                                <a:rPr lang="en-US" altLang="ja-JP" b="0" i="1" smtClean="0">
-                                  <a:latin typeface="Cambria Math" panose="02040503050406030204" pitchFamily="18" charset="0"/>
-                                </a:rPr>
-                              </m:ctrlPr>
-                            </m:radPr>
-                            <m:deg/>
-                            <m:e>
-                              <m:f>
-                                <m:fPr>
-                                  <m:ctrlPr>
-                                    <a:rPr lang="en-US" altLang="ja-JP" b="0" i="1" smtClean="0">
-                                      <a:latin typeface="Cambria Math" panose="02040503050406030204" pitchFamily="18" charset="0"/>
-                                    </a:rPr>
-                                  </m:ctrlPr>
-                                </m:fPr>
-                                <m:num>
-                                  <m:sSubSup>
-                                    <m:sSubSupPr>
-                                      <m:ctrlPr>
-                                        <a:rPr lang="en-US" altLang="ja-JP" b="0" i="1" smtClean="0">
-                                          <a:latin typeface="Cambria Math" panose="02040503050406030204" pitchFamily="18" charset="0"/>
-                                        </a:rPr>
-                                      </m:ctrlPr>
-                                    </m:sSubSupPr>
-                                    <m:e>
-                                      <m:r>
-                                        <a:rPr lang="en-US" altLang="ja-JP" b="0" i="1" smtClean="0">
-                                          <a:latin typeface="Cambria Math" panose="02040503050406030204" pitchFamily="18" charset="0"/>
-                                        </a:rPr>
-                                        <m:t>𝑆</m:t>
-                                      </m:r>
-                                    </m:e>
-                                    <m:sub>
-                                      <m:r>
-                                        <a:rPr lang="en-US" altLang="ja-JP" b="0" i="1" smtClean="0">
-                                          <a:latin typeface="Cambria Math" panose="02040503050406030204" pitchFamily="18" charset="0"/>
-                                        </a:rPr>
-                                        <m:t>1</m:t>
-                                      </m:r>
-                                    </m:sub>
-                                    <m:sup>
-                                      <m:r>
-                                        <a:rPr lang="en-US" altLang="ja-JP" b="0" i="1" smtClean="0">
-                                          <a:latin typeface="Cambria Math" panose="02040503050406030204" pitchFamily="18" charset="0"/>
-                                        </a:rPr>
-                                        <m:t>2</m:t>
-                                      </m:r>
-                                    </m:sup>
-                                  </m:sSubSup>
-                                </m:num>
-                                <m:den>
-                                  <m:sSub>
-                                    <m:sSubPr>
-                                      <m:ctrlPr>
-                                        <a:rPr lang="en-US" altLang="ja-JP" b="0" i="1" smtClean="0">
-                                          <a:latin typeface="Cambria Math" panose="02040503050406030204" pitchFamily="18" charset="0"/>
-                                        </a:rPr>
-                                      </m:ctrlPr>
-                                    </m:sSubPr>
-                                    <m:e>
-                                      <m:r>
-                                        <a:rPr lang="en-US" altLang="ja-JP" b="0" i="1" smtClean="0">
-                                          <a:latin typeface="Cambria Math" panose="02040503050406030204" pitchFamily="18" charset="0"/>
-                                        </a:rPr>
-                                        <m:t>𝑁</m:t>
-                                      </m:r>
-                                    </m:e>
-                                    <m:sub>
-                                      <m:r>
-                                        <a:rPr lang="en-US" altLang="ja-JP" b="0" i="1" smtClean="0">
-                                          <a:latin typeface="Cambria Math" panose="02040503050406030204" pitchFamily="18" charset="0"/>
-                                        </a:rPr>
-                                        <m:t>1</m:t>
-                                      </m:r>
-                                    </m:sub>
-                                  </m:sSub>
-                                </m:den>
-                              </m:f>
-                              <m:r>
-                                <a:rPr lang="en-US" altLang="ja-JP" b="0" i="1" smtClean="0">
-                                  <a:latin typeface="Cambria Math" panose="02040503050406030204" pitchFamily="18" charset="0"/>
-                                </a:rPr>
-                                <m:t>+</m:t>
-                              </m:r>
-                              <m:f>
-                                <m:fPr>
-                                  <m:ctrlPr>
-                                    <a:rPr lang="en-US" altLang="ja-JP" i="1">
-                                      <a:latin typeface="Cambria Math" panose="02040503050406030204" pitchFamily="18" charset="0"/>
-                                    </a:rPr>
-                                  </m:ctrlPr>
-                                </m:fPr>
-                                <m:num>
-                                  <m:sSubSup>
-                                    <m:sSubSupPr>
-                                      <m:ctrlPr>
-                                        <a:rPr lang="en-US" altLang="ja-JP" b="0" i="1" smtClean="0">
-                                          <a:latin typeface="Cambria Math" panose="02040503050406030204" pitchFamily="18" charset="0"/>
-                                        </a:rPr>
-                                      </m:ctrlPr>
-                                    </m:sSubSupPr>
-                                    <m:e>
-                                      <m:r>
-                                        <a:rPr lang="en-US" altLang="ja-JP" b="0" i="1" smtClean="0">
-                                          <a:latin typeface="Cambria Math" panose="02040503050406030204" pitchFamily="18" charset="0"/>
-                                        </a:rPr>
-                                        <m:t>𝑆</m:t>
-                                      </m:r>
-                                    </m:e>
-                                    <m:sub>
-                                      <m:r>
-                                        <a:rPr lang="en-US" altLang="ja-JP" b="0" i="1" smtClean="0">
-                                          <a:latin typeface="Cambria Math" panose="02040503050406030204" pitchFamily="18" charset="0"/>
-                                        </a:rPr>
-                                        <m:t>2</m:t>
-                                      </m:r>
-                                    </m:sub>
-                                    <m:sup>
-                                      <m:r>
-                                        <a:rPr lang="en-US" altLang="ja-JP" b="0" i="1" smtClean="0">
-                                          <a:latin typeface="Cambria Math" panose="02040503050406030204" pitchFamily="18" charset="0"/>
-                                        </a:rPr>
-                                        <m:t>2</m:t>
-                                      </m:r>
-                                    </m:sup>
-                                  </m:sSubSup>
-                                </m:num>
-                                <m:den>
-                                  <m:sSub>
-                                    <m:sSubPr>
-                                      <m:ctrlPr>
-                                        <a:rPr lang="en-US" altLang="ja-JP" b="0" i="1" smtClean="0">
-                                          <a:latin typeface="Cambria Math" panose="02040503050406030204" pitchFamily="18" charset="0"/>
-                                        </a:rPr>
-                                      </m:ctrlPr>
-                                    </m:sSubPr>
-                                    <m:e>
-                                      <m:r>
-                                        <a:rPr lang="en-US" altLang="ja-JP" i="1">
-                                          <a:latin typeface="Cambria Math" panose="02040503050406030204" pitchFamily="18" charset="0"/>
-                                        </a:rPr>
-                                        <m:t>𝑁</m:t>
-                                      </m:r>
-                                    </m:e>
-                                    <m:sub>
-                                      <m:r>
-                                        <a:rPr lang="en-US" altLang="ja-JP" b="0" i="1" smtClean="0">
-                                          <a:latin typeface="Cambria Math" panose="02040503050406030204" pitchFamily="18" charset="0"/>
-                                        </a:rPr>
-                                        <m:t>2</m:t>
-                                      </m:r>
-                                    </m:sub>
-                                  </m:sSub>
-                                </m:den>
-                              </m:f>
-                            </m:e>
-                          </m:rad>
-                        </m:den>
-                      </m:f>
-                    </m:oMath>
-                  </m:oMathPara>
-                </a14:m>
-                <a:endParaRPr kumimoji="1" lang="en-US" altLang="ja-JP" dirty="0"/>
-              </a:p>
-              <a:p>
-                <a:pPr marL="36900" indent="0">
-                  <a:buNone/>
-                </a:pPr>
-                <a:br>
-                  <a:rPr lang="en-US" altLang="ja-JP" dirty="0"/>
-                </a:br>
-                <a:r>
-                  <a:rPr lang="ja-JP" altLang="en-US" dirty="0"/>
-                  <a:t>ウェルチの</a:t>
-                </a:r>
-                <a:r>
-                  <a:rPr lang="en-US" altLang="ja-JP" dirty="0"/>
-                  <a:t>t</a:t>
-                </a:r>
-                <a:r>
-                  <a:rPr lang="ja-JP" altLang="en-US" dirty="0"/>
-                  <a:t>検定は「</a:t>
-                </a:r>
-                <a:r>
-                  <a:rPr lang="en-US" altLang="ja-JP" dirty="0"/>
-                  <a:t>2</a:t>
-                </a:r>
-                <a:r>
-                  <a:rPr lang="ja-JP" altLang="en-US" dirty="0"/>
-                  <a:t>つの正規分布」を対象にしている。</a:t>
-                </a:r>
-                <a:br>
-                  <a:rPr lang="en-US" altLang="ja-JP" dirty="0"/>
-                </a:br>
-                <a:r>
-                  <a:rPr lang="ja-JP" altLang="en-US" dirty="0"/>
-                  <a:t>しかし一般的な</a:t>
-                </a:r>
-                <a:r>
-                  <a:rPr lang="en-US" altLang="ja-JP" dirty="0"/>
-                  <a:t>MC</a:t>
-                </a:r>
-                <a:r>
-                  <a:rPr lang="ja-JP" altLang="en-US" dirty="0"/>
-                  <a:t>レイトレーシングのサンプルは正規分布ではないがどうしたら？</a:t>
-                </a:r>
-                <a:endParaRPr kumimoji="1" lang="ja-JP" altLang="en-US" dirty="0"/>
-              </a:p>
-            </p:txBody>
-          </p:sp>
-        </mc:Choice>
-        <mc:Fallback>
-          <p:sp>
-            <p:nvSpPr>
-              <p:cNvPr id="3" name="コンテンツ プレースホルダー 2">
-                <a:extLst>
-                  <a:ext uri="{FF2B5EF4-FFF2-40B4-BE49-F238E27FC236}">
-                    <a16:creationId xmlns:a16="http://schemas.microsoft.com/office/drawing/2014/main" id="{35DE658A-59FF-40F4-98AE-A64545E18C61}"/>
-                  </a:ext>
-                </a:extLst>
-              </p:cNvPr>
-              <p:cNvSpPr>
-                <a:spLocks noGrp="1" noRot="1" noChangeAspect="1" noMove="1" noResize="1" noEditPoints="1" noAdjustHandles="1" noChangeArrowheads="1" noChangeShapeType="1" noTextEdit="1"/>
-              </p:cNvSpPr>
-              <p:nvPr>
-                <p:ph idx="1"/>
-              </p:nvPr>
-            </p:nvSpPr>
-            <p:spPr>
-              <a:blipFill>
-                <a:blip r:embed="rId2"/>
-                <a:stretch>
-                  <a:fillRect/>
-                </a:stretch>
-              </a:blipFill>
-            </p:spPr>
-            <p:txBody>
-              <a:bodyPr/>
-              <a:lstStyle/>
-              <a:p>
-                <a:r>
-                  <a:rPr lang="ja-JP" altLang="en-US">
-                    <a:noFill/>
-                  </a:rPr>
-                  <a:t> </a:t>
-                </a:r>
-              </a:p>
-            </p:txBody>
-          </p:sp>
-        </mc:Fallback>
-      </mc:AlternateContent>
-    </p:spTree>
-    <p:extLst>
-      <p:ext uri="{BB962C8B-B14F-4D97-AF65-F5344CB8AC3E}">
-        <p14:creationId xmlns:p14="http://schemas.microsoft.com/office/powerpoint/2010/main" val="3490210090"/>
-      </p:ext>
-    </p:extLst>
-  </p:cSld>
-  <p:clrMapOvr>
-    <a:masterClrMapping/>
-  </p:clrMapOvr>
-</p:sld>
-</file>
-
-<file path=ppt/slides/slide11.xml><?xml version="1.0" encoding="utf-8"?>
-<p:sld xmlns:a="http://schemas.openxmlformats.org/drawingml/2006/main" xmlns:r="http://schemas.openxmlformats.org/officeDocument/2006/relationships" xmlns:p="http://schemas.openxmlformats.org/presentationml/2006/main">
-  <p:cSld>
-    <p:spTree>
-      <p:nvGrpSpPr>
-        <p:cNvPr id="1" name=""/>
-        <p:cNvGrpSpPr/>
-        <p:nvPr/>
-      </p:nvGrpSpPr>
-      <p:grpSpPr>
-        <a:xfrm>
-          <a:off x="0" y="0"/>
-          <a:ext cx="0" cy="0"/>
-          <a:chOff x="0" y="0"/>
-          <a:chExt cx="0" cy="0"/>
-        </a:xfrm>
-      </p:grpSpPr>
-      <p:sp>
-        <p:nvSpPr>
-          <p:cNvPr id="4" name="タイトル 3">
-            <a:extLst>
-              <a:ext uri="{FF2B5EF4-FFF2-40B4-BE49-F238E27FC236}">
-                <a16:creationId xmlns:a16="http://schemas.microsoft.com/office/drawing/2014/main" id="{335CDED5-DE77-4E2C-83EA-E50DFDCB2042}"/>
-              </a:ext>
-            </a:extLst>
-          </p:cNvPr>
-          <p:cNvSpPr>
-            <a:spLocks noGrp="1"/>
-          </p:cNvSpPr>
-          <p:nvPr>
-            <p:ph type="title"/>
-          </p:nvPr>
-        </p:nvSpPr>
-        <p:spPr/>
-        <p:txBody>
-          <a:bodyPr/>
-          <a:lstStyle/>
-          <a:p>
-            <a:r>
-              <a:rPr lang="en-US" altLang="ja-JP" dirty="0"/>
-              <a:t>Central limit theorem (CLT,</a:t>
-            </a:r>
-            <a:r>
-              <a:rPr lang="ja-JP" altLang="en-US" dirty="0"/>
-              <a:t>中心極限定理</a:t>
-            </a:r>
-            <a:r>
-              <a:rPr lang="en-US" altLang="ja-JP" dirty="0"/>
-              <a:t>)</a:t>
-            </a:r>
-            <a:endParaRPr lang="ja-JP" altLang="en-US" dirty="0"/>
-          </a:p>
-        </p:txBody>
-      </p:sp>
-      <p:sp>
-        <p:nvSpPr>
-          <p:cNvPr id="5" name="テキスト プレースホルダー 4">
-            <a:extLst>
-              <a:ext uri="{FF2B5EF4-FFF2-40B4-BE49-F238E27FC236}">
-                <a16:creationId xmlns:a16="http://schemas.microsoft.com/office/drawing/2014/main" id="{3C82CB6C-4020-41D4-AA68-3B949FE60BE3}"/>
-              </a:ext>
-            </a:extLst>
-          </p:cNvPr>
-          <p:cNvSpPr>
-            <a:spLocks noGrp="1"/>
-          </p:cNvSpPr>
-          <p:nvPr>
-            <p:ph type="body" idx="1"/>
-          </p:nvPr>
-        </p:nvSpPr>
-        <p:spPr/>
-        <p:txBody>
-          <a:bodyPr/>
-          <a:lstStyle/>
-          <a:p>
-            <a:r>
-              <a:rPr lang="ja-JP" altLang="en-US" dirty="0"/>
-              <a:t>平均はだいたい正規分布</a:t>
-            </a:r>
-          </a:p>
-        </p:txBody>
-      </p:sp>
-    </p:spTree>
-    <p:extLst>
-      <p:ext uri="{BB962C8B-B14F-4D97-AF65-F5344CB8AC3E}">
-        <p14:creationId xmlns:p14="http://schemas.microsoft.com/office/powerpoint/2010/main" val="1861564420"/>
-      </p:ext>
-    </p:extLst>
-  </p:cSld>
-  <p:clrMapOvr>
-    <a:masterClrMapping/>
-  </p:clrMapOvr>
-</p:sld>
-</file>
-
-<file path=ppt/slides/slide12.xml><?xml version="1.0" encoding="utf-8"?>
-<p:sld xmlns:a="http://schemas.openxmlformats.org/drawingml/2006/main" xmlns:r="http://schemas.openxmlformats.org/officeDocument/2006/relationships" xmlns:p="http://schemas.openxmlformats.org/presentationml/2006/main">
-  <p:cSld>
-    <p:spTree>
-      <p:nvGrpSpPr>
-        <p:cNvPr id="1" name=""/>
-        <p:cNvGrpSpPr/>
-        <p:nvPr/>
-      </p:nvGrpSpPr>
-      <p:grpSpPr>
-        <a:xfrm>
-          <a:off x="0" y="0"/>
-          <a:ext cx="0" cy="0"/>
-          <a:chOff x="0" y="0"/>
-          <a:chExt cx="0" cy="0"/>
-        </a:xfrm>
-      </p:grpSpPr>
-      <p:sp>
-        <p:nvSpPr>
-          <p:cNvPr id="2" name="タイトル 1">
-            <a:extLst>
-              <a:ext uri="{FF2B5EF4-FFF2-40B4-BE49-F238E27FC236}">
-                <a16:creationId xmlns:a16="http://schemas.microsoft.com/office/drawing/2014/main" id="{15E6E7B5-9EE6-44E6-B800-F2058EE9A658}"/>
-              </a:ext>
-            </a:extLst>
-          </p:cNvPr>
-          <p:cNvSpPr>
-            <a:spLocks noGrp="1"/>
-          </p:cNvSpPr>
-          <p:nvPr>
-            <p:ph type="title"/>
-          </p:nvPr>
-        </p:nvSpPr>
-        <p:spPr/>
-        <p:txBody>
-          <a:bodyPr/>
-          <a:lstStyle/>
-          <a:p>
-            <a:r>
-              <a:rPr lang="en-US" altLang="ja-JP" dirty="0"/>
-              <a:t>Central limit theorem</a:t>
-            </a:r>
-            <a:endParaRPr kumimoji="1" lang="ja-JP" altLang="en-US" dirty="0"/>
-          </a:p>
-        </p:txBody>
-      </p:sp>
-      <p:sp>
-        <p:nvSpPr>
-          <p:cNvPr id="8" name="コンテンツ プレースホルダー 7">
-            <a:extLst>
-              <a:ext uri="{FF2B5EF4-FFF2-40B4-BE49-F238E27FC236}">
-                <a16:creationId xmlns:a16="http://schemas.microsoft.com/office/drawing/2014/main" id="{45AE83C9-C9DC-4847-BF1D-6FD1E71D404A}"/>
-              </a:ext>
-            </a:extLst>
-          </p:cNvPr>
-          <p:cNvSpPr>
-            <a:spLocks noGrp="1"/>
-          </p:cNvSpPr>
-          <p:nvPr>
-            <p:ph sz="half" idx="1"/>
-          </p:nvPr>
-        </p:nvSpPr>
-        <p:spPr/>
-        <p:txBody>
-          <a:bodyPr/>
-          <a:lstStyle/>
-          <a:p>
-            <a:pPr marL="36900" indent="0">
-              <a:buNone/>
-            </a:pPr>
-            <a:r>
-              <a:rPr lang="ja-JP" altLang="en-US" dirty="0"/>
-              <a:t>確率分布に従うサンプルをし、</a:t>
-            </a:r>
-            <a:br>
-              <a:rPr lang="en-US" altLang="ja-JP" dirty="0"/>
-            </a:br>
-            <a:r>
-              <a:rPr lang="ja-JP" altLang="en-US" dirty="0"/>
-              <a:t>このサンプルの平均値を出すとする。</a:t>
-            </a:r>
-            <a:br>
-              <a:rPr lang="en-US" altLang="ja-JP" dirty="0"/>
-            </a:br>
-            <a:r>
-              <a:rPr lang="ja-JP" altLang="en-US" dirty="0"/>
-              <a:t>サンプルする数が増えれば増えるほど、</a:t>
-            </a:r>
-            <a:br>
-              <a:rPr lang="en-US" altLang="ja-JP" dirty="0"/>
-            </a:br>
-            <a:r>
-              <a:rPr lang="ja-JP" altLang="en-US" dirty="0"/>
-              <a:t>この平均値は正規分布に近づいていく。</a:t>
-            </a:r>
-            <a:endParaRPr lang="en-US" altLang="ja-JP" dirty="0"/>
-          </a:p>
-          <a:p>
-            <a:pPr marL="36900" indent="0">
-              <a:buNone/>
-            </a:pPr>
-            <a:r>
-              <a:rPr lang="en-US" altLang="ja-JP" dirty="0"/>
-              <a:t>1</a:t>
-            </a:r>
-            <a:r>
-              <a:rPr lang="ja-JP" altLang="en-US" dirty="0"/>
-              <a:t>ピクセルで</a:t>
-            </a:r>
-            <a:r>
-              <a:rPr lang="en-US" altLang="ja-JP" dirty="0"/>
-              <a:t>1024spp</a:t>
-            </a:r>
-            <a:r>
-              <a:rPr lang="ja-JP" altLang="en-US" dirty="0"/>
-              <a:t>などとすると</a:t>
-            </a:r>
-            <a:br>
-              <a:rPr lang="en-US" altLang="ja-JP" dirty="0"/>
-            </a:br>
-            <a:r>
-              <a:rPr lang="ja-JP" altLang="en-US" dirty="0"/>
-              <a:t>この</a:t>
-            </a:r>
-            <a:r>
-              <a:rPr lang="en-US" altLang="ja-JP" dirty="0"/>
-              <a:t>1</a:t>
-            </a:r>
-            <a:r>
-              <a:rPr lang="ja-JP" altLang="en-US" dirty="0"/>
-              <a:t>ピクセルの値は正規分布に</a:t>
-            </a:r>
-            <a:br>
-              <a:rPr lang="en-US" altLang="ja-JP" dirty="0"/>
-            </a:br>
-            <a:r>
-              <a:rPr lang="ja-JP" altLang="en-US" dirty="0"/>
-              <a:t>近い分布だとみなせ、</a:t>
-            </a:r>
-            <a:br>
-              <a:rPr lang="en-US" altLang="ja-JP" dirty="0"/>
-            </a:br>
-            <a:r>
-              <a:rPr lang="ja-JP" altLang="en-US" dirty="0"/>
-              <a:t>ウェルチの</a:t>
-            </a:r>
-            <a:r>
-              <a:rPr lang="en-US" altLang="ja-JP" dirty="0"/>
-              <a:t>t</a:t>
-            </a:r>
-            <a:r>
-              <a:rPr lang="ja-JP" altLang="en-US" dirty="0"/>
-              <a:t>検定の</a:t>
-            </a:r>
-            <a:r>
-              <a:rPr lang="en-US" altLang="ja-JP" dirty="0"/>
-              <a:t>1</a:t>
-            </a:r>
-            <a:r>
-              <a:rPr lang="ja-JP" altLang="en-US" dirty="0"/>
-              <a:t>サンプルとできる。</a:t>
-            </a:r>
-            <a:endParaRPr lang="en-US" altLang="ja-JP" dirty="0"/>
-          </a:p>
-          <a:p>
-            <a:pPr marL="36900" indent="0">
-              <a:buNone/>
-            </a:pPr>
-            <a:r>
-              <a:rPr lang="en-US" altLang="ja-JP" dirty="0"/>
-              <a:t>32x32</a:t>
-            </a:r>
-            <a:r>
-              <a:rPr lang="ja-JP" altLang="en-US" dirty="0"/>
-              <a:t>のタイルで画像を分割して</a:t>
-            </a:r>
-            <a:br>
-              <a:rPr lang="en-US" altLang="ja-JP" dirty="0"/>
-            </a:br>
-            <a:r>
-              <a:rPr lang="en-US" altLang="ja-JP" dirty="0"/>
-              <a:t>1024</a:t>
-            </a:r>
-            <a:r>
-              <a:rPr lang="ja-JP" altLang="en-US" dirty="0"/>
-              <a:t>個のウェルチサンプルを得て</a:t>
-            </a:r>
-            <a:br>
-              <a:rPr lang="en-US" altLang="ja-JP" dirty="0"/>
-            </a:br>
-            <a:r>
-              <a:rPr lang="ja-JP" altLang="en-US" dirty="0"/>
-              <a:t>検定を行える</a:t>
-            </a:r>
-            <a:endParaRPr lang="en-US" altLang="ja-JP" dirty="0"/>
-          </a:p>
-          <a:p>
-            <a:pPr marL="36900" indent="0">
-              <a:buNone/>
-            </a:pPr>
-            <a:endParaRPr lang="ja-JP" altLang="en-US" dirty="0"/>
-          </a:p>
-        </p:txBody>
-      </p:sp>
-      <p:sp>
-        <p:nvSpPr>
-          <p:cNvPr id="9" name="コンテンツ プレースホルダー 8">
-            <a:extLst>
-              <a:ext uri="{FF2B5EF4-FFF2-40B4-BE49-F238E27FC236}">
-                <a16:creationId xmlns:a16="http://schemas.microsoft.com/office/drawing/2014/main" id="{ECD560F7-6A06-4F27-8CB6-45BF58FD48AC}"/>
-              </a:ext>
-            </a:extLst>
-          </p:cNvPr>
-          <p:cNvSpPr>
-            <a:spLocks noGrp="1"/>
-          </p:cNvSpPr>
-          <p:nvPr>
-            <p:ph sz="half" idx="2"/>
-          </p:nvPr>
-        </p:nvSpPr>
-        <p:spPr/>
-        <p:txBody>
-          <a:bodyPr/>
-          <a:lstStyle/>
-          <a:p>
-            <a:pPr marL="36900" indent="0">
-              <a:buNone/>
-            </a:pPr>
-            <a:r>
-              <a:rPr lang="en-US" altLang="ja-JP" dirty="0"/>
-              <a:t>TODO: CLT</a:t>
-            </a:r>
-            <a:r>
-              <a:rPr lang="ja-JP" altLang="en-US" dirty="0"/>
-              <a:t>がわかりやすいグラフ</a:t>
-            </a:r>
-          </a:p>
-        </p:txBody>
-      </p:sp>
-    </p:spTree>
-    <p:extLst>
-      <p:ext uri="{BB962C8B-B14F-4D97-AF65-F5344CB8AC3E}">
-        <p14:creationId xmlns:p14="http://schemas.microsoft.com/office/powerpoint/2010/main" val="2348903210"/>
-      </p:ext>
-    </p:extLst>
-  </p:cSld>
-  <p:clrMapOvr>
-    <a:masterClrMapping/>
-  </p:clrMapOvr>
-</p:sld>
-</file>
-
-<file path=ppt/slides/slide13.xml><?xml version="1.0" encoding="utf-8"?>
-<p:sld xmlns:a="http://schemas.openxmlformats.org/drawingml/2006/main" xmlns:r="http://schemas.openxmlformats.org/officeDocument/2006/relationships" xmlns:p="http://schemas.openxmlformats.org/presentationml/2006/main">
-  <p:cSld>
-    <p:spTree>
-      <p:nvGrpSpPr>
-        <p:cNvPr id="1" name=""/>
-        <p:cNvGrpSpPr/>
-        <p:nvPr/>
-      </p:nvGrpSpPr>
-      <p:grpSpPr>
-        <a:xfrm>
-          <a:off x="0" y="0"/>
-          <a:ext cx="0" cy="0"/>
-          <a:chOff x="0" y="0"/>
-          <a:chExt cx="0" cy="0"/>
-        </a:xfrm>
-      </p:grpSpPr>
-      <p:sp>
-        <p:nvSpPr>
-          <p:cNvPr id="2" name="タイトル 1">
-            <a:extLst>
-              <a:ext uri="{FF2B5EF4-FFF2-40B4-BE49-F238E27FC236}">
-                <a16:creationId xmlns:a16="http://schemas.microsoft.com/office/drawing/2014/main" id="{4DD30E8E-FF3D-4373-8CA7-98926018B415}"/>
-              </a:ext>
-            </a:extLst>
-          </p:cNvPr>
-          <p:cNvSpPr>
-            <a:spLocks noGrp="1"/>
-          </p:cNvSpPr>
-          <p:nvPr>
-            <p:ph type="title"/>
-          </p:nvPr>
-        </p:nvSpPr>
-        <p:spPr/>
-        <p:txBody>
-          <a:bodyPr/>
-          <a:lstStyle/>
-          <a:p>
-            <a:r>
-              <a:rPr kumimoji="1" lang="ja-JP" altLang="en-US" dirty="0"/>
-              <a:t>注意点</a:t>
-            </a:r>
-          </a:p>
-        </p:txBody>
-      </p:sp>
-      <p:sp>
-        <p:nvSpPr>
-          <p:cNvPr id="3" name="コンテンツ プレースホルダー 2">
-            <a:extLst>
-              <a:ext uri="{FF2B5EF4-FFF2-40B4-BE49-F238E27FC236}">
-                <a16:creationId xmlns:a16="http://schemas.microsoft.com/office/drawing/2014/main" id="{C2FCDA66-9F7F-4BAD-B835-F7DD634478A3}"/>
-              </a:ext>
-            </a:extLst>
-          </p:cNvPr>
-          <p:cNvSpPr>
-            <a:spLocks noGrp="1"/>
-          </p:cNvSpPr>
-          <p:nvPr>
-            <p:ph idx="1"/>
-          </p:nvPr>
-        </p:nvSpPr>
-        <p:spPr/>
-        <p:txBody>
-          <a:bodyPr/>
-          <a:lstStyle/>
-          <a:p>
-            <a:r>
-              <a:rPr kumimoji="1" lang="en-US" altLang="ja-JP" dirty="0"/>
-              <a:t>QMC</a:t>
-            </a:r>
-            <a:r>
-              <a:rPr lang="ja-JP" altLang="en-US" dirty="0"/>
-              <a:t>のインターバルを考慮しないといけない。</a:t>
-            </a:r>
-            <a:endParaRPr kumimoji="1" lang="ja-JP" altLang="en-US" dirty="0"/>
-          </a:p>
-        </p:txBody>
-      </p:sp>
-    </p:spTree>
-    <p:extLst>
-      <p:ext uri="{BB962C8B-B14F-4D97-AF65-F5344CB8AC3E}">
-        <p14:creationId xmlns:p14="http://schemas.microsoft.com/office/powerpoint/2010/main" val="4292440926"/>
-      </p:ext>
-    </p:extLst>
-  </p:cSld>
-  <p:clrMapOvr>
-    <a:masterClrMapping/>
-  </p:clrMapOvr>
-</p:sld>
-</file>
-
-<file path=ppt/slides/slide14.xml><?xml version="1.0" encoding="utf-8"?>
-<p:sld xmlns:a="http://schemas.openxmlformats.org/drawingml/2006/main" xmlns:r="http://schemas.openxmlformats.org/officeDocument/2006/relationships" xmlns:p="http://schemas.openxmlformats.org/presentationml/2006/main">
-  <p:cSld>
-    <p:spTree>
-      <p:nvGrpSpPr>
-        <p:cNvPr id="1" name=""/>
-        <p:cNvGrpSpPr/>
-        <p:nvPr/>
-      </p:nvGrpSpPr>
-      <p:grpSpPr>
-        <a:xfrm>
-          <a:off x="0" y="0"/>
-          <a:ext cx="0" cy="0"/>
-          <a:chOff x="0" y="0"/>
-          <a:chExt cx="0" cy="0"/>
-        </a:xfrm>
-      </p:grpSpPr>
-      <p:sp>
-        <p:nvSpPr>
-          <p:cNvPr id="2" name="タイトル 1">
-            <a:extLst>
-              <a:ext uri="{FF2B5EF4-FFF2-40B4-BE49-F238E27FC236}">
-                <a16:creationId xmlns:a16="http://schemas.microsoft.com/office/drawing/2014/main" id="{C03CFDFA-9A29-4FB6-84A9-54EBFB9727E6}"/>
-              </a:ext>
-            </a:extLst>
-          </p:cNvPr>
-          <p:cNvSpPr>
-            <a:spLocks noGrp="1"/>
-          </p:cNvSpPr>
-          <p:nvPr>
-            <p:ph type="title"/>
-          </p:nvPr>
-        </p:nvSpPr>
-        <p:spPr/>
-        <p:txBody>
-          <a:bodyPr/>
-          <a:lstStyle/>
-          <a:p>
-            <a:r>
-              <a:rPr lang="en-US" altLang="ja-JP" dirty="0"/>
-              <a:t>TODO</a:t>
-            </a:r>
-            <a:endParaRPr kumimoji="1" lang="ja-JP" altLang="en-US" dirty="0"/>
-          </a:p>
-        </p:txBody>
-      </p:sp>
-      <p:sp>
-        <p:nvSpPr>
-          <p:cNvPr id="3" name="コンテンツ プレースホルダー 2">
-            <a:extLst>
-              <a:ext uri="{FF2B5EF4-FFF2-40B4-BE49-F238E27FC236}">
-                <a16:creationId xmlns:a16="http://schemas.microsoft.com/office/drawing/2014/main" id="{4827613A-CB48-4376-8AF8-A68FEE9F1671}"/>
-              </a:ext>
-            </a:extLst>
-          </p:cNvPr>
-          <p:cNvSpPr>
-            <a:spLocks noGrp="1"/>
-          </p:cNvSpPr>
-          <p:nvPr>
-            <p:ph idx="1"/>
-          </p:nvPr>
-        </p:nvSpPr>
-        <p:spPr/>
-        <p:txBody>
-          <a:bodyPr/>
-          <a:lstStyle/>
-          <a:p>
-            <a:pPr marL="36900" indent="0">
-              <a:buNone/>
-            </a:pPr>
-            <a:r>
-              <a:rPr kumimoji="1" lang="en-US" altLang="ja-JP" dirty="0"/>
-              <a:t>- </a:t>
-            </a:r>
-            <a:r>
-              <a:rPr kumimoji="1" lang="ja-JP" altLang="en-US" dirty="0"/>
-              <a:t>作業量を見積もりたい</a:t>
-            </a:r>
-            <a:br>
-              <a:rPr kumimoji="1" lang="en-US" altLang="ja-JP" dirty="0"/>
-            </a:br>
-            <a:r>
-              <a:rPr kumimoji="1" lang="en-US" altLang="ja-JP" dirty="0"/>
-              <a:t>- </a:t>
-            </a:r>
-            <a:r>
-              <a:rPr kumimoji="1" lang="en-US" altLang="ja-JP" dirty="0" err="1"/>
-              <a:t>weltch</a:t>
-            </a:r>
-            <a:r>
-              <a:rPr kumimoji="1" lang="ja-JP" altLang="en-US" dirty="0"/>
-              <a:t>のテストについて述べる</a:t>
-            </a:r>
-            <a:br>
-              <a:rPr lang="en-US" altLang="ja-JP" dirty="0"/>
-            </a:br>
-            <a:r>
-              <a:rPr lang="en-US" altLang="ja-JP" dirty="0"/>
-              <a:t>- </a:t>
-            </a:r>
-            <a:r>
-              <a:rPr lang="ja-JP" altLang="en-US" dirty="0"/>
-              <a:t>デモを実装する</a:t>
-            </a:r>
-            <a:r>
-              <a:rPr lang="en-US" altLang="ja-JP" dirty="0"/>
-              <a:t>(</a:t>
-            </a:r>
-            <a:r>
-              <a:rPr lang="ja-JP" altLang="en-US" dirty="0"/>
-              <a:t>全部</a:t>
-            </a:r>
-            <a:r>
-              <a:rPr lang="en-US" altLang="ja-JP" dirty="0"/>
-              <a:t>Python?)</a:t>
-            </a:r>
-            <a:br>
-              <a:rPr lang="en-US" altLang="ja-JP" dirty="0"/>
-            </a:br>
-            <a:endParaRPr kumimoji="1" lang="ja-JP" altLang="en-US" dirty="0"/>
-          </a:p>
-        </p:txBody>
-      </p:sp>
-    </p:spTree>
-    <p:extLst>
-      <p:ext uri="{BB962C8B-B14F-4D97-AF65-F5344CB8AC3E}">
-        <p14:creationId xmlns:p14="http://schemas.microsoft.com/office/powerpoint/2010/main" val="4131927252"/>
-      </p:ext>
-    </p:extLst>
-  </p:cSld>
-  <p:clrMapOvr>
-    <a:masterClrMapping/>
-  </p:clrMapOvr>
-</p:sld>
-</file>
-
-<file path=ppt/slides/slide2.xml><?xml version="1.0" encoding="utf-8"?>
-<p:sld xmlns:a="http://schemas.openxmlformats.org/drawingml/2006/main" xmlns:r="http://schemas.openxmlformats.org/officeDocument/2006/relationships" xmlns:p="http://schemas.openxmlformats.org/presentationml/2006/main">
-  <p:cSld>
-    <p:spTree>
-      <p:nvGrpSpPr>
-        <p:cNvPr id="1" name=""/>
-        <p:cNvGrpSpPr/>
-        <p:nvPr/>
-      </p:nvGrpSpPr>
-      <p:grpSpPr>
-        <a:xfrm>
-          <a:off x="0" y="0"/>
-          <a:ext cx="0" cy="0"/>
-          <a:chOff x="0" y="0"/>
-          <a:chExt cx="0" cy="0"/>
-        </a:xfrm>
-      </p:grpSpPr>
-      <p:sp>
-        <p:nvSpPr>
-          <p:cNvPr id="2" name="タイトル 1">
-            <a:extLst>
-              <a:ext uri="{FF2B5EF4-FFF2-40B4-BE49-F238E27FC236}">
-                <a16:creationId xmlns:a16="http://schemas.microsoft.com/office/drawing/2014/main" id="{31EA86D6-D76B-4FE0-A7B0-1DCD331658AD}"/>
-              </a:ext>
-            </a:extLst>
-          </p:cNvPr>
-          <p:cNvSpPr>
-            <a:spLocks noGrp="1"/>
-          </p:cNvSpPr>
-          <p:nvPr>
-            <p:ph type="title"/>
-          </p:nvPr>
-        </p:nvSpPr>
-        <p:spPr/>
-        <p:txBody>
-          <a:bodyPr/>
-          <a:lstStyle/>
-          <a:p>
-            <a:r>
-              <a:rPr kumimoji="1" lang="en-US" altLang="ja-JP" dirty="0"/>
-              <a:t>Motivation</a:t>
-            </a:r>
-            <a:endParaRPr kumimoji="1" lang="ja-JP" altLang="en-US" dirty="0"/>
-          </a:p>
-        </p:txBody>
-      </p:sp>
-      <p:sp>
-        <p:nvSpPr>
-          <p:cNvPr id="3" name="コンテンツ プレースホルダー 2">
-            <a:extLst>
-              <a:ext uri="{FF2B5EF4-FFF2-40B4-BE49-F238E27FC236}">
-                <a16:creationId xmlns:a16="http://schemas.microsoft.com/office/drawing/2014/main" id="{6A172113-A978-45AF-9EC8-725420025102}"/>
-              </a:ext>
-            </a:extLst>
-          </p:cNvPr>
-          <p:cNvSpPr>
-            <a:spLocks noGrp="1"/>
-          </p:cNvSpPr>
-          <p:nvPr>
-            <p:ph idx="1"/>
-          </p:nvPr>
-        </p:nvSpPr>
-        <p:spPr/>
-        <p:txBody>
-          <a:bodyPr anchor="ctr">
-            <a:normAutofit/>
-          </a:bodyPr>
-          <a:lstStyle/>
-          <a:p>
-            <a:pPr marL="36900" indent="0" algn="ctr" fontAlgn="ctr">
-              <a:buNone/>
-            </a:pPr>
-            <a:r>
-              <a:rPr kumimoji="1" lang="en-US" altLang="ja-JP" sz="3600" dirty="0"/>
-              <a:t>Renderer</a:t>
-            </a:r>
-            <a:r>
-              <a:rPr kumimoji="1" lang="ja-JP" altLang="en-US" sz="3600" dirty="0"/>
-              <a:t>が</a:t>
-            </a:r>
-            <a:r>
-              <a:rPr kumimoji="1" lang="en-US" altLang="ja-JP" sz="3600" dirty="0"/>
-              <a:t>Biased</a:t>
-            </a:r>
-            <a:r>
-              <a:rPr kumimoji="1" lang="ja-JP" altLang="en-US" sz="3600" dirty="0"/>
-              <a:t>か</a:t>
-            </a:r>
-            <a:r>
-              <a:rPr kumimoji="1" lang="en-US" altLang="ja-JP" sz="3600" dirty="0"/>
-              <a:t>Unbiased</a:t>
-            </a:r>
-            <a:r>
-              <a:rPr kumimoji="1" lang="ja-JP" altLang="en-US" sz="3600" dirty="0"/>
-              <a:t>かを</a:t>
-            </a:r>
-            <a:br>
-              <a:rPr kumimoji="1" lang="en-US" altLang="ja-JP" sz="3600" dirty="0"/>
-            </a:br>
-            <a:r>
-              <a:rPr kumimoji="1" lang="ja-JP" altLang="en-US" sz="3600" dirty="0"/>
-              <a:t>少ないレンダリング時間で知りたい！</a:t>
-            </a:r>
-            <a:br>
-              <a:rPr kumimoji="1" lang="en-US" altLang="ja-JP" sz="3600" dirty="0"/>
-            </a:br>
-            <a:endParaRPr kumimoji="1" lang="ja-JP" altLang="en-US" sz="3600" dirty="0"/>
-          </a:p>
-        </p:txBody>
-      </p:sp>
-    </p:spTree>
-    <p:extLst>
-      <p:ext uri="{BB962C8B-B14F-4D97-AF65-F5344CB8AC3E}">
-        <p14:creationId xmlns:p14="http://schemas.microsoft.com/office/powerpoint/2010/main" val="545919855"/>
-      </p:ext>
-    </p:extLst>
-  </p:cSld>
-  <p:clrMapOvr>
-    <a:masterClrMapping/>
-  </p:clrMapOvr>
-</p:sld>
-</file>
-
-<file path=ppt/slides/slide3.xml><?xml version="1.0" encoding="utf-8"?>
-<p:sld xmlns:a="http://schemas.openxmlformats.org/drawingml/2006/main" xmlns:r="http://schemas.openxmlformats.org/officeDocument/2006/relationships" xmlns:p="http://schemas.openxmlformats.org/presentationml/2006/main">
-  <p:cSld>
-    <p:spTree>
-      <p:nvGrpSpPr>
-        <p:cNvPr id="1" name=""/>
-        <p:cNvGrpSpPr/>
-        <p:nvPr/>
-      </p:nvGrpSpPr>
-      <p:grpSpPr>
-        <a:xfrm>
-          <a:off x="0" y="0"/>
-          <a:ext cx="0" cy="0"/>
-          <a:chOff x="0" y="0"/>
-          <a:chExt cx="0" cy="0"/>
-        </a:xfrm>
-      </p:grpSpPr>
-      <p:sp>
-        <p:nvSpPr>
-          <p:cNvPr id="2" name="タイトル 1">
-            <a:extLst>
-              <a:ext uri="{FF2B5EF4-FFF2-40B4-BE49-F238E27FC236}">
-                <a16:creationId xmlns:a16="http://schemas.microsoft.com/office/drawing/2014/main" id="{B110E0A8-AAD9-40C2-9139-0291A11A51B4}"/>
-              </a:ext>
-            </a:extLst>
-          </p:cNvPr>
-          <p:cNvSpPr>
-            <a:spLocks noGrp="1"/>
-          </p:cNvSpPr>
-          <p:nvPr>
-            <p:ph type="title"/>
-          </p:nvPr>
-        </p:nvSpPr>
-        <p:spPr/>
-        <p:txBody>
-          <a:bodyPr/>
-          <a:lstStyle/>
-          <a:p>
-            <a:r>
-              <a:rPr kumimoji="1" lang="en-US" altLang="ja-JP" sz="4000" dirty="0"/>
-              <a:t>Biased</a:t>
-            </a:r>
-            <a:r>
-              <a:rPr lang="ja-JP" altLang="en-US" dirty="0"/>
-              <a:t> </a:t>
-            </a:r>
-            <a:r>
-              <a:rPr lang="en-US" altLang="ja-JP" dirty="0"/>
-              <a:t>or</a:t>
-            </a:r>
-            <a:r>
-              <a:rPr lang="ja-JP" altLang="en-US" dirty="0"/>
-              <a:t> </a:t>
-            </a:r>
-            <a:r>
-              <a:rPr kumimoji="1" lang="en-US" altLang="ja-JP" sz="4000" dirty="0"/>
-              <a:t>Unbiased</a:t>
-            </a:r>
-            <a:endParaRPr kumimoji="1" lang="ja-JP" altLang="en-US" dirty="0"/>
-          </a:p>
-        </p:txBody>
-      </p:sp>
-      <p:sp>
-        <p:nvSpPr>
-          <p:cNvPr id="3" name="コンテンツ プレースホルダー 2">
-            <a:extLst>
-              <a:ext uri="{FF2B5EF4-FFF2-40B4-BE49-F238E27FC236}">
-                <a16:creationId xmlns:a16="http://schemas.microsoft.com/office/drawing/2014/main" id="{F03EA953-6E7B-4D34-80D1-4305A3FE136C}"/>
-              </a:ext>
-            </a:extLst>
-          </p:cNvPr>
-          <p:cNvSpPr>
-            <a:spLocks noGrp="1"/>
-          </p:cNvSpPr>
-          <p:nvPr>
-            <p:ph idx="1"/>
-          </p:nvPr>
-        </p:nvSpPr>
-        <p:spPr/>
-        <p:txBody>
-          <a:bodyPr anchor="ctr">
-            <a:normAutofit/>
-          </a:bodyPr>
-          <a:lstStyle/>
-          <a:p>
-            <a:pPr marL="36900" indent="0">
-              <a:buNone/>
-            </a:pPr>
-            <a:r>
-              <a:rPr kumimoji="1" lang="en-US" altLang="ja-JP" sz="3200" dirty="0"/>
-              <a:t>     Biased:</a:t>
-            </a:r>
-            <a:r>
-              <a:rPr kumimoji="1" lang="ja-JP" altLang="en-US" sz="3200" dirty="0"/>
-              <a:t>毎サンプル、期待値と同じになる。</a:t>
-            </a:r>
-            <a:br>
-              <a:rPr kumimoji="1" lang="en-US" altLang="ja-JP" sz="3200" dirty="0"/>
-            </a:br>
-            <a:br>
-              <a:rPr kumimoji="1" lang="en-US" altLang="ja-JP" sz="3200" dirty="0"/>
-            </a:br>
-            <a:r>
-              <a:rPr kumimoji="1" lang="en-US" altLang="ja-JP" sz="3200" dirty="0"/>
-              <a:t>Unbiased:</a:t>
-            </a:r>
-            <a:r>
-              <a:rPr kumimoji="1" lang="ja-JP" altLang="en-US" sz="3200" dirty="0"/>
-              <a:t>毎サンプル、期待値と同じにはならない。</a:t>
-            </a:r>
-            <a:br>
-              <a:rPr kumimoji="1" lang="en-US" altLang="ja-JP" sz="3200" dirty="0"/>
-            </a:br>
-            <a:r>
-              <a:rPr lang="ja-JP" altLang="en-US" sz="3200" dirty="0"/>
-              <a:t>                 </a:t>
-            </a:r>
-            <a:r>
-              <a:rPr kumimoji="1" lang="ja-JP" altLang="en-US" sz="3200" dirty="0"/>
-              <a:t>バグってるとなりがち。</a:t>
-            </a:r>
-          </a:p>
-        </p:txBody>
-      </p:sp>
-    </p:spTree>
-    <p:extLst>
-      <p:ext uri="{BB962C8B-B14F-4D97-AF65-F5344CB8AC3E}">
-        <p14:creationId xmlns:p14="http://schemas.microsoft.com/office/powerpoint/2010/main" val="4129185759"/>
-      </p:ext>
-    </p:extLst>
-  </p:cSld>
-  <p:clrMapOvr>
-    <a:masterClrMapping/>
-  </p:clrMapOvr>
-</p:sld>
-</file>
-
-<file path=ppt/slides/slide4.xml><?xml version="1.0" encoding="utf-8"?>
-<p:sld xmlns:a="http://schemas.openxmlformats.org/drawingml/2006/main" xmlns:r="http://schemas.openxmlformats.org/officeDocument/2006/relationships" xmlns:p="http://schemas.openxmlformats.org/presentationml/2006/main">
-  <p:cSld>
-    <p:spTree>
-      <p:nvGrpSpPr>
-        <p:cNvPr id="1" name=""/>
-        <p:cNvGrpSpPr/>
-        <p:nvPr/>
-      </p:nvGrpSpPr>
-      <p:grpSpPr>
-        <a:xfrm>
-          <a:off x="0" y="0"/>
-          <a:ext cx="0" cy="0"/>
-          <a:chOff x="0" y="0"/>
-          <a:chExt cx="0" cy="0"/>
-        </a:xfrm>
-      </p:grpSpPr>
-      <p:sp>
-        <p:nvSpPr>
-          <p:cNvPr id="2" name="タイトル 1">
-            <a:extLst>
-              <a:ext uri="{FF2B5EF4-FFF2-40B4-BE49-F238E27FC236}">
-                <a16:creationId xmlns:a16="http://schemas.microsoft.com/office/drawing/2014/main" id="{31EA86D6-D76B-4FE0-A7B0-1DCD331658AD}"/>
-              </a:ext>
-            </a:extLst>
-          </p:cNvPr>
-          <p:cNvSpPr>
-            <a:spLocks noGrp="1"/>
-          </p:cNvSpPr>
-          <p:nvPr>
-            <p:ph type="title"/>
-          </p:nvPr>
-        </p:nvSpPr>
-        <p:spPr/>
-        <p:txBody>
-          <a:bodyPr/>
-          <a:lstStyle/>
-          <a:p>
-            <a:r>
-              <a:rPr kumimoji="1" lang="en-US" altLang="ja-JP" dirty="0"/>
-              <a:t>Motivation</a:t>
-            </a:r>
-            <a:endParaRPr kumimoji="1" lang="ja-JP" altLang="en-US" dirty="0"/>
-          </a:p>
-        </p:txBody>
-      </p:sp>
-      <p:sp>
-        <p:nvSpPr>
-          <p:cNvPr id="3" name="コンテンツ プレースホルダー 2">
-            <a:extLst>
-              <a:ext uri="{FF2B5EF4-FFF2-40B4-BE49-F238E27FC236}">
-                <a16:creationId xmlns:a16="http://schemas.microsoft.com/office/drawing/2014/main" id="{6A172113-A978-45AF-9EC8-725420025102}"/>
-              </a:ext>
-            </a:extLst>
-          </p:cNvPr>
-          <p:cNvSpPr>
-            <a:spLocks noGrp="1"/>
-          </p:cNvSpPr>
-          <p:nvPr>
-            <p:ph idx="1"/>
-          </p:nvPr>
-        </p:nvSpPr>
-        <p:spPr/>
-        <p:txBody>
-          <a:bodyPr anchor="ctr">
-            <a:normAutofit/>
-          </a:bodyPr>
-          <a:lstStyle/>
-          <a:p>
-            <a:pPr marL="36900" indent="0" algn="ctr" fontAlgn="ctr">
-              <a:buNone/>
-            </a:pPr>
-            <a:r>
-              <a:rPr kumimoji="1" lang="en-US" altLang="ja-JP" sz="3600" dirty="0"/>
-              <a:t>Renderer</a:t>
-            </a:r>
-            <a:r>
-              <a:rPr kumimoji="1" lang="ja-JP" altLang="en-US" sz="3600" dirty="0"/>
-              <a:t>がバグって</a:t>
-            </a:r>
-            <a:r>
-              <a:rPr kumimoji="1" lang="en-US" altLang="ja-JP" sz="3600" dirty="0"/>
-              <a:t>Unbiased</a:t>
-            </a:r>
-            <a:r>
-              <a:rPr kumimoji="1" lang="ja-JP" altLang="en-US" sz="3600" dirty="0"/>
-              <a:t>になってないかを</a:t>
-            </a:r>
-            <a:br>
-              <a:rPr kumimoji="1" lang="en-US" altLang="ja-JP" sz="3600" dirty="0"/>
-            </a:br>
-            <a:r>
-              <a:rPr kumimoji="1" lang="ja-JP" altLang="en-US" sz="3600" dirty="0"/>
-              <a:t>少ない時間で知りたい！</a:t>
-            </a:r>
-            <a:br>
-              <a:rPr kumimoji="1" lang="en-US" altLang="ja-JP" sz="3600" dirty="0"/>
-            </a:br>
-            <a:endParaRPr kumimoji="1" lang="ja-JP" altLang="en-US" sz="3600" dirty="0"/>
-          </a:p>
-        </p:txBody>
-      </p:sp>
-    </p:spTree>
-    <p:extLst>
-      <p:ext uri="{BB962C8B-B14F-4D97-AF65-F5344CB8AC3E}">
-        <p14:creationId xmlns:p14="http://schemas.microsoft.com/office/powerpoint/2010/main" val="552085546"/>
-      </p:ext>
-    </p:extLst>
-  </p:cSld>
-  <p:clrMapOvr>
-    <a:masterClrMapping/>
-  </p:clrMapOvr>
-</p:sld>
-</file>
-
-<file path=ppt/slides/slide5.xml><?xml version="1.0" encoding="utf-8"?>
-<p:sld xmlns:a="http://schemas.openxmlformats.org/drawingml/2006/main" xmlns:r="http://schemas.openxmlformats.org/officeDocument/2006/relationships" xmlns:p="http://schemas.openxmlformats.org/presentationml/2006/main">
-  <p:cSld>
-    <p:spTree>
-      <p:nvGrpSpPr>
-        <p:cNvPr id="1" name=""/>
-        <p:cNvGrpSpPr/>
-        <p:nvPr/>
-      </p:nvGrpSpPr>
-      <p:grpSpPr>
-        <a:xfrm>
-          <a:off x="0" y="0"/>
-          <a:ext cx="0" cy="0"/>
-          <a:chOff x="0" y="0"/>
-          <a:chExt cx="0" cy="0"/>
-        </a:xfrm>
-      </p:grpSpPr>
-      <p:sp>
-        <p:nvSpPr>
-          <p:cNvPr id="4" name="タイトル 3">
-            <a:extLst>
-              <a:ext uri="{FF2B5EF4-FFF2-40B4-BE49-F238E27FC236}">
-                <a16:creationId xmlns:a16="http://schemas.microsoft.com/office/drawing/2014/main" id="{10839F3B-160B-40C8-BA4D-64A4DEF7A4E1}"/>
-              </a:ext>
-            </a:extLst>
-          </p:cNvPr>
-          <p:cNvSpPr>
-            <a:spLocks noGrp="1"/>
-          </p:cNvSpPr>
-          <p:nvPr>
-            <p:ph type="title"/>
-          </p:nvPr>
-        </p:nvSpPr>
-        <p:spPr/>
-        <p:txBody>
-          <a:bodyPr/>
-          <a:lstStyle/>
-          <a:p>
-            <a:r>
-              <a:rPr lang="en-US" altLang="ja-JP" dirty="0"/>
-              <a:t>RMSE</a:t>
-            </a:r>
-            <a:endParaRPr lang="ja-JP" altLang="en-US" dirty="0"/>
-          </a:p>
-        </p:txBody>
-      </p:sp>
-      <p:sp>
-        <p:nvSpPr>
-          <p:cNvPr id="5" name="テキスト プレースホルダー 4">
-            <a:extLst>
-              <a:ext uri="{FF2B5EF4-FFF2-40B4-BE49-F238E27FC236}">
-                <a16:creationId xmlns:a16="http://schemas.microsoft.com/office/drawing/2014/main" id="{A589400B-2AD9-4EB0-B573-F79BCC8D47BB}"/>
-              </a:ext>
-            </a:extLst>
-          </p:cNvPr>
-          <p:cNvSpPr>
-            <a:spLocks noGrp="1"/>
-          </p:cNvSpPr>
-          <p:nvPr>
-            <p:ph type="body" idx="1"/>
-          </p:nvPr>
-        </p:nvSpPr>
-        <p:spPr/>
-        <p:txBody>
-          <a:bodyPr/>
-          <a:lstStyle/>
-          <a:p>
-            <a:r>
-              <a:rPr lang="ja-JP" altLang="en-US" dirty="0"/>
-              <a:t>よくある方法</a:t>
-            </a:r>
-          </a:p>
-        </p:txBody>
-      </p:sp>
-    </p:spTree>
-    <p:extLst>
-      <p:ext uri="{BB962C8B-B14F-4D97-AF65-F5344CB8AC3E}">
-        <p14:creationId xmlns:p14="http://schemas.microsoft.com/office/powerpoint/2010/main" val="2988707101"/>
-      </p:ext>
-    </p:extLst>
-  </p:cSld>
-  <p:clrMapOvr>
-    <a:masterClrMapping/>
-  </p:clrMapOvr>
-</p:sld>
-</file>
-
-<file path=ppt/slides/slide6.xml><?xml version="1.0" encoding="utf-8"?>
-<p:sld xmlns:a="http://schemas.openxmlformats.org/drawingml/2006/main" xmlns:r="http://schemas.openxmlformats.org/officeDocument/2006/relationships" xmlns:p="http://schemas.openxmlformats.org/presentationml/2006/main">
-  <p:cSld>
-    <p:spTree>
-      <p:nvGrpSpPr>
-        <p:cNvPr id="1" name=""/>
-        <p:cNvGrpSpPr/>
-        <p:nvPr/>
-      </p:nvGrpSpPr>
-      <p:grpSpPr>
-        <a:xfrm>
-          <a:off x="0" y="0"/>
-          <a:ext cx="0" cy="0"/>
-          <a:chOff x="0" y="0"/>
-          <a:chExt cx="0" cy="0"/>
-        </a:xfrm>
-      </p:grpSpPr>
-      <p:sp>
-        <p:nvSpPr>
-          <p:cNvPr id="4" name="タイトル 3">
-            <a:extLst>
-              <a:ext uri="{FF2B5EF4-FFF2-40B4-BE49-F238E27FC236}">
-                <a16:creationId xmlns:a16="http://schemas.microsoft.com/office/drawing/2014/main" id="{A32C437C-9D18-4B52-B6C3-A6D9F35D2C63}"/>
-              </a:ext>
-            </a:extLst>
-          </p:cNvPr>
-          <p:cNvSpPr>
-            <a:spLocks noGrp="1"/>
-          </p:cNvSpPr>
-          <p:nvPr>
-            <p:ph type="title"/>
-          </p:nvPr>
-        </p:nvSpPr>
-        <p:spPr/>
-        <p:txBody>
-          <a:bodyPr/>
-          <a:lstStyle/>
-          <a:p>
-            <a:r>
-              <a:rPr lang="ja-JP" altLang="en-US" dirty="0"/>
-              <a:t>よくある方法</a:t>
-            </a:r>
-            <a:r>
-              <a:rPr lang="en-US" altLang="ja-JP" dirty="0"/>
-              <a:t> RMSE</a:t>
-            </a:r>
-            <a:endParaRPr lang="ja-JP" altLang="en-US" dirty="0"/>
-          </a:p>
-        </p:txBody>
-      </p:sp>
-      <p:sp>
-        <p:nvSpPr>
-          <p:cNvPr id="5" name="コンテンツ プレースホルダー 4">
-            <a:extLst>
-              <a:ext uri="{FF2B5EF4-FFF2-40B4-BE49-F238E27FC236}">
-                <a16:creationId xmlns:a16="http://schemas.microsoft.com/office/drawing/2014/main" id="{F4E75F39-30FC-44CB-BA15-11A79DA53385}"/>
-              </a:ext>
-            </a:extLst>
-          </p:cNvPr>
-          <p:cNvSpPr>
-            <a:spLocks noGrp="1"/>
-          </p:cNvSpPr>
-          <p:nvPr>
-            <p:ph sz="half" idx="1"/>
-          </p:nvPr>
-        </p:nvSpPr>
-        <p:spPr/>
-        <p:txBody>
-          <a:bodyPr/>
-          <a:lstStyle/>
-          <a:p>
-            <a:pPr marL="36900" indent="0">
-              <a:buNone/>
-            </a:pPr>
-            <a:r>
-              <a:rPr lang="ja-JP" altLang="en-US" dirty="0"/>
-              <a:t>ステップ</a:t>
-            </a:r>
-            <a:r>
-              <a:rPr lang="en-US" altLang="ja-JP" dirty="0"/>
-              <a:t>1:</a:t>
-            </a:r>
-            <a:r>
-              <a:rPr lang="ja-JP" altLang="en-US" dirty="0"/>
-              <a:t> リファレンス画像を作る</a:t>
-            </a:r>
-            <a:br>
-              <a:rPr lang="en-US" altLang="ja-JP" dirty="0"/>
-            </a:br>
-            <a:r>
-              <a:rPr lang="ja-JP" altLang="en-US" dirty="0"/>
-              <a:t>ステップ</a:t>
-            </a:r>
-            <a:r>
-              <a:rPr lang="en-US" altLang="ja-JP" dirty="0"/>
-              <a:t>2: </a:t>
-            </a:r>
-            <a:r>
-              <a:rPr lang="ja-JP" altLang="en-US" dirty="0"/>
-              <a:t>たくさんサンプルしてレンダリング</a:t>
-            </a:r>
-            <a:br>
-              <a:rPr lang="en-US" altLang="ja-JP" dirty="0"/>
-            </a:br>
-            <a:r>
-              <a:rPr lang="ja-JP" altLang="en-US" dirty="0"/>
-              <a:t>ステップ</a:t>
-            </a:r>
-            <a:r>
-              <a:rPr lang="en-US" altLang="ja-JP" dirty="0"/>
-              <a:t>3: </a:t>
-            </a:r>
-            <a:r>
-              <a:rPr lang="ja-JP" altLang="en-US" dirty="0"/>
-              <a:t>二者に対して</a:t>
-            </a:r>
-            <a:r>
-              <a:rPr lang="en-US" altLang="ja-JP" dirty="0"/>
-              <a:t>MSE</a:t>
-            </a:r>
-            <a:r>
-              <a:rPr lang="ja-JP" altLang="en-US" dirty="0"/>
-              <a:t>を取る</a:t>
-            </a:r>
-            <a:endParaRPr lang="en-US" altLang="ja-JP" dirty="0"/>
-          </a:p>
-          <a:p>
-            <a:pPr marL="36900" indent="0">
-              <a:buNone/>
-            </a:pPr>
-            <a:r>
-              <a:rPr lang="en-US" altLang="ja-JP" dirty="0"/>
-              <a:t>Bias</a:t>
-            </a:r>
-            <a:r>
-              <a:rPr lang="ja-JP" altLang="en-US" dirty="0"/>
-              <a:t>があると</a:t>
-            </a:r>
-            <a:r>
-              <a:rPr lang="en-US" altLang="ja-JP" dirty="0"/>
-              <a:t>log-log</a:t>
-            </a:r>
-            <a:r>
-              <a:rPr lang="ja-JP" altLang="en-US" dirty="0"/>
-              <a:t>プロットが曲がる</a:t>
-            </a:r>
-            <a:endParaRPr lang="en-US" altLang="ja-JP" dirty="0"/>
-          </a:p>
-          <a:p>
-            <a:pPr marL="36900" indent="0">
-              <a:buNone/>
-            </a:pPr>
-            <a:r>
-              <a:rPr lang="en-US" altLang="ja-JP" dirty="0"/>
-              <a:t>Proc</a:t>
-            </a:r>
-          </a:p>
-          <a:p>
-            <a:pPr>
-              <a:buFont typeface="Wingdings" panose="05000000000000000000" pitchFamily="2" charset="2"/>
-              <a:buChar char="ü"/>
-            </a:pPr>
-            <a:r>
-              <a:rPr lang="ja-JP" altLang="en-US" dirty="0"/>
-              <a:t>原理、手順が単純</a:t>
-            </a:r>
-            <a:endParaRPr lang="en-US" altLang="ja-JP" dirty="0"/>
-          </a:p>
-          <a:p>
-            <a:pPr marL="36900" indent="0">
-              <a:buNone/>
-            </a:pPr>
-            <a:r>
-              <a:rPr lang="en-US" altLang="ja-JP" dirty="0"/>
-              <a:t>Cons</a:t>
-            </a:r>
-          </a:p>
-          <a:p>
-            <a:pPr>
-              <a:buFont typeface="Wingdings" panose="05000000000000000000" pitchFamily="2" charset="2"/>
-              <a:buChar char="ü"/>
-            </a:pPr>
-            <a:r>
-              <a:rPr lang="ja-JP" altLang="en-US" dirty="0"/>
-              <a:t>時間がとてもかかる</a:t>
-            </a:r>
-            <a:endParaRPr lang="en-US" altLang="ja-JP" dirty="0"/>
-          </a:p>
-          <a:p>
-            <a:pPr>
-              <a:buFont typeface="Wingdings" panose="05000000000000000000" pitchFamily="2" charset="2"/>
-              <a:buChar char="ü"/>
-            </a:pPr>
-            <a:r>
-              <a:rPr lang="ja-JP" altLang="en-US" dirty="0"/>
-              <a:t>「曲がる」を客観的に測るには？</a:t>
-            </a:r>
-            <a:endParaRPr lang="en-US" altLang="ja-JP" dirty="0"/>
-          </a:p>
-        </p:txBody>
-      </p:sp>
-      <p:pic>
-        <p:nvPicPr>
-          <p:cNvPr id="10" name="コンテンツ プレースホルダー 9">
-            <a:extLst>
-              <a:ext uri="{FF2B5EF4-FFF2-40B4-BE49-F238E27FC236}">
-                <a16:creationId xmlns:a16="http://schemas.microsoft.com/office/drawing/2014/main" id="{6BE4D158-A4FF-466F-A5AC-0890E602B110}"/>
-              </a:ext>
-            </a:extLst>
-          </p:cNvPr>
-          <p:cNvPicPr>
-            <a:picLocks noGrp="1" noChangeAspect="1"/>
-          </p:cNvPicPr>
-          <p:nvPr>
-            <p:ph sz="half" idx="2"/>
-          </p:nvPr>
-        </p:nvPicPr>
-        <p:blipFill>
-          <a:blip r:embed="rId2"/>
-          <a:stretch>
-            <a:fillRect/>
-          </a:stretch>
-        </p:blipFill>
-        <p:spPr>
-          <a:xfrm>
-            <a:off x="6090676" y="2391813"/>
-            <a:ext cx="5936736" cy="2074373"/>
-          </a:xfrm>
-        </p:spPr>
-      </p:pic>
-    </p:spTree>
-    <p:extLst>
-      <p:ext uri="{BB962C8B-B14F-4D97-AF65-F5344CB8AC3E}">
-        <p14:creationId xmlns:p14="http://schemas.microsoft.com/office/powerpoint/2010/main" val="3024384272"/>
-      </p:ext>
-    </p:extLst>
-  </p:cSld>
-  <p:clrMapOvr>
-    <a:masterClrMapping/>
-  </p:clrMapOvr>
-</p:sld>
-</file>
-
-<file path=ppt/slides/slide7.xml><?xml version="1.0" encoding="utf-8"?>
-<p:sld xmlns:a="http://schemas.openxmlformats.org/drawingml/2006/main" xmlns:r="http://schemas.openxmlformats.org/officeDocument/2006/relationships" xmlns:p="http://schemas.openxmlformats.org/presentationml/2006/main">
-  <p:cSld>
-    <p:spTree>
-      <p:nvGrpSpPr>
-        <p:cNvPr id="1" name=""/>
-        <p:cNvGrpSpPr/>
-        <p:nvPr/>
-      </p:nvGrpSpPr>
-      <p:grpSpPr>
-        <a:xfrm>
-          <a:off x="0" y="0"/>
-          <a:ext cx="0" cy="0"/>
-          <a:chOff x="0" y="0"/>
-          <a:chExt cx="0" cy="0"/>
-        </a:xfrm>
-      </p:grpSpPr>
-      <p:sp>
-        <p:nvSpPr>
-          <p:cNvPr id="4" name="タイトル 3">
-            <a:extLst>
-              <a:ext uri="{FF2B5EF4-FFF2-40B4-BE49-F238E27FC236}">
-                <a16:creationId xmlns:a16="http://schemas.microsoft.com/office/drawing/2014/main" id="{335CDED5-DE77-4E2C-83EA-E50DFDCB2042}"/>
-              </a:ext>
-            </a:extLst>
-          </p:cNvPr>
-          <p:cNvSpPr>
-            <a:spLocks noGrp="1"/>
-          </p:cNvSpPr>
-          <p:nvPr>
-            <p:ph type="title"/>
-          </p:nvPr>
-        </p:nvSpPr>
-        <p:spPr/>
-        <p:txBody>
-          <a:bodyPr/>
-          <a:lstStyle/>
-          <a:p>
-            <a:r>
-              <a:rPr lang="en-US" altLang="ja-JP" dirty="0"/>
-              <a:t>Welch's t-test(</a:t>
-            </a:r>
-            <a:r>
-              <a:rPr lang="ja-JP" altLang="en-US" dirty="0"/>
-              <a:t>ウェルチの</a:t>
-            </a:r>
-            <a:r>
-              <a:rPr lang="en-US" altLang="ja-JP" dirty="0"/>
-              <a:t>t</a:t>
-            </a:r>
-            <a:r>
-              <a:rPr lang="ja-JP" altLang="en-US" dirty="0"/>
-              <a:t>検定</a:t>
-            </a:r>
-            <a:r>
-              <a:rPr lang="en-US" altLang="ja-JP" dirty="0"/>
-              <a:t>)</a:t>
-            </a:r>
-            <a:endParaRPr lang="ja-JP" altLang="en-US" dirty="0"/>
-          </a:p>
-        </p:txBody>
-      </p:sp>
-      <p:sp>
-        <p:nvSpPr>
-          <p:cNvPr id="5" name="テキスト プレースホルダー 4">
-            <a:extLst>
-              <a:ext uri="{FF2B5EF4-FFF2-40B4-BE49-F238E27FC236}">
-                <a16:creationId xmlns:a16="http://schemas.microsoft.com/office/drawing/2014/main" id="{3C82CB6C-4020-41D4-AA68-3B949FE60BE3}"/>
-              </a:ext>
-            </a:extLst>
-          </p:cNvPr>
-          <p:cNvSpPr>
-            <a:spLocks noGrp="1"/>
-          </p:cNvSpPr>
-          <p:nvPr>
-            <p:ph type="body" idx="1"/>
-          </p:nvPr>
-        </p:nvSpPr>
-        <p:spPr/>
-        <p:txBody>
-          <a:bodyPr/>
-          <a:lstStyle/>
-          <a:p>
-            <a:r>
-              <a:rPr lang="ja-JP" altLang="en-US" dirty="0"/>
-              <a:t>二つの母集団が同じ平均になっているかの検定</a:t>
-            </a:r>
-          </a:p>
-        </p:txBody>
-      </p:sp>
-    </p:spTree>
-    <p:extLst>
-      <p:ext uri="{BB962C8B-B14F-4D97-AF65-F5344CB8AC3E}">
-        <p14:creationId xmlns:p14="http://schemas.microsoft.com/office/powerpoint/2010/main" val="3474986257"/>
-      </p:ext>
-    </p:extLst>
-  </p:cSld>
-  <p:clrMapOvr>
-    <a:masterClrMapping/>
-  </p:clrMapOvr>
-</p:sld>
-</file>
-
-<file path=ppt/slides/slide8.xml><?xml version="1.0" encoding="utf-8"?>
-<p:sld xmlns:a="http://schemas.openxmlformats.org/drawingml/2006/main" xmlns:r="http://schemas.openxmlformats.org/officeDocument/2006/relationships" xmlns:p="http://schemas.openxmlformats.org/presentationml/2006/main">
-  <p:cSld>
-    <p:spTree>
-      <p:nvGrpSpPr>
-        <p:cNvPr id="1" name=""/>
-        <p:cNvGrpSpPr/>
-        <p:nvPr/>
-      </p:nvGrpSpPr>
-      <p:grpSpPr>
-        <a:xfrm>
-          <a:off x="0" y="0"/>
-          <a:ext cx="0" cy="0"/>
-          <a:chOff x="0" y="0"/>
-          <a:chExt cx="0" cy="0"/>
-        </a:xfrm>
-      </p:grpSpPr>
-      <p:sp>
-        <p:nvSpPr>
-          <p:cNvPr id="4" name="タイトル 3">
-            <a:extLst>
-              <a:ext uri="{FF2B5EF4-FFF2-40B4-BE49-F238E27FC236}">
-                <a16:creationId xmlns:a16="http://schemas.microsoft.com/office/drawing/2014/main" id="{23FA6549-4D62-4649-A469-58E7E40B309C}"/>
-              </a:ext>
-            </a:extLst>
-          </p:cNvPr>
-          <p:cNvSpPr>
-            <a:spLocks noGrp="1"/>
-          </p:cNvSpPr>
-          <p:nvPr>
-            <p:ph type="title"/>
-          </p:nvPr>
-        </p:nvSpPr>
-        <p:spPr/>
-        <p:txBody>
-          <a:bodyPr/>
-          <a:lstStyle/>
-          <a:p>
-            <a:r>
-              <a:rPr lang="en-US" altLang="ja-JP" dirty="0"/>
-              <a:t>Welch's t-test</a:t>
-            </a:r>
-            <a:endParaRPr lang="ja-JP" altLang="en-US" dirty="0"/>
-          </a:p>
-        </p:txBody>
-      </p:sp>
-      <p:sp>
-        <p:nvSpPr>
-          <p:cNvPr id="5" name="コンテンツ プレースホルダー 4">
-            <a:extLst>
-              <a:ext uri="{FF2B5EF4-FFF2-40B4-BE49-F238E27FC236}">
-                <a16:creationId xmlns:a16="http://schemas.microsoft.com/office/drawing/2014/main" id="{FA33C10B-CEAA-4FEF-A66A-C286C6F58C0D}"/>
-              </a:ext>
-            </a:extLst>
-          </p:cNvPr>
-          <p:cNvSpPr>
-            <a:spLocks noGrp="1"/>
-          </p:cNvSpPr>
-          <p:nvPr>
-            <p:ph idx="1"/>
-          </p:nvPr>
-        </p:nvSpPr>
-        <p:spPr/>
-        <p:txBody>
-          <a:bodyPr/>
-          <a:lstStyle/>
-          <a:p>
-            <a:pPr marL="36900" indent="0">
-              <a:buNone/>
-            </a:pPr>
-            <a:r>
-              <a:rPr lang="ja-JP" altLang="en-US" dirty="0"/>
-              <a:t>「</a:t>
-            </a:r>
-            <a:r>
-              <a:rPr lang="en-US" altLang="ja-JP" dirty="0"/>
-              <a:t>2</a:t>
-            </a:r>
-            <a:r>
-              <a:rPr lang="ja-JP" altLang="en-US" dirty="0"/>
-              <a:t>つの正規分布に従う確率変数の期待値は等しい」を</a:t>
-            </a:r>
-            <a:br>
-              <a:rPr lang="en-US" altLang="ja-JP" dirty="0"/>
-            </a:br>
-            <a:r>
-              <a:rPr lang="ja-JP" altLang="en-US" dirty="0"/>
-              <a:t>帰無仮説とした検定</a:t>
-            </a:r>
-            <a:r>
-              <a:rPr lang="en-US" altLang="ja-JP" dirty="0"/>
-              <a:t>(</a:t>
-            </a:r>
-            <a:r>
-              <a:rPr lang="ja-JP" altLang="en-US" dirty="0"/>
-              <a:t>両側検定の場合</a:t>
-            </a:r>
-            <a:r>
-              <a:rPr lang="en-US" altLang="ja-JP" dirty="0"/>
-              <a:t>)</a:t>
-            </a:r>
-            <a:r>
-              <a:rPr lang="ja-JP" altLang="en-US" dirty="0"/>
-              <a:t>。</a:t>
-            </a:r>
-            <a:br>
-              <a:rPr lang="en-US" altLang="ja-JP" dirty="0"/>
-            </a:br>
-            <a:r>
-              <a:rPr lang="ja-JP" altLang="en-US" dirty="0"/>
-              <a:t>「差が出てほしかったが出なかった」の気持ちの検定</a:t>
-            </a:r>
-            <a:br>
-              <a:rPr lang="en-US" altLang="ja-JP" dirty="0"/>
-            </a:br>
-            <a:r>
-              <a:rPr lang="ja-JP" altLang="en-US" dirty="0"/>
-              <a:t>今回欲しい「差が出てほしくなかったが出た」と逆になっていることに注意。</a:t>
-            </a:r>
-            <a:endParaRPr lang="en-US" altLang="ja-JP" dirty="0"/>
-          </a:p>
-          <a:p>
-            <a:pPr marL="36900" indent="0">
-              <a:buNone/>
-            </a:pPr>
-            <a:r>
-              <a:rPr lang="ja-JP" altLang="en-US" dirty="0"/>
-              <a:t>検定にパス</a:t>
-            </a:r>
-            <a:r>
-              <a:rPr lang="en-US" altLang="ja-JP" dirty="0"/>
-              <a:t>(</a:t>
-            </a:r>
-            <a:r>
-              <a:rPr lang="ja-JP" altLang="en-US" dirty="0"/>
-              <a:t>帰無仮説が棄却</a:t>
-            </a:r>
-            <a:r>
-              <a:rPr lang="en-US" altLang="ja-JP" dirty="0"/>
-              <a:t>)</a:t>
-            </a:r>
-            <a:r>
-              <a:rPr lang="ja-JP" altLang="en-US" dirty="0"/>
-              <a:t>すると「等しくなかったようだ」となる。</a:t>
-            </a:r>
-            <a:endParaRPr lang="en-US" altLang="ja-JP" dirty="0"/>
-          </a:p>
-          <a:p>
-            <a:pPr marL="36900" indent="0">
-              <a:buNone/>
-            </a:pPr>
-            <a:r>
-              <a:rPr lang="ja-JP" altLang="en-US" dirty="0"/>
-              <a:t>分散が二つの母集団で異なっても使用できるのが利点。</a:t>
-            </a:r>
-            <a:endParaRPr lang="en-US" altLang="ja-JP" dirty="0"/>
-          </a:p>
-        </p:txBody>
-      </p:sp>
-    </p:spTree>
-    <p:extLst>
-      <p:ext uri="{BB962C8B-B14F-4D97-AF65-F5344CB8AC3E}">
-        <p14:creationId xmlns:p14="http://schemas.microsoft.com/office/powerpoint/2010/main" val="4189556383"/>
-      </p:ext>
-    </p:extLst>
-  </p:cSld>
-  <p:clrMapOvr>
-    <a:masterClrMapping/>
-  </p:clrMapOvr>
-</p:sld>
-</file>
-
-<file path=ppt/slides/slide9.xml><?xml version="1.0" encoding="utf-8"?>
-<p:sld xmlns:a="http://schemas.openxmlformats.org/drawingml/2006/main" xmlns:r="http://schemas.openxmlformats.org/officeDocument/2006/relationships" xmlns:p="http://schemas.openxmlformats.org/presentationml/2006/main">
-  <p:cSld>
-    <p:spTree>
-      <p:nvGrpSpPr>
-        <p:cNvPr id="1" name=""/>
-        <p:cNvGrpSpPr/>
-        <p:nvPr/>
-      </p:nvGrpSpPr>
-      <p:grpSpPr>
-        <a:xfrm>
-          <a:off x="0" y="0"/>
-          <a:ext cx="0" cy="0"/>
-          <a:chOff x="0" y="0"/>
-          <a:chExt cx="0" cy="0"/>
-        </a:xfrm>
-      </p:grpSpPr>
-      <p:sp>
-        <p:nvSpPr>
           <p:cNvPr id="4" name="タイトル 3">
             <a:extLst>
               <a:ext uri="{FF2B5EF4-FFF2-40B4-BE49-F238E27FC236}">
@@ -8501,7 +6484,39 @@
                 </a14:m>
                 <a:r>
                   <a:rPr lang="ja-JP" altLang="en-US" b="0" dirty="0"/>
-                  <a:t>番目の集合の</a:t>
+                  <a:t>番目</a:t>
+                </a:r>
+                <a:r>
+                  <a:rPr lang="en-US" altLang="ja-JP" b="0" dirty="0"/>
+                  <a:t>(</a:t>
+                </a:r>
+                <a:r>
+                  <a:rPr lang="ja-JP" altLang="en-US" b="0" dirty="0"/>
+                  <a:t>今回は</a:t>
+                </a:r>
+                <a14:m>
+                  <m:oMath xmlns:m="http://schemas.openxmlformats.org/officeDocument/2006/math">
+                    <m:r>
+                      <a:rPr lang="en-US" altLang="ja-JP" b="0" i="1" smtClean="0">
+                        <a:latin typeface="Cambria Math" panose="02040503050406030204" pitchFamily="18" charset="0"/>
+                      </a:rPr>
+                      <m:t>𝑘</m:t>
+                    </m:r>
+                    <m:r>
+                      <a:rPr lang="en-US" altLang="ja-JP" b="0" i="1" smtClean="0">
+                        <a:latin typeface="Cambria Math" panose="02040503050406030204" pitchFamily="18" charset="0"/>
+                      </a:rPr>
+                      <m:t>=1,2</m:t>
+                    </m:r>
+                  </m:oMath>
+                </a14:m>
+                <a:r>
+                  <a:rPr lang="en-US" altLang="ja-JP" b="0" dirty="0"/>
+                  <a:t>)</a:t>
+                </a:r>
+                <a:r>
+                  <a:rPr lang="ja-JP" altLang="en-US" b="0" dirty="0"/>
+                  <a:t>の集合の</a:t>
                 </a:r>
                 <a14:m>
                   <m:oMath xmlns:m="http://schemas.openxmlformats.org/officeDocument/2006/math">
@@ -9429,6 +7444,4546 @@
 </p:sld>
 </file>
 
+<file path=ppt/slides/slide11.xml><?xml version="1.0" encoding="utf-8"?>
+<p:sld xmlns:a="http://schemas.openxmlformats.org/drawingml/2006/main" xmlns:r="http://schemas.openxmlformats.org/officeDocument/2006/relationships" xmlns:p="http://schemas.openxmlformats.org/presentationml/2006/main">
+  <p:cSld>
+    <p:spTree>
+      <p:nvGrpSpPr>
+        <p:cNvPr id="1" name=""/>
+        <p:cNvGrpSpPr/>
+        <p:nvPr/>
+      </p:nvGrpSpPr>
+      <p:grpSpPr>
+        <a:xfrm>
+          <a:off x="0" y="0"/>
+          <a:ext cx="0" cy="0"/>
+          <a:chOff x="0" y="0"/>
+          <a:chExt cx="0" cy="0"/>
+        </a:xfrm>
+      </p:grpSpPr>
+      <p:sp>
+        <p:nvSpPr>
+          <p:cNvPr id="2" name="タイトル 1">
+            <a:extLst>
+              <a:ext uri="{FF2B5EF4-FFF2-40B4-BE49-F238E27FC236}">
+                <a16:creationId xmlns:a16="http://schemas.microsoft.com/office/drawing/2014/main" id="{319FF2B0-2E18-48FC-9C87-638689B7D2F6}"/>
+              </a:ext>
+            </a:extLst>
+          </p:cNvPr>
+          <p:cNvSpPr>
+            <a:spLocks noGrp="1"/>
+          </p:cNvSpPr>
+          <p:nvPr>
+            <p:ph type="title"/>
+          </p:nvPr>
+        </p:nvSpPr>
+        <p:spPr/>
+        <p:txBody>
+          <a:bodyPr/>
+          <a:lstStyle/>
+          <a:p>
+            <a:r>
+              <a:rPr lang="en-US" altLang="ja-JP" dirty="0"/>
+              <a:t>Welch's t-test</a:t>
+            </a:r>
+            <a:endParaRPr kumimoji="1" lang="ja-JP" altLang="en-US" dirty="0"/>
+          </a:p>
+        </p:txBody>
+      </p:sp>
+      <mc:AlternateContent xmlns:mc="http://schemas.openxmlformats.org/markup-compatibility/2006">
+        <mc:Choice xmlns:a14="http://schemas.microsoft.com/office/drawing/2010/main" Requires="a14">
+          <p:sp>
+            <p:nvSpPr>
+              <p:cNvPr id="3" name="コンテンツ プレースホルダー 2">
+                <a:extLst>
+                  <a:ext uri="{FF2B5EF4-FFF2-40B4-BE49-F238E27FC236}">
+                    <a16:creationId xmlns:a16="http://schemas.microsoft.com/office/drawing/2014/main" id="{35DE658A-59FF-40F4-98AE-A64545E18C61}"/>
+                  </a:ext>
+                </a:extLst>
+              </p:cNvPr>
+              <p:cNvSpPr>
+                <a:spLocks noGrp="1"/>
+              </p:cNvSpPr>
+              <p:nvPr>
+                <p:ph sz="half" idx="1"/>
+              </p:nvPr>
+            </p:nvSpPr>
+            <p:spPr/>
+            <p:txBody>
+              <a:bodyPr/>
+              <a:lstStyle/>
+              <a:p>
+                <a:pPr marL="36900" indent="0">
+                  <a:buNone/>
+                </a:pPr>
+                <a:r>
+                  <a:rPr lang="ja-JP" altLang="en-US" b="0" dirty="0"/>
+                  <a:t>この時</a:t>
+                </a:r>
+                <a:r>
+                  <a:rPr lang="en-US" altLang="ja-JP" b="0" dirty="0"/>
+                  <a:t>t</a:t>
+                </a:r>
+                <a:r>
+                  <a:rPr lang="ja-JP" altLang="en-US" b="0" dirty="0"/>
+                  <a:t>値</a:t>
+                </a:r>
+                <a:r>
+                  <a:rPr lang="en-US" altLang="ja-JP" b="0" dirty="0"/>
+                  <a:t>(t-statistic)</a:t>
+                </a:r>
+                <a:r>
+                  <a:rPr lang="ja-JP" altLang="en-US" b="0" dirty="0"/>
+                  <a:t>は次のようになる</a:t>
+                </a:r>
+                <a:endParaRPr lang="en-US" altLang="ja-JP" b="0" dirty="0"/>
+              </a:p>
+              <a:p>
+                <a:pPr marL="36900" indent="0">
+                  <a:buNone/>
+                </a:pPr>
+                <a14:m>
+                  <m:oMathPara xmlns:m="http://schemas.openxmlformats.org/officeDocument/2006/math">
+                    <m:oMathParaPr>
+                      <m:jc m:val="centerGroup"/>
+                    </m:oMathParaPr>
+                    <m:oMath xmlns:m="http://schemas.openxmlformats.org/officeDocument/2006/math">
+                      <m:r>
+                        <a:rPr lang="en-US" altLang="ja-JP" b="0" i="1" smtClean="0">
+                          <a:latin typeface="Cambria Math" panose="02040503050406030204" pitchFamily="18" charset="0"/>
+                        </a:rPr>
+                        <m:t>𝑡</m:t>
+                      </m:r>
+                      <m:r>
+                        <a:rPr lang="en-US" altLang="ja-JP" b="0" i="1" smtClean="0">
+                          <a:latin typeface="Cambria Math" panose="02040503050406030204" pitchFamily="18" charset="0"/>
+                        </a:rPr>
+                        <m:t>=</m:t>
+                      </m:r>
+                      <m:f>
+                        <m:fPr>
+                          <m:ctrlPr>
+                            <a:rPr lang="en-US" altLang="ja-JP" b="0" i="1" smtClean="0">
+                              <a:latin typeface="Cambria Math" panose="02040503050406030204" pitchFamily="18" charset="0"/>
+                            </a:rPr>
+                          </m:ctrlPr>
+                        </m:fPr>
+                        <m:num>
+                          <m:acc>
+                            <m:accPr>
+                              <m:chr m:val="̅"/>
+                              <m:ctrlPr>
+                                <a:rPr lang="en-US" altLang="ja-JP" b="0" i="1" smtClean="0">
+                                  <a:latin typeface="Cambria Math" panose="02040503050406030204" pitchFamily="18" charset="0"/>
+                                </a:rPr>
+                              </m:ctrlPr>
+                            </m:accPr>
+                            <m:e>
+                              <m:sSub>
+                                <m:sSubPr>
+                                  <m:ctrlPr>
+                                    <a:rPr lang="en-US" altLang="ja-JP" b="0" i="1" smtClean="0">
+                                      <a:latin typeface="Cambria Math" panose="02040503050406030204" pitchFamily="18" charset="0"/>
+                                    </a:rPr>
+                                  </m:ctrlPr>
+                                </m:sSubPr>
+                                <m:e>
+                                  <m:r>
+                                    <a:rPr lang="en-US" altLang="ja-JP" b="0" i="1" smtClean="0">
+                                      <a:latin typeface="Cambria Math" panose="02040503050406030204" pitchFamily="18" charset="0"/>
+                                    </a:rPr>
+                                    <m:t>𝑋</m:t>
+                                  </m:r>
+                                </m:e>
+                                <m:sub>
+                                  <m:r>
+                                    <a:rPr lang="en-US" altLang="ja-JP" b="0" i="1" smtClean="0">
+                                      <a:latin typeface="Cambria Math" panose="02040503050406030204" pitchFamily="18" charset="0"/>
+                                    </a:rPr>
+                                    <m:t>1</m:t>
+                                  </m:r>
+                                </m:sub>
+                              </m:sSub>
+                            </m:e>
+                          </m:acc>
+                          <m:r>
+                            <a:rPr lang="en-US" altLang="ja-JP" b="0" i="1" smtClean="0">
+                              <a:latin typeface="Cambria Math" panose="02040503050406030204" pitchFamily="18" charset="0"/>
+                            </a:rPr>
+                            <m:t>−</m:t>
+                          </m:r>
+                          <m:acc>
+                            <m:accPr>
+                              <m:chr m:val="̅"/>
+                              <m:ctrlPr>
+                                <a:rPr lang="en-US" altLang="ja-JP" b="0" i="1" smtClean="0">
+                                  <a:latin typeface="Cambria Math" panose="02040503050406030204" pitchFamily="18" charset="0"/>
+                                </a:rPr>
+                              </m:ctrlPr>
+                            </m:accPr>
+                            <m:e>
+                              <m:sSub>
+                                <m:sSubPr>
+                                  <m:ctrlPr>
+                                    <a:rPr lang="en-US" altLang="ja-JP" b="0" i="1" smtClean="0">
+                                      <a:latin typeface="Cambria Math" panose="02040503050406030204" pitchFamily="18" charset="0"/>
+                                    </a:rPr>
+                                  </m:ctrlPr>
+                                </m:sSubPr>
+                                <m:e>
+                                  <m:r>
+                                    <a:rPr lang="en-US" altLang="ja-JP" b="0" i="1" smtClean="0">
+                                      <a:latin typeface="Cambria Math" panose="02040503050406030204" pitchFamily="18" charset="0"/>
+                                    </a:rPr>
+                                    <m:t>𝑋</m:t>
+                                  </m:r>
+                                </m:e>
+                                <m:sub>
+                                  <m:r>
+                                    <a:rPr lang="en-US" altLang="ja-JP" b="0" i="1" smtClean="0">
+                                      <a:latin typeface="Cambria Math" panose="02040503050406030204" pitchFamily="18" charset="0"/>
+                                    </a:rPr>
+                                    <m:t>2</m:t>
+                                  </m:r>
+                                </m:sub>
+                              </m:sSub>
+                            </m:e>
+                          </m:acc>
+                        </m:num>
+                        <m:den>
+                          <m:rad>
+                            <m:radPr>
+                              <m:degHide m:val="on"/>
+                              <m:ctrlPr>
+                                <a:rPr lang="en-US" altLang="ja-JP" b="0" i="1" smtClean="0">
+                                  <a:latin typeface="Cambria Math" panose="02040503050406030204" pitchFamily="18" charset="0"/>
+                                </a:rPr>
+                              </m:ctrlPr>
+                            </m:radPr>
+                            <m:deg/>
+                            <m:e>
+                              <m:f>
+                                <m:fPr>
+                                  <m:ctrlPr>
+                                    <a:rPr lang="en-US" altLang="ja-JP" b="0" i="1" smtClean="0">
+                                      <a:latin typeface="Cambria Math" panose="02040503050406030204" pitchFamily="18" charset="0"/>
+                                    </a:rPr>
+                                  </m:ctrlPr>
+                                </m:fPr>
+                                <m:num>
+                                  <m:sSubSup>
+                                    <m:sSubSupPr>
+                                      <m:ctrlPr>
+                                        <a:rPr lang="en-US" altLang="ja-JP" b="0" i="1" smtClean="0">
+                                          <a:latin typeface="Cambria Math" panose="02040503050406030204" pitchFamily="18" charset="0"/>
+                                        </a:rPr>
+                                      </m:ctrlPr>
+                                    </m:sSubSupPr>
+                                    <m:e>
+                                      <m:r>
+                                        <a:rPr lang="en-US" altLang="ja-JP" b="0" i="1" smtClean="0">
+                                          <a:latin typeface="Cambria Math" panose="02040503050406030204" pitchFamily="18" charset="0"/>
+                                        </a:rPr>
+                                        <m:t>𝑆</m:t>
+                                      </m:r>
+                                    </m:e>
+                                    <m:sub>
+                                      <m:r>
+                                        <a:rPr lang="en-US" altLang="ja-JP" b="0" i="1" smtClean="0">
+                                          <a:latin typeface="Cambria Math" panose="02040503050406030204" pitchFamily="18" charset="0"/>
+                                        </a:rPr>
+                                        <m:t>1</m:t>
+                                      </m:r>
+                                    </m:sub>
+                                    <m:sup>
+                                      <m:r>
+                                        <a:rPr lang="en-US" altLang="ja-JP" b="0" i="1" smtClean="0">
+                                          <a:latin typeface="Cambria Math" panose="02040503050406030204" pitchFamily="18" charset="0"/>
+                                        </a:rPr>
+                                        <m:t>2</m:t>
+                                      </m:r>
+                                    </m:sup>
+                                  </m:sSubSup>
+                                </m:num>
+                                <m:den>
+                                  <m:sSub>
+                                    <m:sSubPr>
+                                      <m:ctrlPr>
+                                        <a:rPr lang="en-US" altLang="ja-JP" b="0" i="1" smtClean="0">
+                                          <a:latin typeface="Cambria Math" panose="02040503050406030204" pitchFamily="18" charset="0"/>
+                                        </a:rPr>
+                                      </m:ctrlPr>
+                                    </m:sSubPr>
+                                    <m:e>
+                                      <m:r>
+                                        <a:rPr lang="en-US" altLang="ja-JP" b="0" i="1" smtClean="0">
+                                          <a:latin typeface="Cambria Math" panose="02040503050406030204" pitchFamily="18" charset="0"/>
+                                        </a:rPr>
+                                        <m:t>𝑁</m:t>
+                                      </m:r>
+                                    </m:e>
+                                    <m:sub>
+                                      <m:r>
+                                        <a:rPr lang="en-US" altLang="ja-JP" b="0" i="1" smtClean="0">
+                                          <a:latin typeface="Cambria Math" panose="02040503050406030204" pitchFamily="18" charset="0"/>
+                                        </a:rPr>
+                                        <m:t>1</m:t>
+                                      </m:r>
+                                    </m:sub>
+                                  </m:sSub>
+                                </m:den>
+                              </m:f>
+                              <m:r>
+                                <a:rPr lang="en-US" altLang="ja-JP" b="0" i="1" smtClean="0">
+                                  <a:latin typeface="Cambria Math" panose="02040503050406030204" pitchFamily="18" charset="0"/>
+                                </a:rPr>
+                                <m:t>+</m:t>
+                              </m:r>
+                              <m:f>
+                                <m:fPr>
+                                  <m:ctrlPr>
+                                    <a:rPr lang="en-US" altLang="ja-JP" i="1">
+                                      <a:latin typeface="Cambria Math" panose="02040503050406030204" pitchFamily="18" charset="0"/>
+                                    </a:rPr>
+                                  </m:ctrlPr>
+                                </m:fPr>
+                                <m:num>
+                                  <m:sSubSup>
+                                    <m:sSubSupPr>
+                                      <m:ctrlPr>
+                                        <a:rPr lang="en-US" altLang="ja-JP" b="0" i="1" smtClean="0">
+                                          <a:latin typeface="Cambria Math" panose="02040503050406030204" pitchFamily="18" charset="0"/>
+                                        </a:rPr>
+                                      </m:ctrlPr>
+                                    </m:sSubSupPr>
+                                    <m:e>
+                                      <m:r>
+                                        <a:rPr lang="en-US" altLang="ja-JP" b="0" i="1" smtClean="0">
+                                          <a:latin typeface="Cambria Math" panose="02040503050406030204" pitchFamily="18" charset="0"/>
+                                        </a:rPr>
+                                        <m:t>𝑆</m:t>
+                                      </m:r>
+                                    </m:e>
+                                    <m:sub>
+                                      <m:r>
+                                        <a:rPr lang="en-US" altLang="ja-JP" b="0" i="1" smtClean="0">
+                                          <a:latin typeface="Cambria Math" panose="02040503050406030204" pitchFamily="18" charset="0"/>
+                                        </a:rPr>
+                                        <m:t>2</m:t>
+                                      </m:r>
+                                    </m:sub>
+                                    <m:sup>
+                                      <m:r>
+                                        <a:rPr lang="en-US" altLang="ja-JP" b="0" i="1" smtClean="0">
+                                          <a:latin typeface="Cambria Math" panose="02040503050406030204" pitchFamily="18" charset="0"/>
+                                        </a:rPr>
+                                        <m:t>2</m:t>
+                                      </m:r>
+                                    </m:sup>
+                                  </m:sSubSup>
+                                </m:num>
+                                <m:den>
+                                  <m:sSub>
+                                    <m:sSubPr>
+                                      <m:ctrlPr>
+                                        <a:rPr lang="en-US" altLang="ja-JP" b="0" i="1" smtClean="0">
+                                          <a:latin typeface="Cambria Math" panose="02040503050406030204" pitchFamily="18" charset="0"/>
+                                        </a:rPr>
+                                      </m:ctrlPr>
+                                    </m:sSubPr>
+                                    <m:e>
+                                      <m:r>
+                                        <a:rPr lang="en-US" altLang="ja-JP" i="1">
+                                          <a:latin typeface="Cambria Math" panose="02040503050406030204" pitchFamily="18" charset="0"/>
+                                        </a:rPr>
+                                        <m:t>𝑁</m:t>
+                                      </m:r>
+                                    </m:e>
+                                    <m:sub>
+                                      <m:r>
+                                        <a:rPr lang="en-US" altLang="ja-JP" b="0" i="1" smtClean="0">
+                                          <a:latin typeface="Cambria Math" panose="02040503050406030204" pitchFamily="18" charset="0"/>
+                                        </a:rPr>
+                                        <m:t>2</m:t>
+                                      </m:r>
+                                    </m:sub>
+                                  </m:sSub>
+                                </m:den>
+                              </m:f>
+                            </m:e>
+                          </m:rad>
+                        </m:den>
+                      </m:f>
+                    </m:oMath>
+                  </m:oMathPara>
+                </a14:m>
+                <a:endParaRPr kumimoji="1" lang="en-US" altLang="ja-JP" dirty="0"/>
+              </a:p>
+              <a:p>
+                <a:pPr marL="36900" indent="0">
+                  <a:buNone/>
+                </a:pPr>
+                <a:endParaRPr kumimoji="1" lang="ja-JP" altLang="en-US" dirty="0"/>
+              </a:p>
+            </p:txBody>
+          </p:sp>
+        </mc:Choice>
+        <mc:Fallback>
+          <p:sp>
+            <p:nvSpPr>
+              <p:cNvPr id="3" name="コンテンツ プレースホルダー 2">
+                <a:extLst>
+                  <a:ext uri="{FF2B5EF4-FFF2-40B4-BE49-F238E27FC236}">
+                    <a16:creationId xmlns:a16="http://schemas.microsoft.com/office/drawing/2014/main" id="{35DE658A-59FF-40F4-98AE-A64545E18C61}"/>
+                  </a:ext>
+                </a:extLst>
+              </p:cNvPr>
+              <p:cNvSpPr>
+                <a:spLocks noGrp="1" noRot="1" noChangeAspect="1" noMove="1" noResize="1" noEditPoints="1" noAdjustHandles="1" noChangeArrowheads="1" noChangeShapeType="1" noTextEdit="1"/>
+              </p:cNvSpPr>
+              <p:nvPr>
+                <p:ph sz="half" idx="1"/>
+              </p:nvPr>
+            </p:nvSpPr>
+            <p:spPr>
+              <a:blipFill>
+                <a:blip r:embed="rId2"/>
+                <a:stretch>
+                  <a:fillRect/>
+                </a:stretch>
+              </a:blipFill>
+            </p:spPr>
+            <p:txBody>
+              <a:bodyPr/>
+              <a:lstStyle/>
+              <a:p>
+                <a:r>
+                  <a:rPr lang="ja-JP" altLang="en-US">
+                    <a:noFill/>
+                  </a:rPr>
+                  <a:t> </a:t>
+                </a:r>
+              </a:p>
+            </p:txBody>
+          </p:sp>
+        </mc:Fallback>
+      </mc:AlternateContent>
+      <p:sp>
+        <p:nvSpPr>
+          <p:cNvPr id="4" name="コンテンツ プレースホルダー 3">
+            <a:extLst>
+              <a:ext uri="{FF2B5EF4-FFF2-40B4-BE49-F238E27FC236}">
+                <a16:creationId xmlns:a16="http://schemas.microsoft.com/office/drawing/2014/main" id="{F49F2AAC-0117-4987-9683-D8F4035F0DE0}"/>
+              </a:ext>
+            </a:extLst>
+          </p:cNvPr>
+          <p:cNvSpPr>
+            <a:spLocks noGrp="1"/>
+          </p:cNvSpPr>
+          <p:nvPr>
+            <p:ph sz="half" idx="2"/>
+          </p:nvPr>
+        </p:nvSpPr>
+        <p:spPr/>
+        <p:txBody>
+          <a:bodyPr/>
+          <a:lstStyle/>
+          <a:p>
+            <a:endParaRPr lang="ja-JP" altLang="en-US"/>
+          </a:p>
+        </p:txBody>
+      </p:sp>
+      <p:pic>
+        <p:nvPicPr>
+          <p:cNvPr id="5" name="コンテンツ プレースホルダー 6">
+            <a:extLst>
+              <a:ext uri="{FF2B5EF4-FFF2-40B4-BE49-F238E27FC236}">
+                <a16:creationId xmlns:a16="http://schemas.microsoft.com/office/drawing/2014/main" id="{0D186FCF-9F92-4828-B974-758D05F28076}"/>
+              </a:ext>
+            </a:extLst>
+          </p:cNvPr>
+          <p:cNvPicPr>
+            <a:picLocks noChangeAspect="1"/>
+          </p:cNvPicPr>
+          <p:nvPr/>
+        </p:nvPicPr>
+        <p:blipFill>
+          <a:blip r:embed="rId3"/>
+          <a:stretch>
+            <a:fillRect/>
+          </a:stretch>
+        </p:blipFill>
+        <p:spPr>
+          <a:xfrm>
+            <a:off x="6246298" y="1731963"/>
+            <a:ext cx="4977841" cy="4059237"/>
+          </a:xfrm>
+          <a:prstGeom prst="rect">
+            <a:avLst/>
+          </a:prstGeom>
+          <a:effectLst>
+            <a:outerShdw blurRad="25400" dir="17880000">
+              <a:srgbClr val="000000">
+                <a:alpha val="46000"/>
+              </a:srgbClr>
+            </a:outerShdw>
+          </a:effectLst>
+        </p:spPr>
+      </p:pic>
+    </p:spTree>
+    <p:extLst>
+      <p:ext uri="{BB962C8B-B14F-4D97-AF65-F5344CB8AC3E}">
+        <p14:creationId xmlns:p14="http://schemas.microsoft.com/office/powerpoint/2010/main" val="3490210090"/>
+      </p:ext>
+    </p:extLst>
+  </p:cSld>
+  <p:clrMapOvr>
+    <a:masterClrMapping/>
+  </p:clrMapOvr>
+</p:sld>
+</file>
+
+<file path=ppt/slides/slide12.xml><?xml version="1.0" encoding="utf-8"?>
+<p:sld xmlns:a="http://schemas.openxmlformats.org/drawingml/2006/main" xmlns:r="http://schemas.openxmlformats.org/officeDocument/2006/relationships" xmlns:p="http://schemas.openxmlformats.org/presentationml/2006/main">
+  <p:cSld>
+    <p:spTree>
+      <p:nvGrpSpPr>
+        <p:cNvPr id="1" name=""/>
+        <p:cNvGrpSpPr/>
+        <p:nvPr/>
+      </p:nvGrpSpPr>
+      <p:grpSpPr>
+        <a:xfrm>
+          <a:off x="0" y="0"/>
+          <a:ext cx="0" cy="0"/>
+          <a:chOff x="0" y="0"/>
+          <a:chExt cx="0" cy="0"/>
+        </a:xfrm>
+      </p:grpSpPr>
+      <p:sp>
+        <p:nvSpPr>
+          <p:cNvPr id="2" name="タイトル 1">
+            <a:extLst>
+              <a:ext uri="{FF2B5EF4-FFF2-40B4-BE49-F238E27FC236}">
+                <a16:creationId xmlns:a16="http://schemas.microsoft.com/office/drawing/2014/main" id="{319FF2B0-2E18-48FC-9C87-638689B7D2F6}"/>
+              </a:ext>
+            </a:extLst>
+          </p:cNvPr>
+          <p:cNvSpPr>
+            <a:spLocks noGrp="1"/>
+          </p:cNvSpPr>
+          <p:nvPr>
+            <p:ph type="title"/>
+          </p:nvPr>
+        </p:nvSpPr>
+        <p:spPr/>
+        <p:txBody>
+          <a:bodyPr/>
+          <a:lstStyle/>
+          <a:p>
+            <a:r>
+              <a:rPr lang="en-US" altLang="ja-JP" dirty="0"/>
+              <a:t>Welch's t-test</a:t>
+            </a:r>
+            <a:endParaRPr kumimoji="1" lang="ja-JP" altLang="en-US" dirty="0"/>
+          </a:p>
+        </p:txBody>
+      </p:sp>
+      <mc:AlternateContent xmlns:mc="http://schemas.openxmlformats.org/markup-compatibility/2006">
+        <mc:Choice xmlns:a14="http://schemas.microsoft.com/office/drawing/2010/main" Requires="a14">
+          <p:sp>
+            <p:nvSpPr>
+              <p:cNvPr id="3" name="コンテンツ プレースホルダー 2">
+                <a:extLst>
+                  <a:ext uri="{FF2B5EF4-FFF2-40B4-BE49-F238E27FC236}">
+                    <a16:creationId xmlns:a16="http://schemas.microsoft.com/office/drawing/2014/main" id="{35DE658A-59FF-40F4-98AE-A64545E18C61}"/>
+                  </a:ext>
+                </a:extLst>
+              </p:cNvPr>
+              <p:cNvSpPr>
+                <a:spLocks noGrp="1"/>
+              </p:cNvSpPr>
+              <p:nvPr>
+                <p:ph sz="half" idx="1"/>
+              </p:nvPr>
+            </p:nvSpPr>
+            <p:spPr/>
+            <p:txBody>
+              <a:bodyPr/>
+              <a:lstStyle/>
+              <a:p>
+                <a:pPr marL="36900" indent="0">
+                  <a:buNone/>
+                </a:pPr>
+                <a14:m>
+                  <m:oMath xmlns:m="http://schemas.openxmlformats.org/officeDocument/2006/math">
+                    <m:sSub>
+                      <m:sSubPr>
+                        <m:ctrlPr>
+                          <a:rPr lang="en-US" altLang="ja-JP" b="0" i="1" smtClean="0">
+                            <a:latin typeface="Cambria Math" panose="02040503050406030204" pitchFamily="18" charset="0"/>
+                          </a:rPr>
+                        </m:ctrlPr>
+                      </m:sSubPr>
+                      <m:e>
+                        <m:r>
+                          <a:rPr lang="en-US" altLang="ja-JP" b="0" i="1" smtClean="0">
+                            <a:latin typeface="Cambria Math" panose="02040503050406030204" pitchFamily="18" charset="0"/>
+                          </a:rPr>
+                          <m:t>𝐻</m:t>
+                        </m:r>
+                      </m:e>
+                      <m:sub>
+                        <m:r>
+                          <a:rPr lang="en-US" altLang="ja-JP" b="0" i="1" smtClean="0">
+                            <a:latin typeface="Cambria Math" panose="02040503050406030204" pitchFamily="18" charset="0"/>
+                          </a:rPr>
+                          <m:t>0</m:t>
+                        </m:r>
+                      </m:sub>
+                    </m:sSub>
+                  </m:oMath>
+                </a14:m>
+                <a:r>
+                  <a:rPr lang="ja-JP" altLang="en-US" dirty="0"/>
+                  <a:t>のとき</a:t>
+                </a:r>
+                <a:r>
+                  <a:rPr lang="en-US" altLang="ja-JP" dirty="0"/>
+                  <a:t>t</a:t>
+                </a:r>
+                <a:r>
+                  <a:rPr lang="ja-JP" altLang="en-US" dirty="0"/>
+                  <a:t>の分布</a:t>
+                </a:r>
+                <a:r>
+                  <a:rPr lang="en-US" altLang="ja-JP" dirty="0"/>
+                  <a:t>(t</a:t>
+                </a:r>
+                <a:r>
+                  <a:rPr lang="ja-JP" altLang="en-US" dirty="0"/>
+                  <a:t>分布</a:t>
+                </a:r>
+                <a:r>
+                  <a:rPr lang="en-US" altLang="ja-JP" dirty="0"/>
+                  <a:t>)</a:t>
+                </a:r>
+                <a:r>
+                  <a:rPr lang="ja-JP" altLang="en-US" dirty="0"/>
+                  <a:t>は次のようになる</a:t>
+                </a:r>
+                <a:endParaRPr lang="en-US" altLang="ja-JP" dirty="0"/>
+              </a:p>
+              <a:p>
+                <a:pPr marL="36900" indent="0">
+                  <a:buNone/>
+                </a:pPr>
+                <a14:m>
+                  <m:oMathPara xmlns:m="http://schemas.openxmlformats.org/officeDocument/2006/math">
+                    <m:oMathParaPr>
+                      <m:jc m:val="centerGroup"/>
+                    </m:oMathParaPr>
+                    <m:oMath xmlns:m="http://schemas.openxmlformats.org/officeDocument/2006/math">
+                      <m:sSub>
+                        <m:sSubPr>
+                          <m:ctrlPr>
+                            <a:rPr kumimoji="1" lang="en-US" altLang="ja-JP" b="0" i="1" smtClean="0">
+                              <a:latin typeface="Cambria Math" panose="02040503050406030204" pitchFamily="18" charset="0"/>
+                            </a:rPr>
+                          </m:ctrlPr>
+                        </m:sSubPr>
+                        <m:e>
+                          <m:r>
+                            <a:rPr kumimoji="1" lang="en-US" altLang="ja-JP" b="0" i="1" smtClean="0">
+                              <a:latin typeface="Cambria Math" panose="02040503050406030204" pitchFamily="18" charset="0"/>
+                            </a:rPr>
+                            <m:t>𝑓</m:t>
+                          </m:r>
+                        </m:e>
+                        <m:sub>
+                          <m:r>
+                            <a:rPr kumimoji="1" lang="en-US" altLang="ja-JP" b="0" i="1" smtClean="0">
+                              <a:latin typeface="Cambria Math" panose="02040503050406030204" pitchFamily="18" charset="0"/>
+                            </a:rPr>
+                            <m:t>𝑣</m:t>
+                          </m:r>
+                        </m:sub>
+                      </m:sSub>
+                      <m:d>
+                        <m:dPr>
+                          <m:ctrlPr>
+                            <a:rPr kumimoji="1" lang="en-US" altLang="ja-JP" b="0" i="1" smtClean="0">
+                              <a:latin typeface="Cambria Math" panose="02040503050406030204" pitchFamily="18" charset="0"/>
+                            </a:rPr>
+                          </m:ctrlPr>
+                        </m:dPr>
+                        <m:e>
+                          <m:r>
+                            <a:rPr kumimoji="1" lang="en-US" altLang="ja-JP" b="0" i="1" smtClean="0">
+                              <a:latin typeface="Cambria Math" panose="02040503050406030204" pitchFamily="18" charset="0"/>
+                            </a:rPr>
+                            <m:t>𝑡</m:t>
+                          </m:r>
+                        </m:e>
+                      </m:d>
+                      <m:r>
+                        <a:rPr kumimoji="1" lang="en-US" altLang="ja-JP" b="0" i="1" smtClean="0">
+                          <a:latin typeface="Cambria Math" panose="02040503050406030204" pitchFamily="18" charset="0"/>
+                        </a:rPr>
+                        <m:t>=</m:t>
+                      </m:r>
+                      <m:f>
+                        <m:fPr>
+                          <m:ctrlPr>
+                            <a:rPr kumimoji="1" lang="en-US" altLang="ja-JP" b="0" i="1" smtClean="0">
+                              <a:latin typeface="Cambria Math" panose="02040503050406030204" pitchFamily="18" charset="0"/>
+                            </a:rPr>
+                          </m:ctrlPr>
+                        </m:fPr>
+                        <m:num>
+                          <m:r>
+                            <m:rPr>
+                              <m:sty m:val="p"/>
+                            </m:rPr>
+                            <a:rPr kumimoji="1" lang="en-US" altLang="ja-JP" b="0" i="0" smtClean="0">
+                              <a:latin typeface="Cambria Math" panose="02040503050406030204" pitchFamily="18" charset="0"/>
+                            </a:rPr>
+                            <m:t>Γ</m:t>
+                          </m:r>
+                          <m:d>
+                            <m:dPr>
+                              <m:ctrlPr>
+                                <a:rPr kumimoji="1" lang="en-US" altLang="ja-JP" b="0" i="1" smtClean="0">
+                                  <a:latin typeface="Cambria Math" panose="02040503050406030204" pitchFamily="18" charset="0"/>
+                                </a:rPr>
+                              </m:ctrlPr>
+                            </m:dPr>
+                            <m:e>
+                              <m:f>
+                                <m:fPr>
+                                  <m:ctrlPr>
+                                    <a:rPr kumimoji="1" lang="en-US" altLang="ja-JP" b="0" i="1" smtClean="0">
+                                      <a:latin typeface="Cambria Math" panose="02040503050406030204" pitchFamily="18" charset="0"/>
+                                    </a:rPr>
+                                  </m:ctrlPr>
+                                </m:fPr>
+                                <m:num>
+                                  <m:r>
+                                    <a:rPr kumimoji="1" lang="en-US" altLang="ja-JP" b="0" i="1" smtClean="0">
+                                      <a:latin typeface="Cambria Math" panose="02040503050406030204" pitchFamily="18" charset="0"/>
+                                    </a:rPr>
+                                    <m:t>𝜈</m:t>
+                                  </m:r>
+                                  <m:r>
+                                    <a:rPr kumimoji="1" lang="en-US" altLang="ja-JP" b="0" i="1" smtClean="0">
+                                      <a:latin typeface="Cambria Math" panose="02040503050406030204" pitchFamily="18" charset="0"/>
+                                    </a:rPr>
+                                    <m:t>+1</m:t>
+                                  </m:r>
+                                </m:num>
+                                <m:den>
+                                  <m:r>
+                                    <a:rPr kumimoji="1" lang="en-US" altLang="ja-JP" b="0" i="1" smtClean="0">
+                                      <a:latin typeface="Cambria Math" panose="02040503050406030204" pitchFamily="18" charset="0"/>
+                                    </a:rPr>
+                                    <m:t>2</m:t>
+                                  </m:r>
+                                </m:den>
+                              </m:f>
+                            </m:e>
+                          </m:d>
+                        </m:num>
+                        <m:den>
+                          <m:rad>
+                            <m:radPr>
+                              <m:degHide m:val="on"/>
+                              <m:ctrlPr>
+                                <a:rPr kumimoji="1" lang="en-US" altLang="ja-JP" b="0" i="1" smtClean="0">
+                                  <a:latin typeface="Cambria Math" panose="02040503050406030204" pitchFamily="18" charset="0"/>
+                                </a:rPr>
+                              </m:ctrlPr>
+                            </m:radPr>
+                            <m:deg/>
+                            <m:e>
+                              <m:r>
+                                <a:rPr kumimoji="1" lang="en-US" altLang="ja-JP" b="0" i="1" smtClean="0">
+                                  <a:latin typeface="Cambria Math" panose="02040503050406030204" pitchFamily="18" charset="0"/>
+                                </a:rPr>
+                                <m:t>𝜈𝜋</m:t>
+                              </m:r>
+                            </m:e>
+                          </m:rad>
+                          <m:r>
+                            <m:rPr>
+                              <m:sty m:val="p"/>
+                            </m:rPr>
+                            <a:rPr kumimoji="1" lang="en-US" altLang="ja-JP" b="0" i="0" smtClean="0">
+                              <a:latin typeface="Cambria Math" panose="02040503050406030204" pitchFamily="18" charset="0"/>
+                            </a:rPr>
+                            <m:t>Γ</m:t>
+                          </m:r>
+                          <m:d>
+                            <m:dPr>
+                              <m:ctrlPr>
+                                <a:rPr kumimoji="1" lang="en-US" altLang="ja-JP" b="0" i="1" smtClean="0">
+                                  <a:latin typeface="Cambria Math" panose="02040503050406030204" pitchFamily="18" charset="0"/>
+                                </a:rPr>
+                              </m:ctrlPr>
+                            </m:dPr>
+                            <m:e>
+                              <m:f>
+                                <m:fPr>
+                                  <m:ctrlPr>
+                                    <a:rPr kumimoji="1" lang="en-US" altLang="ja-JP" b="0" i="1" smtClean="0">
+                                      <a:latin typeface="Cambria Math" panose="02040503050406030204" pitchFamily="18" charset="0"/>
+                                    </a:rPr>
+                                  </m:ctrlPr>
+                                </m:fPr>
+                                <m:num>
+                                  <m:r>
+                                    <a:rPr kumimoji="1" lang="en-US" altLang="ja-JP" b="0" i="1" smtClean="0">
+                                      <a:latin typeface="Cambria Math" panose="02040503050406030204" pitchFamily="18" charset="0"/>
+                                    </a:rPr>
+                                    <m:t>𝜈</m:t>
+                                  </m:r>
+                                </m:num>
+                                <m:den>
+                                  <m:r>
+                                    <a:rPr kumimoji="1" lang="en-US" altLang="ja-JP" b="0" i="1" smtClean="0">
+                                      <a:latin typeface="Cambria Math" panose="02040503050406030204" pitchFamily="18" charset="0"/>
+                                    </a:rPr>
+                                    <m:t>2</m:t>
+                                  </m:r>
+                                </m:den>
+                              </m:f>
+                            </m:e>
+                          </m:d>
+                        </m:den>
+                      </m:f>
+                      <m:sSup>
+                        <m:sSupPr>
+                          <m:ctrlPr>
+                            <a:rPr kumimoji="1" lang="en-US" altLang="ja-JP" b="0" i="1" smtClean="0">
+                              <a:latin typeface="Cambria Math" panose="02040503050406030204" pitchFamily="18" charset="0"/>
+                            </a:rPr>
+                          </m:ctrlPr>
+                        </m:sSupPr>
+                        <m:e>
+                          <m:d>
+                            <m:dPr>
+                              <m:ctrlPr>
+                                <a:rPr kumimoji="1" lang="en-US" altLang="ja-JP" b="0" i="1" smtClean="0">
+                                  <a:latin typeface="Cambria Math" panose="02040503050406030204" pitchFamily="18" charset="0"/>
+                                </a:rPr>
+                              </m:ctrlPr>
+                            </m:dPr>
+                            <m:e>
+                              <m:r>
+                                <a:rPr kumimoji="1" lang="en-US" altLang="ja-JP" b="0" i="1" smtClean="0">
+                                  <a:latin typeface="Cambria Math" panose="02040503050406030204" pitchFamily="18" charset="0"/>
+                                </a:rPr>
+                                <m:t>1+</m:t>
+                              </m:r>
+                              <m:f>
+                                <m:fPr>
+                                  <m:ctrlPr>
+                                    <a:rPr kumimoji="1" lang="en-US" altLang="ja-JP" b="0" i="1" smtClean="0">
+                                      <a:latin typeface="Cambria Math" panose="02040503050406030204" pitchFamily="18" charset="0"/>
+                                    </a:rPr>
+                                  </m:ctrlPr>
+                                </m:fPr>
+                                <m:num>
+                                  <m:sSup>
+                                    <m:sSupPr>
+                                      <m:ctrlPr>
+                                        <a:rPr kumimoji="1" lang="en-US" altLang="ja-JP" b="0" i="1" smtClean="0">
+                                          <a:latin typeface="Cambria Math" panose="02040503050406030204" pitchFamily="18" charset="0"/>
+                                        </a:rPr>
+                                      </m:ctrlPr>
+                                    </m:sSupPr>
+                                    <m:e>
+                                      <m:r>
+                                        <a:rPr kumimoji="1" lang="en-US" altLang="ja-JP" b="0" i="1" smtClean="0">
+                                          <a:latin typeface="Cambria Math" panose="02040503050406030204" pitchFamily="18" charset="0"/>
+                                        </a:rPr>
+                                        <m:t>𝑡</m:t>
+                                      </m:r>
+                                    </m:e>
+                                    <m:sup>
+                                      <m:r>
+                                        <a:rPr kumimoji="1" lang="en-US" altLang="ja-JP" b="0" i="1" smtClean="0">
+                                          <a:latin typeface="Cambria Math" panose="02040503050406030204" pitchFamily="18" charset="0"/>
+                                        </a:rPr>
+                                        <m:t>2</m:t>
+                                      </m:r>
+                                    </m:sup>
+                                  </m:sSup>
+                                </m:num>
+                                <m:den>
+                                  <m:r>
+                                    <a:rPr kumimoji="1" lang="en-US" altLang="ja-JP" b="0" i="1" smtClean="0">
+                                      <a:latin typeface="Cambria Math" panose="02040503050406030204" pitchFamily="18" charset="0"/>
+                                    </a:rPr>
+                                    <m:t>𝜈</m:t>
+                                  </m:r>
+                                </m:den>
+                              </m:f>
+                            </m:e>
+                          </m:d>
+                        </m:e>
+                        <m:sup>
+                          <m:r>
+                            <a:rPr kumimoji="1" lang="en-US" altLang="ja-JP" b="0" i="1" smtClean="0">
+                              <a:latin typeface="Cambria Math" panose="02040503050406030204" pitchFamily="18" charset="0"/>
+                            </a:rPr>
+                            <m:t>−</m:t>
+                          </m:r>
+                          <m:f>
+                            <m:fPr>
+                              <m:ctrlPr>
+                                <a:rPr kumimoji="1" lang="en-US" altLang="ja-JP" b="0" i="1" smtClean="0">
+                                  <a:latin typeface="Cambria Math" panose="02040503050406030204" pitchFamily="18" charset="0"/>
+                                </a:rPr>
+                              </m:ctrlPr>
+                            </m:fPr>
+                            <m:num>
+                              <m:r>
+                                <a:rPr kumimoji="1" lang="en-US" altLang="ja-JP" b="0" i="1" smtClean="0">
+                                  <a:latin typeface="Cambria Math" panose="02040503050406030204" pitchFamily="18" charset="0"/>
+                                </a:rPr>
+                                <m:t>𝜈</m:t>
+                              </m:r>
+                              <m:r>
+                                <a:rPr kumimoji="1" lang="en-US" altLang="ja-JP" b="0" i="1" smtClean="0">
+                                  <a:latin typeface="Cambria Math" panose="02040503050406030204" pitchFamily="18" charset="0"/>
+                                </a:rPr>
+                                <m:t>+1</m:t>
+                              </m:r>
+                            </m:num>
+                            <m:den>
+                              <m:r>
+                                <a:rPr kumimoji="1" lang="en-US" altLang="ja-JP" b="0" i="1" smtClean="0">
+                                  <a:latin typeface="Cambria Math" panose="02040503050406030204" pitchFamily="18" charset="0"/>
+                                </a:rPr>
+                                <m:t>2</m:t>
+                              </m:r>
+                            </m:den>
+                          </m:f>
+                        </m:sup>
+                      </m:sSup>
+                    </m:oMath>
+                  </m:oMathPara>
+                </a14:m>
+                <a:endParaRPr kumimoji="1" lang="en-US" altLang="ja-JP" dirty="0"/>
+              </a:p>
+              <a:p>
+                <a:pPr marL="36900" indent="0">
+                  <a:buNone/>
+                </a:pPr>
+                <a:r>
+                  <a:rPr kumimoji="1" lang="ja-JP" altLang="en-US" dirty="0"/>
+                  <a:t>ここで</a:t>
+                </a:r>
+                <a14:m>
+                  <m:oMath xmlns:m="http://schemas.openxmlformats.org/officeDocument/2006/math">
+                    <m:r>
+                      <m:rPr>
+                        <m:sty m:val="p"/>
+                      </m:rPr>
+                      <a:rPr kumimoji="1" lang="en-US" altLang="ja-JP" b="0" i="0" smtClean="0">
+                        <a:latin typeface="Cambria Math" panose="02040503050406030204" pitchFamily="18" charset="0"/>
+                      </a:rPr>
+                      <m:t>Γ</m:t>
+                    </m:r>
+                    <m:r>
+                      <a:rPr lang="ja-JP" altLang="en-US" i="1">
+                        <a:latin typeface="Cambria Math" panose="02040503050406030204" pitchFamily="18" charset="0"/>
+                      </a:rPr>
+                      <m:t>は</m:t>
+                    </m:r>
+                  </m:oMath>
+                </a14:m>
+                <a:r>
+                  <a:rPr kumimoji="1" lang="ja-JP" altLang="en-US" dirty="0"/>
+                  <a:t>ガンマ関数、</a:t>
+                </a:r>
+                <a14:m>
+                  <m:oMath xmlns:m="http://schemas.openxmlformats.org/officeDocument/2006/math">
+                    <m:r>
+                      <a:rPr kumimoji="1" lang="en-US" altLang="ja-JP" b="0" i="1" smtClean="0">
+                        <a:latin typeface="Cambria Math" panose="02040503050406030204" pitchFamily="18" charset="0"/>
+                      </a:rPr>
+                      <m:t>𝜈</m:t>
+                    </m:r>
+                  </m:oMath>
+                </a14:m>
+                <a:r>
+                  <a:rPr kumimoji="1" lang="ja-JP" altLang="en-US" dirty="0"/>
+                  <a:t>には次の近似がある。</a:t>
+                </a:r>
+                <a:endParaRPr kumimoji="1" lang="en-US" altLang="ja-JP" dirty="0"/>
+              </a:p>
+              <a:p>
+                <a:pPr marL="36900" indent="0">
+                  <a:buNone/>
+                </a:pPr>
+                <a14:m>
+                  <m:oMathPara xmlns:m="http://schemas.openxmlformats.org/officeDocument/2006/math">
+                    <m:oMathParaPr>
+                      <m:jc m:val="centerGroup"/>
+                    </m:oMathParaPr>
+                    <m:oMath xmlns:m="http://schemas.openxmlformats.org/officeDocument/2006/math">
+                      <m:r>
+                        <a:rPr kumimoji="1" lang="en-US" altLang="ja-JP" b="0" i="1" smtClean="0">
+                          <a:latin typeface="Cambria Math" panose="02040503050406030204" pitchFamily="18" charset="0"/>
+                        </a:rPr>
+                        <m:t>𝜈</m:t>
+                      </m:r>
+                      <m:r>
+                        <a:rPr kumimoji="1" lang="en-US" altLang="ja-JP" b="0" i="1" smtClean="0">
+                          <a:latin typeface="Cambria Math" panose="02040503050406030204" pitchFamily="18" charset="0"/>
+                        </a:rPr>
+                        <m:t>=</m:t>
+                      </m:r>
+                      <m:f>
+                        <m:fPr>
+                          <m:ctrlPr>
+                            <a:rPr kumimoji="1" lang="en-US" altLang="ja-JP" b="0" i="1" smtClean="0">
+                              <a:latin typeface="Cambria Math" panose="02040503050406030204" pitchFamily="18" charset="0"/>
+                            </a:rPr>
+                          </m:ctrlPr>
+                        </m:fPr>
+                        <m:num>
+                          <m:sSup>
+                            <m:sSupPr>
+                              <m:ctrlPr>
+                                <a:rPr kumimoji="1" lang="en-US" altLang="ja-JP" b="0" i="1" smtClean="0">
+                                  <a:latin typeface="Cambria Math" panose="02040503050406030204" pitchFamily="18" charset="0"/>
+                                </a:rPr>
+                              </m:ctrlPr>
+                            </m:sSupPr>
+                            <m:e>
+                              <m:d>
+                                <m:dPr>
+                                  <m:ctrlPr>
+                                    <a:rPr kumimoji="1" lang="en-US" altLang="ja-JP" b="0" i="1" smtClean="0">
+                                      <a:latin typeface="Cambria Math" panose="02040503050406030204" pitchFamily="18" charset="0"/>
+                                    </a:rPr>
+                                  </m:ctrlPr>
+                                </m:dPr>
+                                <m:e>
+                                  <m:f>
+                                    <m:fPr>
+                                      <m:ctrlPr>
+                                        <a:rPr kumimoji="1" lang="en-US" altLang="ja-JP" b="0" i="1" smtClean="0">
+                                          <a:latin typeface="Cambria Math" panose="02040503050406030204" pitchFamily="18" charset="0"/>
+                                        </a:rPr>
+                                      </m:ctrlPr>
+                                    </m:fPr>
+                                    <m:num>
+                                      <m:sSubSup>
+                                        <m:sSubSupPr>
+                                          <m:ctrlPr>
+                                            <a:rPr kumimoji="1" lang="en-US" altLang="ja-JP" b="0" i="1" smtClean="0">
+                                              <a:latin typeface="Cambria Math" panose="02040503050406030204" pitchFamily="18" charset="0"/>
+                                            </a:rPr>
+                                          </m:ctrlPr>
+                                        </m:sSubSupPr>
+                                        <m:e>
+                                          <m:r>
+                                            <a:rPr kumimoji="1" lang="en-US" altLang="ja-JP" b="0" i="1" smtClean="0">
+                                              <a:latin typeface="Cambria Math" panose="02040503050406030204" pitchFamily="18" charset="0"/>
+                                            </a:rPr>
+                                            <m:t>𝑆</m:t>
+                                          </m:r>
+                                        </m:e>
+                                        <m:sub>
+                                          <m:r>
+                                            <a:rPr kumimoji="1" lang="en-US" altLang="ja-JP" b="0" i="1" smtClean="0">
+                                              <a:latin typeface="Cambria Math" panose="02040503050406030204" pitchFamily="18" charset="0"/>
+                                            </a:rPr>
+                                            <m:t>1</m:t>
+                                          </m:r>
+                                        </m:sub>
+                                        <m:sup>
+                                          <m:r>
+                                            <a:rPr kumimoji="1" lang="en-US" altLang="ja-JP" b="0" i="1" smtClean="0">
+                                              <a:latin typeface="Cambria Math" panose="02040503050406030204" pitchFamily="18" charset="0"/>
+                                            </a:rPr>
+                                            <m:t>2</m:t>
+                                          </m:r>
+                                        </m:sup>
+                                      </m:sSubSup>
+                                    </m:num>
+                                    <m:den>
+                                      <m:sSub>
+                                        <m:sSubPr>
+                                          <m:ctrlPr>
+                                            <a:rPr kumimoji="1" lang="en-US" altLang="ja-JP" b="0" i="1" smtClean="0">
+                                              <a:latin typeface="Cambria Math" panose="02040503050406030204" pitchFamily="18" charset="0"/>
+                                            </a:rPr>
+                                          </m:ctrlPr>
+                                        </m:sSubPr>
+                                        <m:e>
+                                          <m:r>
+                                            <a:rPr kumimoji="1" lang="en-US" altLang="ja-JP" b="0" i="1" smtClean="0">
+                                              <a:latin typeface="Cambria Math" panose="02040503050406030204" pitchFamily="18" charset="0"/>
+                                            </a:rPr>
+                                            <m:t>𝑁</m:t>
+                                          </m:r>
+                                        </m:e>
+                                        <m:sub>
+                                          <m:r>
+                                            <a:rPr kumimoji="1" lang="en-US" altLang="ja-JP" b="0" i="1" smtClean="0">
+                                              <a:latin typeface="Cambria Math" panose="02040503050406030204" pitchFamily="18" charset="0"/>
+                                            </a:rPr>
+                                            <m:t>1</m:t>
+                                          </m:r>
+                                        </m:sub>
+                                      </m:sSub>
+                                    </m:den>
+                                  </m:f>
+                                  <m:r>
+                                    <a:rPr kumimoji="1" lang="en-US" altLang="ja-JP" b="0" i="1" smtClean="0">
+                                      <a:latin typeface="Cambria Math" panose="02040503050406030204" pitchFamily="18" charset="0"/>
+                                    </a:rPr>
+                                    <m:t>+</m:t>
+                                  </m:r>
+                                  <m:f>
+                                    <m:fPr>
+                                      <m:ctrlPr>
+                                        <a:rPr lang="en-US" altLang="ja-JP" i="1">
+                                          <a:latin typeface="Cambria Math" panose="02040503050406030204" pitchFamily="18" charset="0"/>
+                                        </a:rPr>
+                                      </m:ctrlPr>
+                                    </m:fPr>
+                                    <m:num>
+                                      <m:sSubSup>
+                                        <m:sSubSupPr>
+                                          <m:ctrlPr>
+                                            <a:rPr lang="en-US" altLang="ja-JP" b="0" i="1" smtClean="0">
+                                              <a:latin typeface="Cambria Math" panose="02040503050406030204" pitchFamily="18" charset="0"/>
+                                            </a:rPr>
+                                          </m:ctrlPr>
+                                        </m:sSubSupPr>
+                                        <m:e>
+                                          <m:r>
+                                            <a:rPr lang="en-US" altLang="ja-JP" i="1">
+                                              <a:latin typeface="Cambria Math" panose="02040503050406030204" pitchFamily="18" charset="0"/>
+                                            </a:rPr>
+                                            <m:t>𝑆</m:t>
+                                          </m:r>
+                                        </m:e>
+                                        <m:sub>
+                                          <m:r>
+                                            <a:rPr lang="en-US" altLang="ja-JP" b="0" i="1" smtClean="0">
+                                              <a:latin typeface="Cambria Math" panose="02040503050406030204" pitchFamily="18" charset="0"/>
+                                            </a:rPr>
+                                            <m:t>2</m:t>
+                                          </m:r>
+                                        </m:sub>
+                                        <m:sup>
+                                          <m:r>
+                                            <a:rPr lang="en-US" altLang="ja-JP" b="0" i="1" smtClean="0">
+                                              <a:latin typeface="Cambria Math" panose="02040503050406030204" pitchFamily="18" charset="0"/>
+                                            </a:rPr>
+                                            <m:t>2</m:t>
+                                          </m:r>
+                                        </m:sup>
+                                      </m:sSubSup>
+                                    </m:num>
+                                    <m:den>
+                                      <m:sSub>
+                                        <m:sSubPr>
+                                          <m:ctrlPr>
+                                            <a:rPr lang="en-US" altLang="ja-JP" b="0" i="1" smtClean="0">
+                                              <a:latin typeface="Cambria Math" panose="02040503050406030204" pitchFamily="18" charset="0"/>
+                                            </a:rPr>
+                                          </m:ctrlPr>
+                                        </m:sSubPr>
+                                        <m:e>
+                                          <m:r>
+                                            <a:rPr lang="en-US" altLang="ja-JP" i="1">
+                                              <a:latin typeface="Cambria Math" panose="02040503050406030204" pitchFamily="18" charset="0"/>
+                                            </a:rPr>
+                                            <m:t>𝑁</m:t>
+                                          </m:r>
+                                        </m:e>
+                                        <m:sub>
+                                          <m:r>
+                                            <a:rPr lang="en-US" altLang="ja-JP" b="0" i="1" smtClean="0">
+                                              <a:latin typeface="Cambria Math" panose="02040503050406030204" pitchFamily="18" charset="0"/>
+                                            </a:rPr>
+                                            <m:t>2</m:t>
+                                          </m:r>
+                                        </m:sub>
+                                      </m:sSub>
+                                    </m:den>
+                                  </m:f>
+                                </m:e>
+                              </m:d>
+                            </m:e>
+                            <m:sup>
+                              <m:r>
+                                <a:rPr kumimoji="1" lang="en-US" altLang="ja-JP" b="0" i="1" smtClean="0">
+                                  <a:latin typeface="Cambria Math" panose="02040503050406030204" pitchFamily="18" charset="0"/>
+                                </a:rPr>
+                                <m:t>2</m:t>
+                              </m:r>
+                            </m:sup>
+                          </m:sSup>
+                        </m:num>
+                        <m:den>
+                          <m:f>
+                            <m:fPr>
+                              <m:ctrlPr>
+                                <a:rPr kumimoji="1" lang="en-US" altLang="ja-JP" b="0" i="1" smtClean="0">
+                                  <a:latin typeface="Cambria Math" panose="02040503050406030204" pitchFamily="18" charset="0"/>
+                                </a:rPr>
+                              </m:ctrlPr>
+                            </m:fPr>
+                            <m:num>
+                              <m:sSubSup>
+                                <m:sSubSupPr>
+                                  <m:ctrlPr>
+                                    <a:rPr kumimoji="1" lang="en-US" altLang="ja-JP" b="0" i="1" smtClean="0">
+                                      <a:latin typeface="Cambria Math" panose="02040503050406030204" pitchFamily="18" charset="0"/>
+                                    </a:rPr>
+                                  </m:ctrlPr>
+                                </m:sSubSupPr>
+                                <m:e>
+                                  <m:r>
+                                    <a:rPr kumimoji="1" lang="en-US" altLang="ja-JP" b="0" i="1" smtClean="0">
+                                      <a:latin typeface="Cambria Math" panose="02040503050406030204" pitchFamily="18" charset="0"/>
+                                    </a:rPr>
+                                    <m:t>𝑆</m:t>
+                                  </m:r>
+                                </m:e>
+                                <m:sub>
+                                  <m:r>
+                                    <a:rPr kumimoji="1" lang="en-US" altLang="ja-JP" b="0" i="1" smtClean="0">
+                                      <a:latin typeface="Cambria Math" panose="02040503050406030204" pitchFamily="18" charset="0"/>
+                                    </a:rPr>
+                                    <m:t>1</m:t>
+                                  </m:r>
+                                </m:sub>
+                                <m:sup>
+                                  <m:r>
+                                    <a:rPr kumimoji="1" lang="en-US" altLang="ja-JP" b="0" i="1" smtClean="0">
+                                      <a:latin typeface="Cambria Math" panose="02040503050406030204" pitchFamily="18" charset="0"/>
+                                    </a:rPr>
+                                    <m:t>4</m:t>
+                                  </m:r>
+                                </m:sup>
+                              </m:sSubSup>
+                            </m:num>
+                            <m:den>
+                              <m:sSubSup>
+                                <m:sSubSupPr>
+                                  <m:ctrlPr>
+                                    <a:rPr kumimoji="1" lang="en-US" altLang="ja-JP" b="0" i="1" smtClean="0">
+                                      <a:latin typeface="Cambria Math" panose="02040503050406030204" pitchFamily="18" charset="0"/>
+                                    </a:rPr>
+                                  </m:ctrlPr>
+                                </m:sSubSupPr>
+                                <m:e>
+                                  <m:r>
+                                    <a:rPr kumimoji="1" lang="en-US" altLang="ja-JP" b="0" i="1" smtClean="0">
+                                      <a:latin typeface="Cambria Math" panose="02040503050406030204" pitchFamily="18" charset="0"/>
+                                    </a:rPr>
+                                    <m:t>𝑁</m:t>
+                                  </m:r>
+                                </m:e>
+                                <m:sub>
+                                  <m:r>
+                                    <a:rPr kumimoji="1" lang="en-US" altLang="ja-JP" b="0" i="1" smtClean="0">
+                                      <a:latin typeface="Cambria Math" panose="02040503050406030204" pitchFamily="18" charset="0"/>
+                                    </a:rPr>
+                                    <m:t>1</m:t>
+                                  </m:r>
+                                </m:sub>
+                                <m:sup>
+                                  <m:r>
+                                    <a:rPr kumimoji="1" lang="en-US" altLang="ja-JP" b="0" i="1" smtClean="0">
+                                      <a:latin typeface="Cambria Math" panose="02040503050406030204" pitchFamily="18" charset="0"/>
+                                    </a:rPr>
+                                    <m:t>2</m:t>
+                                  </m:r>
+                                </m:sup>
+                              </m:sSubSup>
+                              <m:d>
+                                <m:dPr>
+                                  <m:ctrlPr>
+                                    <a:rPr kumimoji="1" lang="en-US" altLang="ja-JP" b="0" i="1" smtClean="0">
+                                      <a:latin typeface="Cambria Math" panose="02040503050406030204" pitchFamily="18" charset="0"/>
+                                    </a:rPr>
+                                  </m:ctrlPr>
+                                </m:dPr>
+                                <m:e>
+                                  <m:sSub>
+                                    <m:sSubPr>
+                                      <m:ctrlPr>
+                                        <a:rPr kumimoji="1" lang="en-US" altLang="ja-JP" b="0" i="1" smtClean="0">
+                                          <a:latin typeface="Cambria Math" panose="02040503050406030204" pitchFamily="18" charset="0"/>
+                                        </a:rPr>
+                                      </m:ctrlPr>
+                                    </m:sSubPr>
+                                    <m:e>
+                                      <m:r>
+                                        <a:rPr kumimoji="1" lang="en-US" altLang="ja-JP" b="0" i="1" smtClean="0">
+                                          <a:latin typeface="Cambria Math" panose="02040503050406030204" pitchFamily="18" charset="0"/>
+                                        </a:rPr>
+                                        <m:t>𝑁</m:t>
+                                      </m:r>
+                                    </m:e>
+                                    <m:sub>
+                                      <m:r>
+                                        <a:rPr kumimoji="1" lang="en-US" altLang="ja-JP" b="0" i="1" smtClean="0">
+                                          <a:latin typeface="Cambria Math" panose="02040503050406030204" pitchFamily="18" charset="0"/>
+                                        </a:rPr>
+                                        <m:t>1</m:t>
+                                      </m:r>
+                                    </m:sub>
+                                  </m:sSub>
+                                  <m:r>
+                                    <a:rPr kumimoji="1" lang="en-US" altLang="ja-JP" b="0" i="1" smtClean="0">
+                                      <a:latin typeface="Cambria Math" panose="02040503050406030204" pitchFamily="18" charset="0"/>
+                                    </a:rPr>
+                                    <m:t>−1</m:t>
+                                  </m:r>
+                                </m:e>
+                              </m:d>
+                            </m:den>
+                          </m:f>
+                          <m:r>
+                            <a:rPr kumimoji="1" lang="en-US" altLang="ja-JP" b="0" i="1" smtClean="0">
+                              <a:latin typeface="Cambria Math" panose="02040503050406030204" pitchFamily="18" charset="0"/>
+                            </a:rPr>
+                            <m:t>+</m:t>
+                          </m:r>
+                          <m:f>
+                            <m:fPr>
+                              <m:ctrlPr>
+                                <a:rPr lang="en-US" altLang="ja-JP" i="1">
+                                  <a:latin typeface="Cambria Math" panose="02040503050406030204" pitchFamily="18" charset="0"/>
+                                </a:rPr>
+                              </m:ctrlPr>
+                            </m:fPr>
+                            <m:num>
+                              <m:sSubSup>
+                                <m:sSubSupPr>
+                                  <m:ctrlPr>
+                                    <a:rPr lang="en-US" altLang="ja-JP" i="1">
+                                      <a:latin typeface="Cambria Math" panose="02040503050406030204" pitchFamily="18" charset="0"/>
+                                    </a:rPr>
+                                  </m:ctrlPr>
+                                </m:sSubSupPr>
+                                <m:e>
+                                  <m:r>
+                                    <a:rPr lang="en-US" altLang="ja-JP" i="1">
+                                      <a:latin typeface="Cambria Math" panose="02040503050406030204" pitchFamily="18" charset="0"/>
+                                    </a:rPr>
+                                    <m:t>𝑆</m:t>
+                                  </m:r>
+                                </m:e>
+                                <m:sub>
+                                  <m:r>
+                                    <a:rPr lang="en-US" altLang="ja-JP" b="0" i="1" smtClean="0">
+                                      <a:latin typeface="Cambria Math" panose="02040503050406030204" pitchFamily="18" charset="0"/>
+                                    </a:rPr>
+                                    <m:t>2</m:t>
+                                  </m:r>
+                                </m:sub>
+                                <m:sup>
+                                  <m:r>
+                                    <a:rPr lang="en-US" altLang="ja-JP" i="1">
+                                      <a:latin typeface="Cambria Math" panose="02040503050406030204" pitchFamily="18" charset="0"/>
+                                    </a:rPr>
+                                    <m:t>4</m:t>
+                                  </m:r>
+                                </m:sup>
+                              </m:sSubSup>
+                            </m:num>
+                            <m:den>
+                              <m:sSubSup>
+                                <m:sSubSupPr>
+                                  <m:ctrlPr>
+                                    <a:rPr lang="en-US" altLang="ja-JP" i="1">
+                                      <a:latin typeface="Cambria Math" panose="02040503050406030204" pitchFamily="18" charset="0"/>
+                                    </a:rPr>
+                                  </m:ctrlPr>
+                                </m:sSubSupPr>
+                                <m:e>
+                                  <m:r>
+                                    <a:rPr lang="en-US" altLang="ja-JP" i="1">
+                                      <a:latin typeface="Cambria Math" panose="02040503050406030204" pitchFamily="18" charset="0"/>
+                                    </a:rPr>
+                                    <m:t>𝑁</m:t>
+                                  </m:r>
+                                </m:e>
+                                <m:sub>
+                                  <m:r>
+                                    <a:rPr lang="en-US" altLang="ja-JP" b="0" i="1" smtClean="0">
+                                      <a:latin typeface="Cambria Math" panose="02040503050406030204" pitchFamily="18" charset="0"/>
+                                    </a:rPr>
+                                    <m:t>2</m:t>
+                                  </m:r>
+                                </m:sub>
+                                <m:sup>
+                                  <m:r>
+                                    <a:rPr lang="en-US" altLang="ja-JP" i="1">
+                                      <a:latin typeface="Cambria Math" panose="02040503050406030204" pitchFamily="18" charset="0"/>
+                                    </a:rPr>
+                                    <m:t>2</m:t>
+                                  </m:r>
+                                </m:sup>
+                              </m:sSubSup>
+                              <m:d>
+                                <m:dPr>
+                                  <m:ctrlPr>
+                                    <a:rPr lang="en-US" altLang="ja-JP" i="1">
+                                      <a:latin typeface="Cambria Math" panose="02040503050406030204" pitchFamily="18" charset="0"/>
+                                    </a:rPr>
+                                  </m:ctrlPr>
+                                </m:dPr>
+                                <m:e>
+                                  <m:sSub>
+                                    <m:sSubPr>
+                                      <m:ctrlPr>
+                                        <a:rPr lang="en-US" altLang="ja-JP" i="1">
+                                          <a:latin typeface="Cambria Math" panose="02040503050406030204" pitchFamily="18" charset="0"/>
+                                        </a:rPr>
+                                      </m:ctrlPr>
+                                    </m:sSubPr>
+                                    <m:e>
+                                      <m:r>
+                                        <a:rPr lang="en-US" altLang="ja-JP" i="1">
+                                          <a:latin typeface="Cambria Math" panose="02040503050406030204" pitchFamily="18" charset="0"/>
+                                        </a:rPr>
+                                        <m:t>𝑁</m:t>
+                                      </m:r>
+                                    </m:e>
+                                    <m:sub>
+                                      <m:r>
+                                        <a:rPr lang="en-US" altLang="ja-JP" b="0" i="1" smtClean="0">
+                                          <a:latin typeface="Cambria Math" panose="02040503050406030204" pitchFamily="18" charset="0"/>
+                                        </a:rPr>
+                                        <m:t>2</m:t>
+                                      </m:r>
+                                    </m:sub>
+                                  </m:sSub>
+                                  <m:r>
+                                    <a:rPr lang="en-US" altLang="ja-JP" i="1">
+                                      <a:latin typeface="Cambria Math" panose="02040503050406030204" pitchFamily="18" charset="0"/>
+                                    </a:rPr>
+                                    <m:t>−1</m:t>
+                                  </m:r>
+                                </m:e>
+                              </m:d>
+                            </m:den>
+                          </m:f>
+                        </m:den>
+                      </m:f>
+                    </m:oMath>
+                  </m:oMathPara>
+                </a14:m>
+                <a:endParaRPr kumimoji="1" lang="en-US" altLang="ja-JP" dirty="0"/>
+              </a:p>
+              <a:p>
+                <a:pPr marL="36900" indent="0">
+                  <a:buNone/>
+                </a:pPr>
+                <a:endParaRPr kumimoji="1" lang="ja-JP" altLang="en-US" dirty="0"/>
+              </a:p>
+            </p:txBody>
+          </p:sp>
+        </mc:Choice>
+        <mc:Fallback>
+          <p:sp>
+            <p:nvSpPr>
+              <p:cNvPr id="3" name="コンテンツ プレースホルダー 2">
+                <a:extLst>
+                  <a:ext uri="{FF2B5EF4-FFF2-40B4-BE49-F238E27FC236}">
+                    <a16:creationId xmlns:a16="http://schemas.microsoft.com/office/drawing/2014/main" id="{35DE658A-59FF-40F4-98AE-A64545E18C61}"/>
+                  </a:ext>
+                </a:extLst>
+              </p:cNvPr>
+              <p:cNvSpPr>
+                <a:spLocks noGrp="1" noRot="1" noChangeAspect="1" noMove="1" noResize="1" noEditPoints="1" noAdjustHandles="1" noChangeArrowheads="1" noChangeShapeType="1" noTextEdit="1"/>
+              </p:cNvSpPr>
+              <p:nvPr>
+                <p:ph sz="half" idx="1"/>
+              </p:nvPr>
+            </p:nvSpPr>
+            <p:spPr>
+              <a:blipFill>
+                <a:blip r:embed="rId2"/>
+                <a:stretch>
+                  <a:fillRect/>
+                </a:stretch>
+              </a:blipFill>
+            </p:spPr>
+            <p:txBody>
+              <a:bodyPr/>
+              <a:lstStyle/>
+              <a:p>
+                <a:r>
+                  <a:rPr lang="ja-JP" altLang="en-US">
+                    <a:noFill/>
+                  </a:rPr>
+                  <a:t> </a:t>
+                </a:r>
+              </a:p>
+            </p:txBody>
+          </p:sp>
+        </mc:Fallback>
+      </mc:AlternateContent>
+      <p:sp>
+        <p:nvSpPr>
+          <p:cNvPr id="4" name="コンテンツ プレースホルダー 3">
+            <a:extLst>
+              <a:ext uri="{FF2B5EF4-FFF2-40B4-BE49-F238E27FC236}">
+                <a16:creationId xmlns:a16="http://schemas.microsoft.com/office/drawing/2014/main" id="{F49F2AAC-0117-4987-9683-D8F4035F0DE0}"/>
+              </a:ext>
+            </a:extLst>
+          </p:cNvPr>
+          <p:cNvSpPr>
+            <a:spLocks noGrp="1"/>
+          </p:cNvSpPr>
+          <p:nvPr>
+            <p:ph sz="half" idx="2"/>
+          </p:nvPr>
+        </p:nvSpPr>
+        <p:spPr/>
+        <p:txBody>
+          <a:bodyPr/>
+          <a:lstStyle/>
+          <a:p>
+            <a:endParaRPr lang="ja-JP" altLang="en-US"/>
+          </a:p>
+        </p:txBody>
+      </p:sp>
+      <p:pic>
+        <p:nvPicPr>
+          <p:cNvPr id="5" name="コンテンツ プレースホルダー 6">
+            <a:extLst>
+              <a:ext uri="{FF2B5EF4-FFF2-40B4-BE49-F238E27FC236}">
+                <a16:creationId xmlns:a16="http://schemas.microsoft.com/office/drawing/2014/main" id="{0D186FCF-9F92-4828-B974-758D05F28076}"/>
+              </a:ext>
+            </a:extLst>
+          </p:cNvPr>
+          <p:cNvPicPr>
+            <a:picLocks noChangeAspect="1"/>
+          </p:cNvPicPr>
+          <p:nvPr/>
+        </p:nvPicPr>
+        <p:blipFill>
+          <a:blip r:embed="rId3"/>
+          <a:stretch>
+            <a:fillRect/>
+          </a:stretch>
+        </p:blipFill>
+        <p:spPr>
+          <a:xfrm>
+            <a:off x="6246298" y="1731963"/>
+            <a:ext cx="4977841" cy="4059237"/>
+          </a:xfrm>
+          <a:prstGeom prst="rect">
+            <a:avLst/>
+          </a:prstGeom>
+          <a:effectLst>
+            <a:outerShdw blurRad="25400" dir="17880000">
+              <a:srgbClr val="000000">
+                <a:alpha val="46000"/>
+              </a:srgbClr>
+            </a:outerShdw>
+          </a:effectLst>
+        </p:spPr>
+      </p:pic>
+    </p:spTree>
+    <p:extLst>
+      <p:ext uri="{BB962C8B-B14F-4D97-AF65-F5344CB8AC3E}">
+        <p14:creationId xmlns:p14="http://schemas.microsoft.com/office/powerpoint/2010/main" val="2464841432"/>
+      </p:ext>
+    </p:extLst>
+  </p:cSld>
+  <p:clrMapOvr>
+    <a:masterClrMapping/>
+  </p:clrMapOvr>
+</p:sld>
+</file>
+
+<file path=ppt/slides/slide13.xml><?xml version="1.0" encoding="utf-8"?>
+<p:sld xmlns:a="http://schemas.openxmlformats.org/drawingml/2006/main" xmlns:r="http://schemas.openxmlformats.org/officeDocument/2006/relationships" xmlns:p="http://schemas.openxmlformats.org/presentationml/2006/main">
+  <p:cSld>
+    <p:spTree>
+      <p:nvGrpSpPr>
+        <p:cNvPr id="1" name=""/>
+        <p:cNvGrpSpPr/>
+        <p:nvPr/>
+      </p:nvGrpSpPr>
+      <p:grpSpPr>
+        <a:xfrm>
+          <a:off x="0" y="0"/>
+          <a:ext cx="0" cy="0"/>
+          <a:chOff x="0" y="0"/>
+          <a:chExt cx="0" cy="0"/>
+        </a:xfrm>
+      </p:grpSpPr>
+      <p:sp>
+        <p:nvSpPr>
+          <p:cNvPr id="2" name="タイトル 1">
+            <a:extLst>
+              <a:ext uri="{FF2B5EF4-FFF2-40B4-BE49-F238E27FC236}">
+                <a16:creationId xmlns:a16="http://schemas.microsoft.com/office/drawing/2014/main" id="{319FF2B0-2E18-48FC-9C87-638689B7D2F6}"/>
+              </a:ext>
+            </a:extLst>
+          </p:cNvPr>
+          <p:cNvSpPr>
+            <a:spLocks noGrp="1"/>
+          </p:cNvSpPr>
+          <p:nvPr>
+            <p:ph type="title"/>
+          </p:nvPr>
+        </p:nvSpPr>
+        <p:spPr/>
+        <p:txBody>
+          <a:bodyPr/>
+          <a:lstStyle/>
+          <a:p>
+            <a:r>
+              <a:rPr lang="en-US" altLang="ja-JP" dirty="0"/>
+              <a:t>Welch's t-test</a:t>
+            </a:r>
+            <a:endParaRPr kumimoji="1" lang="ja-JP" altLang="en-US" dirty="0"/>
+          </a:p>
+        </p:txBody>
+      </p:sp>
+      <mc:AlternateContent xmlns:mc="http://schemas.openxmlformats.org/markup-compatibility/2006">
+        <mc:Choice xmlns:a14="http://schemas.microsoft.com/office/drawing/2010/main" Requires="a14">
+          <p:sp>
+            <p:nvSpPr>
+              <p:cNvPr id="3" name="コンテンツ プレースホルダー 2">
+                <a:extLst>
+                  <a:ext uri="{FF2B5EF4-FFF2-40B4-BE49-F238E27FC236}">
+                    <a16:creationId xmlns:a16="http://schemas.microsoft.com/office/drawing/2014/main" id="{35DE658A-59FF-40F4-98AE-A64545E18C61}"/>
+                  </a:ext>
+                </a:extLst>
+              </p:cNvPr>
+              <p:cNvSpPr>
+                <a:spLocks noGrp="1"/>
+              </p:cNvSpPr>
+              <p:nvPr>
+                <p:ph sz="half" idx="1"/>
+              </p:nvPr>
+            </p:nvSpPr>
+            <p:spPr/>
+            <p:txBody>
+              <a:bodyPr/>
+              <a:lstStyle/>
+              <a:p>
+                <a:pPr marL="36900" indent="0">
+                  <a:buNone/>
+                </a:pPr>
+                <a14:m>
+                  <m:oMath xmlns:m="http://schemas.openxmlformats.org/officeDocument/2006/math">
+                    <m:sSub>
+                      <m:sSubPr>
+                        <m:ctrlPr>
+                          <a:rPr lang="en-US" altLang="ja-JP" b="0" i="1" smtClean="0">
+                            <a:latin typeface="Cambria Math" panose="02040503050406030204" pitchFamily="18" charset="0"/>
+                          </a:rPr>
+                        </m:ctrlPr>
+                      </m:sSubPr>
+                      <m:e>
+                        <m:r>
+                          <a:rPr lang="en-US" altLang="ja-JP" b="0" i="1" smtClean="0">
+                            <a:latin typeface="Cambria Math" panose="02040503050406030204" pitchFamily="18" charset="0"/>
+                          </a:rPr>
+                          <m:t>𝐻</m:t>
+                        </m:r>
+                      </m:e>
+                      <m:sub>
+                        <m:r>
+                          <a:rPr lang="en-US" altLang="ja-JP" b="0" i="1" smtClean="0">
+                            <a:latin typeface="Cambria Math" panose="02040503050406030204" pitchFamily="18" charset="0"/>
+                          </a:rPr>
+                          <m:t>0</m:t>
+                        </m:r>
+                      </m:sub>
+                    </m:sSub>
+                    <m:r>
+                      <a:rPr lang="ja-JP" altLang="en-US" i="1">
+                        <a:latin typeface="Cambria Math" panose="02040503050406030204" pitchFamily="18" charset="0"/>
+                      </a:rPr>
+                      <m:t>から</m:t>
+                    </m:r>
+                  </m:oMath>
+                </a14:m>
+                <a:r>
+                  <a:rPr lang="ja-JP" altLang="en-US" dirty="0"/>
+                  <a:t>外れれば外れるほど</a:t>
+                </a:r>
+                <a14:m>
+                  <m:oMath xmlns:m="http://schemas.openxmlformats.org/officeDocument/2006/math">
+                    <m:r>
+                      <a:rPr lang="en-US" altLang="ja-JP" b="0" i="1" smtClean="0">
+                        <a:latin typeface="Cambria Math" panose="02040503050406030204" pitchFamily="18" charset="0"/>
+                      </a:rPr>
+                      <m:t>𝑡</m:t>
+                    </m:r>
+                  </m:oMath>
+                </a14:m>
+                <a:r>
+                  <a:rPr lang="ja-JP" altLang="en-US" dirty="0"/>
+                  <a:t>の絶対値は大きくなる。</a:t>
+                </a:r>
+                <a:r>
+                  <a:rPr lang="en-US" altLang="ja-JP" dirty="0"/>
+                  <a:t> t</a:t>
+                </a:r>
+                <a:r>
+                  <a:rPr lang="ja-JP" altLang="en-US" dirty="0"/>
+                  <a:t>値の絶対値がある値以上になる確率を</a:t>
+                </a:r>
+                <a:r>
+                  <a:rPr lang="en-US" altLang="ja-JP" dirty="0"/>
+                  <a:t>p</a:t>
+                </a:r>
+                <a:r>
+                  <a:rPr lang="ja-JP" altLang="en-US" dirty="0"/>
+                  <a:t>値と呼ぶ。</a:t>
+                </a:r>
+                <a:endParaRPr lang="en-US" altLang="ja-JP" dirty="0"/>
+              </a:p>
+              <a:p>
+                <a:pPr marL="36900" indent="0">
+                  <a:buNone/>
+                </a:pPr>
+                <a:r>
+                  <a:rPr lang="ja-JP" altLang="en-US" dirty="0"/>
+                  <a:t>よく言う</a:t>
+                </a:r>
+                <a:br>
+                  <a:rPr lang="en-US" altLang="ja-JP" dirty="0"/>
+                </a:br>
+                <a:r>
+                  <a:rPr lang="ja-JP" altLang="en-US" dirty="0"/>
+                  <a:t>「有意水準</a:t>
+                </a:r>
+                <a:r>
+                  <a:rPr lang="en-US" altLang="ja-JP" dirty="0"/>
+                  <a:t>0.05</a:t>
+                </a:r>
+                <a:r>
+                  <a:rPr lang="ja-JP" altLang="en-US" dirty="0"/>
+                  <a:t>で有意です」</a:t>
+                </a:r>
+                <a:br>
+                  <a:rPr lang="en-US" altLang="ja-JP" dirty="0"/>
+                </a:br>
+                <a:r>
+                  <a:rPr lang="ja-JP" altLang="en-US" dirty="0"/>
+                  <a:t>は</a:t>
+                </a:r>
+                <a:br>
+                  <a:rPr lang="en-US" altLang="ja-JP" dirty="0"/>
+                </a:br>
+                <a:r>
+                  <a:rPr lang="ja-JP" altLang="en-US" dirty="0"/>
+                  <a:t>「</a:t>
+                </a:r>
+                <a:r>
+                  <a:rPr lang="en-US" altLang="ja-JP" dirty="0"/>
+                  <a:t>p</a:t>
+                </a:r>
+                <a:r>
+                  <a:rPr lang="ja-JP" altLang="en-US" dirty="0"/>
+                  <a:t>値が</a:t>
+                </a:r>
+                <a:r>
+                  <a:rPr lang="en-US" altLang="ja-JP" dirty="0"/>
+                  <a:t>0.05</a:t>
+                </a:r>
+                <a:r>
+                  <a:rPr lang="ja-JP" altLang="en-US" dirty="0"/>
+                  <a:t>以下になる</a:t>
+                </a:r>
+                <a:br>
+                  <a:rPr lang="en-US" altLang="ja-JP" dirty="0"/>
+                </a:br>
+                <a:r>
+                  <a:rPr lang="en-US" altLang="ja-JP" dirty="0"/>
+                  <a:t> </a:t>
+                </a:r>
+                <a:r>
+                  <a:rPr lang="ja-JP" altLang="en-US" dirty="0"/>
+                  <a:t>端の領域に</a:t>
+                </a:r>
+                <a:r>
+                  <a:rPr lang="en-US" altLang="ja-JP" dirty="0"/>
+                  <a:t>t</a:t>
+                </a:r>
+                <a:r>
+                  <a:rPr lang="ja-JP" altLang="en-US" dirty="0"/>
+                  <a:t>値があります」</a:t>
+                </a:r>
+                <a:br>
+                  <a:rPr lang="en-US" altLang="ja-JP" dirty="0"/>
+                </a:br>
+                <a:r>
+                  <a:rPr lang="ja-JP" altLang="en-US" dirty="0"/>
+                  <a:t>と同じ。</a:t>
+                </a:r>
+                <a:endParaRPr lang="en-US" altLang="ja-JP" dirty="0"/>
+              </a:p>
+            </p:txBody>
+          </p:sp>
+        </mc:Choice>
+        <mc:Fallback>
+          <p:sp>
+            <p:nvSpPr>
+              <p:cNvPr id="3" name="コンテンツ プレースホルダー 2">
+                <a:extLst>
+                  <a:ext uri="{FF2B5EF4-FFF2-40B4-BE49-F238E27FC236}">
+                    <a16:creationId xmlns:a16="http://schemas.microsoft.com/office/drawing/2014/main" id="{35DE658A-59FF-40F4-98AE-A64545E18C61}"/>
+                  </a:ext>
+                </a:extLst>
+              </p:cNvPr>
+              <p:cNvSpPr>
+                <a:spLocks noGrp="1" noRot="1" noChangeAspect="1" noMove="1" noResize="1" noEditPoints="1" noAdjustHandles="1" noChangeArrowheads="1" noChangeShapeType="1" noTextEdit="1"/>
+              </p:cNvSpPr>
+              <p:nvPr>
+                <p:ph sz="half" idx="1"/>
+              </p:nvPr>
+            </p:nvSpPr>
+            <p:spPr>
+              <a:blipFill>
+                <a:blip r:embed="rId2"/>
+                <a:stretch>
+                  <a:fillRect/>
+                </a:stretch>
+              </a:blipFill>
+            </p:spPr>
+            <p:txBody>
+              <a:bodyPr/>
+              <a:lstStyle/>
+              <a:p>
+                <a:r>
+                  <a:rPr lang="ja-JP" altLang="en-US">
+                    <a:noFill/>
+                  </a:rPr>
+                  <a:t> </a:t>
+                </a:r>
+              </a:p>
+            </p:txBody>
+          </p:sp>
+        </mc:Fallback>
+      </mc:AlternateContent>
+      <p:sp>
+        <p:nvSpPr>
+          <p:cNvPr id="4" name="コンテンツ プレースホルダー 3">
+            <a:extLst>
+              <a:ext uri="{FF2B5EF4-FFF2-40B4-BE49-F238E27FC236}">
+                <a16:creationId xmlns:a16="http://schemas.microsoft.com/office/drawing/2014/main" id="{F49F2AAC-0117-4987-9683-D8F4035F0DE0}"/>
+              </a:ext>
+            </a:extLst>
+          </p:cNvPr>
+          <p:cNvSpPr>
+            <a:spLocks noGrp="1"/>
+          </p:cNvSpPr>
+          <p:nvPr>
+            <p:ph sz="half" idx="2"/>
+          </p:nvPr>
+        </p:nvSpPr>
+        <p:spPr/>
+        <p:txBody>
+          <a:bodyPr/>
+          <a:lstStyle/>
+          <a:p>
+            <a:endParaRPr lang="ja-JP" altLang="en-US"/>
+          </a:p>
+        </p:txBody>
+      </p:sp>
+      <p:pic>
+        <p:nvPicPr>
+          <p:cNvPr id="5" name="コンテンツ プレースホルダー 6">
+            <a:extLst>
+              <a:ext uri="{FF2B5EF4-FFF2-40B4-BE49-F238E27FC236}">
+                <a16:creationId xmlns:a16="http://schemas.microsoft.com/office/drawing/2014/main" id="{0D186FCF-9F92-4828-B974-758D05F28076}"/>
+              </a:ext>
+            </a:extLst>
+          </p:cNvPr>
+          <p:cNvPicPr>
+            <a:picLocks noChangeAspect="1"/>
+          </p:cNvPicPr>
+          <p:nvPr/>
+        </p:nvPicPr>
+        <p:blipFill>
+          <a:blip r:embed="rId3"/>
+          <a:stretch>
+            <a:fillRect/>
+          </a:stretch>
+        </p:blipFill>
+        <p:spPr>
+          <a:xfrm>
+            <a:off x="6246298" y="1731963"/>
+            <a:ext cx="4977841" cy="4059237"/>
+          </a:xfrm>
+          <a:prstGeom prst="rect">
+            <a:avLst/>
+          </a:prstGeom>
+          <a:effectLst>
+            <a:outerShdw blurRad="25400" dir="17880000">
+              <a:srgbClr val="000000">
+                <a:alpha val="46000"/>
+              </a:srgbClr>
+            </a:outerShdw>
+          </a:effectLst>
+        </p:spPr>
+      </p:pic>
+    </p:spTree>
+    <p:extLst>
+      <p:ext uri="{BB962C8B-B14F-4D97-AF65-F5344CB8AC3E}">
+        <p14:creationId xmlns:p14="http://schemas.microsoft.com/office/powerpoint/2010/main" val="3535373584"/>
+      </p:ext>
+    </p:extLst>
+  </p:cSld>
+  <p:clrMapOvr>
+    <a:masterClrMapping/>
+  </p:clrMapOvr>
+</p:sld>
+</file>
+
+<file path=ppt/slides/slide14.xml><?xml version="1.0" encoding="utf-8"?>
+<p:sld xmlns:a="http://schemas.openxmlformats.org/drawingml/2006/main" xmlns:r="http://schemas.openxmlformats.org/officeDocument/2006/relationships" xmlns:p="http://schemas.openxmlformats.org/presentationml/2006/main">
+  <p:cSld>
+    <p:spTree>
+      <p:nvGrpSpPr>
+        <p:cNvPr id="1" name=""/>
+        <p:cNvGrpSpPr/>
+        <p:nvPr/>
+      </p:nvGrpSpPr>
+      <p:grpSpPr>
+        <a:xfrm>
+          <a:off x="0" y="0"/>
+          <a:ext cx="0" cy="0"/>
+          <a:chOff x="0" y="0"/>
+          <a:chExt cx="0" cy="0"/>
+        </a:xfrm>
+      </p:grpSpPr>
+      <p:sp>
+        <p:nvSpPr>
+          <p:cNvPr id="2" name="タイトル 1">
+            <a:extLst>
+              <a:ext uri="{FF2B5EF4-FFF2-40B4-BE49-F238E27FC236}">
+                <a16:creationId xmlns:a16="http://schemas.microsoft.com/office/drawing/2014/main" id="{319FF2B0-2E18-48FC-9C87-638689B7D2F6}"/>
+              </a:ext>
+            </a:extLst>
+          </p:cNvPr>
+          <p:cNvSpPr>
+            <a:spLocks noGrp="1"/>
+          </p:cNvSpPr>
+          <p:nvPr>
+            <p:ph type="title"/>
+          </p:nvPr>
+        </p:nvSpPr>
+        <p:spPr/>
+        <p:txBody>
+          <a:bodyPr/>
+          <a:lstStyle/>
+          <a:p>
+            <a:r>
+              <a:rPr lang="en-US" altLang="ja-JP" dirty="0"/>
+              <a:t>Welch's t-test</a:t>
+            </a:r>
+            <a:endParaRPr kumimoji="1" lang="ja-JP" altLang="en-US" dirty="0"/>
+          </a:p>
+        </p:txBody>
+      </p:sp>
+      <mc:AlternateContent xmlns:mc="http://schemas.openxmlformats.org/markup-compatibility/2006">
+        <mc:Choice xmlns:a14="http://schemas.microsoft.com/office/drawing/2010/main" Requires="a14">
+          <p:sp>
+            <p:nvSpPr>
+              <p:cNvPr id="3" name="コンテンツ プレースホルダー 2">
+                <a:extLst>
+                  <a:ext uri="{FF2B5EF4-FFF2-40B4-BE49-F238E27FC236}">
+                    <a16:creationId xmlns:a16="http://schemas.microsoft.com/office/drawing/2014/main" id="{35DE658A-59FF-40F4-98AE-A64545E18C61}"/>
+                  </a:ext>
+                </a:extLst>
+              </p:cNvPr>
+              <p:cNvSpPr>
+                <a:spLocks noGrp="1"/>
+              </p:cNvSpPr>
+              <p:nvPr>
+                <p:ph sz="half" idx="1"/>
+              </p:nvPr>
+            </p:nvSpPr>
+            <p:spPr/>
+            <p:txBody>
+              <a:bodyPr/>
+              <a:lstStyle/>
+              <a:p>
+                <a:pPr marL="36900" indent="0">
+                  <a:buNone/>
+                </a:pPr>
+                <a:r>
+                  <a:rPr kumimoji="1" lang="ja-JP" altLang="en-US" b="0" dirty="0"/>
+                  <a:t>「</a:t>
+                </a:r>
+                <a14:m>
+                  <m:oMath xmlns:m="http://schemas.openxmlformats.org/officeDocument/2006/math">
+                    <m:sSub>
+                      <m:sSubPr>
+                        <m:ctrlPr>
+                          <a:rPr kumimoji="1" lang="en-US" altLang="ja-JP" b="0" i="1" smtClean="0">
+                            <a:latin typeface="Cambria Math" panose="02040503050406030204" pitchFamily="18" charset="0"/>
+                          </a:rPr>
+                        </m:ctrlPr>
+                      </m:sSubPr>
+                      <m:e>
+                        <m:r>
+                          <a:rPr kumimoji="1" lang="en-US" altLang="ja-JP" b="0" i="1" smtClean="0">
+                            <a:latin typeface="Cambria Math" panose="02040503050406030204" pitchFamily="18" charset="0"/>
+                          </a:rPr>
+                          <m:t>𝐻</m:t>
+                        </m:r>
+                      </m:e>
+                      <m:sub>
+                        <m:r>
+                          <a:rPr kumimoji="1" lang="en-US" altLang="ja-JP" b="0" i="1" smtClean="0">
+                            <a:latin typeface="Cambria Math" panose="02040503050406030204" pitchFamily="18" charset="0"/>
+                          </a:rPr>
+                          <m:t>0</m:t>
+                        </m:r>
+                      </m:sub>
+                    </m:sSub>
+                  </m:oMath>
+                </a14:m>
+                <a:r>
+                  <a:rPr kumimoji="1" lang="en-US" altLang="ja-JP" dirty="0"/>
+                  <a:t>(</a:t>
+                </a:r>
+                <a:r>
+                  <a:rPr kumimoji="1" lang="ja-JP" altLang="en-US" dirty="0"/>
+                  <a:t>平均が同じ</a:t>
+                </a:r>
+                <a:r>
+                  <a:rPr kumimoji="1" lang="en-US" altLang="ja-JP" dirty="0"/>
+                  <a:t>)</a:t>
+                </a:r>
+                <a:r>
+                  <a:rPr kumimoji="1" lang="ja-JP" altLang="en-US" dirty="0"/>
+                  <a:t>だと信じてみると、今手元にある</a:t>
+                </a:r>
+                <a:r>
+                  <a:rPr kumimoji="1" lang="en-US" altLang="ja-JP" dirty="0"/>
+                  <a:t>t</a:t>
+                </a:r>
+                <a:r>
+                  <a:rPr kumimoji="1" lang="ja-JP" altLang="en-US" dirty="0"/>
+                  <a:t>値はこのグラフのこのだいぶ端の場所にあることになる。</a:t>
+                </a:r>
+                <a:r>
+                  <a:rPr lang="en-US" altLang="ja-JP" dirty="0"/>
+                  <a:t>t</a:t>
+                </a:r>
+                <a:r>
+                  <a:rPr lang="ja-JP" altLang="en-US" dirty="0"/>
+                  <a:t>値としてとりえる値だとしても、</a:t>
+                </a:r>
+                <a:r>
+                  <a:rPr kumimoji="1" lang="ja-JP" altLang="en-US" dirty="0"/>
+                  <a:t>こんなに端にあるのはさすがに不自然だから</a:t>
+                </a:r>
+                <a14:m>
+                  <m:oMath xmlns:m="http://schemas.openxmlformats.org/officeDocument/2006/math">
+                    <m:sSub>
+                      <m:sSubPr>
+                        <m:ctrlPr>
+                          <a:rPr kumimoji="1" lang="en-US" altLang="ja-JP" b="0" i="1" smtClean="0">
+                            <a:latin typeface="Cambria Math" panose="02040503050406030204" pitchFamily="18" charset="0"/>
+                          </a:rPr>
+                        </m:ctrlPr>
+                      </m:sSubPr>
+                      <m:e>
+                        <m:r>
+                          <a:rPr kumimoji="1" lang="en-US" altLang="ja-JP" b="0" i="1" smtClean="0">
+                            <a:latin typeface="Cambria Math" panose="02040503050406030204" pitchFamily="18" charset="0"/>
+                          </a:rPr>
+                          <m:t>𝐻</m:t>
+                        </m:r>
+                      </m:e>
+                      <m:sub>
+                        <m:r>
+                          <a:rPr kumimoji="1" lang="en-US" altLang="ja-JP" b="0" i="1" smtClean="0">
+                            <a:latin typeface="Cambria Math" panose="02040503050406030204" pitchFamily="18" charset="0"/>
+                          </a:rPr>
+                          <m:t>0</m:t>
+                        </m:r>
+                      </m:sub>
+                    </m:sSub>
+                  </m:oMath>
+                </a14:m>
+                <a:r>
+                  <a:rPr kumimoji="1" lang="ja-JP" altLang="en-US" dirty="0"/>
+                  <a:t>は信用しないことにする。仮にその予想が外れて、本当に</a:t>
+                </a:r>
+                <a14:m>
+                  <m:oMath xmlns:m="http://schemas.openxmlformats.org/officeDocument/2006/math">
+                    <m:sSub>
+                      <m:sSubPr>
+                        <m:ctrlPr>
+                          <a:rPr kumimoji="1" lang="en-US" altLang="ja-JP" b="0" i="1" smtClean="0">
+                            <a:latin typeface="Cambria Math" panose="02040503050406030204" pitchFamily="18" charset="0"/>
+                          </a:rPr>
+                        </m:ctrlPr>
+                      </m:sSubPr>
+                      <m:e>
+                        <m:r>
+                          <a:rPr kumimoji="1" lang="en-US" altLang="ja-JP" b="0" i="1" smtClean="0">
+                            <a:latin typeface="Cambria Math" panose="02040503050406030204" pitchFamily="18" charset="0"/>
+                          </a:rPr>
+                          <m:t>𝐻</m:t>
+                        </m:r>
+                      </m:e>
+                      <m:sub>
+                        <m:r>
+                          <a:rPr kumimoji="1" lang="en-US" altLang="ja-JP" b="0" i="1" smtClean="0">
+                            <a:latin typeface="Cambria Math" panose="02040503050406030204" pitchFamily="18" charset="0"/>
+                          </a:rPr>
+                          <m:t>0</m:t>
+                        </m:r>
+                      </m:sub>
+                    </m:sSub>
+                  </m:oMath>
+                </a14:m>
+                <a:r>
+                  <a:rPr lang="ja-JP" altLang="en-US" dirty="0"/>
+                  <a:t>だったとしても、その可能性はこの小さな領域の面積</a:t>
+                </a:r>
+                <a:r>
+                  <a:rPr lang="ja-JP" altLang="en-US"/>
+                  <a:t>しかない」</a:t>
+                </a:r>
+                <a:r>
+                  <a:rPr kumimoji="1" lang="ja-JP" altLang="en-US" dirty="0"/>
+                  <a:t>という気持ち。</a:t>
+                </a:r>
+              </a:p>
+            </p:txBody>
+          </p:sp>
+        </mc:Choice>
+        <mc:Fallback>
+          <p:sp>
+            <p:nvSpPr>
+              <p:cNvPr id="3" name="コンテンツ プレースホルダー 2">
+                <a:extLst>
+                  <a:ext uri="{FF2B5EF4-FFF2-40B4-BE49-F238E27FC236}">
+                    <a16:creationId xmlns:a16="http://schemas.microsoft.com/office/drawing/2014/main" id="{35DE658A-59FF-40F4-98AE-A64545E18C61}"/>
+                  </a:ext>
+                </a:extLst>
+              </p:cNvPr>
+              <p:cNvSpPr>
+                <a:spLocks noGrp="1" noRot="1" noChangeAspect="1" noMove="1" noResize="1" noEditPoints="1" noAdjustHandles="1" noChangeArrowheads="1" noChangeShapeType="1" noTextEdit="1"/>
+              </p:cNvSpPr>
+              <p:nvPr>
+                <p:ph sz="half" idx="1"/>
+              </p:nvPr>
+            </p:nvSpPr>
+            <p:spPr>
+              <a:blipFill>
+                <a:blip r:embed="rId2"/>
+                <a:stretch>
+                  <a:fillRect/>
+                </a:stretch>
+              </a:blipFill>
+            </p:spPr>
+            <p:txBody>
+              <a:bodyPr/>
+              <a:lstStyle/>
+              <a:p>
+                <a:r>
+                  <a:rPr lang="ja-JP" altLang="en-US">
+                    <a:noFill/>
+                  </a:rPr>
+                  <a:t> </a:t>
+                </a:r>
+              </a:p>
+            </p:txBody>
+          </p:sp>
+        </mc:Fallback>
+      </mc:AlternateContent>
+      <p:sp>
+        <p:nvSpPr>
+          <p:cNvPr id="4" name="コンテンツ プレースホルダー 3">
+            <a:extLst>
+              <a:ext uri="{FF2B5EF4-FFF2-40B4-BE49-F238E27FC236}">
+                <a16:creationId xmlns:a16="http://schemas.microsoft.com/office/drawing/2014/main" id="{F49F2AAC-0117-4987-9683-D8F4035F0DE0}"/>
+              </a:ext>
+            </a:extLst>
+          </p:cNvPr>
+          <p:cNvSpPr>
+            <a:spLocks noGrp="1"/>
+          </p:cNvSpPr>
+          <p:nvPr>
+            <p:ph sz="half" idx="2"/>
+          </p:nvPr>
+        </p:nvSpPr>
+        <p:spPr/>
+        <p:txBody>
+          <a:bodyPr/>
+          <a:lstStyle/>
+          <a:p>
+            <a:endParaRPr lang="ja-JP" altLang="en-US"/>
+          </a:p>
+        </p:txBody>
+      </p:sp>
+      <p:pic>
+        <p:nvPicPr>
+          <p:cNvPr id="5" name="コンテンツ プレースホルダー 6">
+            <a:extLst>
+              <a:ext uri="{FF2B5EF4-FFF2-40B4-BE49-F238E27FC236}">
+                <a16:creationId xmlns:a16="http://schemas.microsoft.com/office/drawing/2014/main" id="{0D186FCF-9F92-4828-B974-758D05F28076}"/>
+              </a:ext>
+            </a:extLst>
+          </p:cNvPr>
+          <p:cNvPicPr>
+            <a:picLocks noChangeAspect="1"/>
+          </p:cNvPicPr>
+          <p:nvPr/>
+        </p:nvPicPr>
+        <p:blipFill>
+          <a:blip r:embed="rId3"/>
+          <a:stretch>
+            <a:fillRect/>
+          </a:stretch>
+        </p:blipFill>
+        <p:spPr>
+          <a:xfrm>
+            <a:off x="6246298" y="1731963"/>
+            <a:ext cx="4977841" cy="4059237"/>
+          </a:xfrm>
+          <a:prstGeom prst="rect">
+            <a:avLst/>
+          </a:prstGeom>
+          <a:effectLst>
+            <a:outerShdw blurRad="25400" dir="17880000">
+              <a:srgbClr val="000000">
+                <a:alpha val="46000"/>
+              </a:srgbClr>
+            </a:outerShdw>
+          </a:effectLst>
+        </p:spPr>
+      </p:pic>
+    </p:spTree>
+    <p:extLst>
+      <p:ext uri="{BB962C8B-B14F-4D97-AF65-F5344CB8AC3E}">
+        <p14:creationId xmlns:p14="http://schemas.microsoft.com/office/powerpoint/2010/main" val="2124855844"/>
+      </p:ext>
+    </p:extLst>
+  </p:cSld>
+  <p:clrMapOvr>
+    <a:masterClrMapping/>
+  </p:clrMapOvr>
+</p:sld>
+</file>
+
+<file path=ppt/slides/slide15.xml><?xml version="1.0" encoding="utf-8"?>
+<p:sld xmlns:a="http://schemas.openxmlformats.org/drawingml/2006/main" xmlns:r="http://schemas.openxmlformats.org/officeDocument/2006/relationships" xmlns:p="http://schemas.openxmlformats.org/presentationml/2006/main">
+  <p:cSld>
+    <p:spTree>
+      <p:nvGrpSpPr>
+        <p:cNvPr id="1" name=""/>
+        <p:cNvGrpSpPr/>
+        <p:nvPr/>
+      </p:nvGrpSpPr>
+      <p:grpSpPr>
+        <a:xfrm>
+          <a:off x="0" y="0"/>
+          <a:ext cx="0" cy="0"/>
+          <a:chOff x="0" y="0"/>
+          <a:chExt cx="0" cy="0"/>
+        </a:xfrm>
+      </p:grpSpPr>
+      <p:sp>
+        <p:nvSpPr>
+          <p:cNvPr id="2" name="タイトル 1">
+            <a:extLst>
+              <a:ext uri="{FF2B5EF4-FFF2-40B4-BE49-F238E27FC236}">
+                <a16:creationId xmlns:a16="http://schemas.microsoft.com/office/drawing/2014/main" id="{88870C73-9815-4697-B3C4-90B82808E20A}"/>
+              </a:ext>
+            </a:extLst>
+          </p:cNvPr>
+          <p:cNvSpPr>
+            <a:spLocks noGrp="1"/>
+          </p:cNvSpPr>
+          <p:nvPr>
+            <p:ph type="title"/>
+          </p:nvPr>
+        </p:nvSpPr>
+        <p:spPr/>
+        <p:txBody>
+          <a:bodyPr/>
+          <a:lstStyle/>
+          <a:p>
+            <a:r>
+              <a:rPr lang="en-US" altLang="ja-JP" dirty="0"/>
+              <a:t>Welch's t-test</a:t>
+            </a:r>
+            <a:endParaRPr kumimoji="1" lang="ja-JP" altLang="en-US" dirty="0"/>
+          </a:p>
+        </p:txBody>
+      </p:sp>
+      <p:sp>
+        <p:nvSpPr>
+          <p:cNvPr id="4" name="コンテンツ プレースホルダー 3">
+            <a:extLst>
+              <a:ext uri="{FF2B5EF4-FFF2-40B4-BE49-F238E27FC236}">
+                <a16:creationId xmlns:a16="http://schemas.microsoft.com/office/drawing/2014/main" id="{899AF544-7C65-4927-9329-B38223684CCF}"/>
+              </a:ext>
+            </a:extLst>
+          </p:cNvPr>
+          <p:cNvSpPr>
+            <a:spLocks noGrp="1"/>
+          </p:cNvSpPr>
+          <p:nvPr>
+            <p:ph sz="half" idx="1"/>
+          </p:nvPr>
+        </p:nvSpPr>
+        <p:spPr/>
+        <p:txBody>
+          <a:bodyPr/>
+          <a:lstStyle/>
+          <a:p>
+            <a:r>
+              <a:rPr lang="ja-JP" altLang="en-US" dirty="0"/>
+              <a:t>ウェルチの</a:t>
+            </a:r>
+            <a:r>
+              <a:rPr lang="en-US" altLang="ja-JP" dirty="0"/>
+              <a:t>t</a:t>
+            </a:r>
+            <a:r>
+              <a:rPr lang="ja-JP" altLang="en-US" dirty="0"/>
+              <a:t>検定は「</a:t>
+            </a:r>
+            <a:r>
+              <a:rPr lang="en-US" altLang="ja-JP" dirty="0"/>
+              <a:t>2</a:t>
+            </a:r>
+            <a:r>
+              <a:rPr lang="ja-JP" altLang="en-US" dirty="0"/>
+              <a:t>つの正規分布」を対象にしている。</a:t>
+            </a:r>
+            <a:br>
+              <a:rPr lang="en-US" altLang="ja-JP" dirty="0"/>
+            </a:br>
+            <a:r>
+              <a:rPr lang="ja-JP" altLang="en-US" dirty="0"/>
+              <a:t>しかし一般的な</a:t>
+            </a:r>
+            <a:r>
+              <a:rPr lang="en-US" altLang="ja-JP" dirty="0"/>
+              <a:t>MC</a:t>
+            </a:r>
+            <a:r>
+              <a:rPr lang="ja-JP" altLang="en-US" dirty="0"/>
+              <a:t>レイトレーシングのサンプルは正規分布ではないがどうしたら？</a:t>
+            </a:r>
+          </a:p>
+        </p:txBody>
+      </p:sp>
+      <p:sp>
+        <p:nvSpPr>
+          <p:cNvPr id="9" name="コンテンツ プレースホルダー 8">
+            <a:extLst>
+              <a:ext uri="{FF2B5EF4-FFF2-40B4-BE49-F238E27FC236}">
+                <a16:creationId xmlns:a16="http://schemas.microsoft.com/office/drawing/2014/main" id="{907D6223-87D9-4B72-82D4-6C34B66DCD59}"/>
+              </a:ext>
+            </a:extLst>
+          </p:cNvPr>
+          <p:cNvSpPr>
+            <a:spLocks noGrp="1"/>
+          </p:cNvSpPr>
+          <p:nvPr>
+            <p:ph sz="half" idx="2"/>
+          </p:nvPr>
+        </p:nvSpPr>
+        <p:spPr/>
+        <p:txBody>
+          <a:bodyPr/>
+          <a:lstStyle/>
+          <a:p>
+            <a:endParaRPr lang="ja-JP" altLang="en-US"/>
+          </a:p>
+        </p:txBody>
+      </p:sp>
+    </p:spTree>
+    <p:extLst>
+      <p:ext uri="{BB962C8B-B14F-4D97-AF65-F5344CB8AC3E}">
+        <p14:creationId xmlns:p14="http://schemas.microsoft.com/office/powerpoint/2010/main" val="1750605367"/>
+      </p:ext>
+    </p:extLst>
+  </p:cSld>
+  <p:clrMapOvr>
+    <a:masterClrMapping/>
+  </p:clrMapOvr>
+</p:sld>
+</file>
+
+<file path=ppt/slides/slide16.xml><?xml version="1.0" encoding="utf-8"?>
+<p:sld xmlns:a="http://schemas.openxmlformats.org/drawingml/2006/main" xmlns:r="http://schemas.openxmlformats.org/officeDocument/2006/relationships" xmlns:p="http://schemas.openxmlformats.org/presentationml/2006/main">
+  <p:cSld>
+    <p:spTree>
+      <p:nvGrpSpPr>
+        <p:cNvPr id="1" name=""/>
+        <p:cNvGrpSpPr/>
+        <p:nvPr/>
+      </p:nvGrpSpPr>
+      <p:grpSpPr>
+        <a:xfrm>
+          <a:off x="0" y="0"/>
+          <a:ext cx="0" cy="0"/>
+          <a:chOff x="0" y="0"/>
+          <a:chExt cx="0" cy="0"/>
+        </a:xfrm>
+      </p:grpSpPr>
+      <p:sp>
+        <p:nvSpPr>
+          <p:cNvPr id="4" name="タイトル 3">
+            <a:extLst>
+              <a:ext uri="{FF2B5EF4-FFF2-40B4-BE49-F238E27FC236}">
+                <a16:creationId xmlns:a16="http://schemas.microsoft.com/office/drawing/2014/main" id="{335CDED5-DE77-4E2C-83EA-E50DFDCB2042}"/>
+              </a:ext>
+            </a:extLst>
+          </p:cNvPr>
+          <p:cNvSpPr>
+            <a:spLocks noGrp="1"/>
+          </p:cNvSpPr>
+          <p:nvPr>
+            <p:ph type="title"/>
+          </p:nvPr>
+        </p:nvSpPr>
+        <p:spPr/>
+        <p:txBody>
+          <a:bodyPr/>
+          <a:lstStyle/>
+          <a:p>
+            <a:r>
+              <a:rPr lang="en-US" altLang="ja-JP" dirty="0"/>
+              <a:t>Central limit theorem (CLT,</a:t>
+            </a:r>
+            <a:r>
+              <a:rPr lang="ja-JP" altLang="en-US" dirty="0"/>
+              <a:t>中心極限定理</a:t>
+            </a:r>
+            <a:r>
+              <a:rPr lang="en-US" altLang="ja-JP" dirty="0"/>
+              <a:t>)</a:t>
+            </a:r>
+            <a:endParaRPr lang="ja-JP" altLang="en-US" dirty="0"/>
+          </a:p>
+        </p:txBody>
+      </p:sp>
+      <p:sp>
+        <p:nvSpPr>
+          <p:cNvPr id="5" name="テキスト プレースホルダー 4">
+            <a:extLst>
+              <a:ext uri="{FF2B5EF4-FFF2-40B4-BE49-F238E27FC236}">
+                <a16:creationId xmlns:a16="http://schemas.microsoft.com/office/drawing/2014/main" id="{3C82CB6C-4020-41D4-AA68-3B949FE60BE3}"/>
+              </a:ext>
+            </a:extLst>
+          </p:cNvPr>
+          <p:cNvSpPr>
+            <a:spLocks noGrp="1"/>
+          </p:cNvSpPr>
+          <p:nvPr>
+            <p:ph type="body" idx="1"/>
+          </p:nvPr>
+        </p:nvSpPr>
+        <p:spPr/>
+        <p:txBody>
+          <a:bodyPr/>
+          <a:lstStyle/>
+          <a:p>
+            <a:r>
+              <a:rPr lang="ja-JP" altLang="en-US" dirty="0"/>
+              <a:t>平均はだいたい正規分布</a:t>
+            </a:r>
+          </a:p>
+        </p:txBody>
+      </p:sp>
+    </p:spTree>
+    <p:extLst>
+      <p:ext uri="{BB962C8B-B14F-4D97-AF65-F5344CB8AC3E}">
+        <p14:creationId xmlns:p14="http://schemas.microsoft.com/office/powerpoint/2010/main" val="1861564420"/>
+      </p:ext>
+    </p:extLst>
+  </p:cSld>
+  <p:clrMapOvr>
+    <a:masterClrMapping/>
+  </p:clrMapOvr>
+</p:sld>
+</file>
+
+<file path=ppt/slides/slide17.xml><?xml version="1.0" encoding="utf-8"?>
+<p:sld xmlns:a="http://schemas.openxmlformats.org/drawingml/2006/main" xmlns:r="http://schemas.openxmlformats.org/officeDocument/2006/relationships" xmlns:p="http://schemas.openxmlformats.org/presentationml/2006/main">
+  <p:cSld>
+    <p:spTree>
+      <p:nvGrpSpPr>
+        <p:cNvPr id="1" name=""/>
+        <p:cNvGrpSpPr/>
+        <p:nvPr/>
+      </p:nvGrpSpPr>
+      <p:grpSpPr>
+        <a:xfrm>
+          <a:off x="0" y="0"/>
+          <a:ext cx="0" cy="0"/>
+          <a:chOff x="0" y="0"/>
+          <a:chExt cx="0" cy="0"/>
+        </a:xfrm>
+      </p:grpSpPr>
+      <p:sp>
+        <p:nvSpPr>
+          <p:cNvPr id="2" name="タイトル 1">
+            <a:extLst>
+              <a:ext uri="{FF2B5EF4-FFF2-40B4-BE49-F238E27FC236}">
+                <a16:creationId xmlns:a16="http://schemas.microsoft.com/office/drawing/2014/main" id="{15E6E7B5-9EE6-44E6-B800-F2058EE9A658}"/>
+              </a:ext>
+            </a:extLst>
+          </p:cNvPr>
+          <p:cNvSpPr>
+            <a:spLocks noGrp="1"/>
+          </p:cNvSpPr>
+          <p:nvPr>
+            <p:ph type="title"/>
+          </p:nvPr>
+        </p:nvSpPr>
+        <p:spPr/>
+        <p:txBody>
+          <a:bodyPr/>
+          <a:lstStyle/>
+          <a:p>
+            <a:r>
+              <a:rPr lang="en-US" altLang="ja-JP" dirty="0"/>
+              <a:t>Central limit theorem</a:t>
+            </a:r>
+            <a:endParaRPr kumimoji="1" lang="ja-JP" altLang="en-US" dirty="0"/>
+          </a:p>
+        </p:txBody>
+      </p:sp>
+      <p:sp>
+        <p:nvSpPr>
+          <p:cNvPr id="8" name="コンテンツ プレースホルダー 7">
+            <a:extLst>
+              <a:ext uri="{FF2B5EF4-FFF2-40B4-BE49-F238E27FC236}">
+                <a16:creationId xmlns:a16="http://schemas.microsoft.com/office/drawing/2014/main" id="{45AE83C9-C9DC-4847-BF1D-6FD1E71D404A}"/>
+              </a:ext>
+            </a:extLst>
+          </p:cNvPr>
+          <p:cNvSpPr>
+            <a:spLocks noGrp="1"/>
+          </p:cNvSpPr>
+          <p:nvPr>
+            <p:ph sz="half" idx="1"/>
+          </p:nvPr>
+        </p:nvSpPr>
+        <p:spPr/>
+        <p:txBody>
+          <a:bodyPr/>
+          <a:lstStyle/>
+          <a:p>
+            <a:pPr marL="36900" indent="0">
+              <a:buNone/>
+            </a:pPr>
+            <a:r>
+              <a:rPr lang="ja-JP" altLang="en-US" dirty="0"/>
+              <a:t>確率分布に従うサンプルをし、</a:t>
+            </a:r>
+            <a:br>
+              <a:rPr lang="en-US" altLang="ja-JP" dirty="0"/>
+            </a:br>
+            <a:r>
+              <a:rPr lang="ja-JP" altLang="en-US" dirty="0"/>
+              <a:t>このサンプルの平均値を出すとする。</a:t>
+            </a:r>
+            <a:br>
+              <a:rPr lang="en-US" altLang="ja-JP" dirty="0"/>
+            </a:br>
+            <a:r>
+              <a:rPr lang="ja-JP" altLang="en-US" dirty="0"/>
+              <a:t>サンプルする数が増えれば増えるほど、</a:t>
+            </a:r>
+            <a:br>
+              <a:rPr lang="en-US" altLang="ja-JP" dirty="0"/>
+            </a:br>
+            <a:r>
+              <a:rPr lang="ja-JP" altLang="en-US" dirty="0"/>
+              <a:t>この平均値は正規分布に近づいていく。</a:t>
+            </a:r>
+            <a:endParaRPr lang="en-US" altLang="ja-JP" dirty="0"/>
+          </a:p>
+          <a:p>
+            <a:pPr marL="36900" indent="0">
+              <a:buNone/>
+            </a:pPr>
+            <a:r>
+              <a:rPr lang="en-US" altLang="ja-JP" dirty="0"/>
+              <a:t>1</a:t>
+            </a:r>
+            <a:r>
+              <a:rPr lang="ja-JP" altLang="en-US" dirty="0"/>
+              <a:t>ピクセルで</a:t>
+            </a:r>
+            <a:r>
+              <a:rPr lang="en-US" altLang="ja-JP" dirty="0"/>
+              <a:t>1024spp</a:t>
+            </a:r>
+            <a:r>
+              <a:rPr lang="ja-JP" altLang="en-US" dirty="0"/>
+              <a:t>などとすると</a:t>
+            </a:r>
+            <a:br>
+              <a:rPr lang="en-US" altLang="ja-JP" dirty="0"/>
+            </a:br>
+            <a:r>
+              <a:rPr lang="ja-JP" altLang="en-US" dirty="0"/>
+              <a:t>この</a:t>
+            </a:r>
+            <a:r>
+              <a:rPr lang="en-US" altLang="ja-JP" dirty="0"/>
+              <a:t>1</a:t>
+            </a:r>
+            <a:r>
+              <a:rPr lang="ja-JP" altLang="en-US" dirty="0"/>
+              <a:t>ピクセルの値は正規分布に</a:t>
+            </a:r>
+            <a:br>
+              <a:rPr lang="en-US" altLang="ja-JP" dirty="0"/>
+            </a:br>
+            <a:r>
+              <a:rPr lang="ja-JP" altLang="en-US" dirty="0"/>
+              <a:t>近い分布だとみなせ、</a:t>
+            </a:r>
+            <a:br>
+              <a:rPr lang="en-US" altLang="ja-JP" dirty="0"/>
+            </a:br>
+            <a:r>
+              <a:rPr lang="ja-JP" altLang="en-US" dirty="0"/>
+              <a:t>ウェルチの</a:t>
+            </a:r>
+            <a:r>
+              <a:rPr lang="en-US" altLang="ja-JP" dirty="0"/>
+              <a:t>t</a:t>
+            </a:r>
+            <a:r>
+              <a:rPr lang="ja-JP" altLang="en-US" dirty="0"/>
+              <a:t>検定の</a:t>
+            </a:r>
+            <a:r>
+              <a:rPr lang="en-US" altLang="ja-JP" dirty="0"/>
+              <a:t>1</a:t>
+            </a:r>
+            <a:r>
+              <a:rPr lang="ja-JP" altLang="en-US" dirty="0"/>
+              <a:t>サンプルとできる。</a:t>
+            </a:r>
+            <a:endParaRPr lang="en-US" altLang="ja-JP" dirty="0"/>
+          </a:p>
+          <a:p>
+            <a:pPr marL="36900" indent="0">
+              <a:buNone/>
+            </a:pPr>
+            <a:r>
+              <a:rPr lang="en-US" altLang="ja-JP" dirty="0"/>
+              <a:t>32x32</a:t>
+            </a:r>
+            <a:r>
+              <a:rPr lang="ja-JP" altLang="en-US" dirty="0"/>
+              <a:t>のタイルで画像を分割して</a:t>
+            </a:r>
+            <a:br>
+              <a:rPr lang="en-US" altLang="ja-JP" dirty="0"/>
+            </a:br>
+            <a:r>
+              <a:rPr lang="en-US" altLang="ja-JP" dirty="0"/>
+              <a:t>1024</a:t>
+            </a:r>
+            <a:r>
+              <a:rPr lang="ja-JP" altLang="en-US" dirty="0"/>
+              <a:t>個のウェルチサンプルを得て</a:t>
+            </a:r>
+            <a:br>
+              <a:rPr lang="en-US" altLang="ja-JP" dirty="0"/>
+            </a:br>
+            <a:r>
+              <a:rPr lang="ja-JP" altLang="en-US" dirty="0"/>
+              <a:t>検定を行える</a:t>
+            </a:r>
+            <a:endParaRPr lang="en-US" altLang="ja-JP" dirty="0"/>
+          </a:p>
+          <a:p>
+            <a:pPr marL="36900" indent="0">
+              <a:buNone/>
+            </a:pPr>
+            <a:endParaRPr lang="ja-JP" altLang="en-US" dirty="0"/>
+          </a:p>
+        </p:txBody>
+      </p:sp>
+      <p:sp>
+        <p:nvSpPr>
+          <p:cNvPr id="9" name="コンテンツ プレースホルダー 8">
+            <a:extLst>
+              <a:ext uri="{FF2B5EF4-FFF2-40B4-BE49-F238E27FC236}">
+                <a16:creationId xmlns:a16="http://schemas.microsoft.com/office/drawing/2014/main" id="{ECD560F7-6A06-4F27-8CB6-45BF58FD48AC}"/>
+              </a:ext>
+            </a:extLst>
+          </p:cNvPr>
+          <p:cNvSpPr>
+            <a:spLocks noGrp="1"/>
+          </p:cNvSpPr>
+          <p:nvPr>
+            <p:ph sz="half" idx="2"/>
+          </p:nvPr>
+        </p:nvSpPr>
+        <p:spPr/>
+        <p:txBody>
+          <a:bodyPr/>
+          <a:lstStyle/>
+          <a:p>
+            <a:pPr marL="36900" indent="0">
+              <a:buNone/>
+            </a:pPr>
+            <a:r>
+              <a:rPr lang="en-US" altLang="ja-JP" dirty="0"/>
+              <a:t>TODO: CLT</a:t>
+            </a:r>
+            <a:r>
+              <a:rPr lang="ja-JP" altLang="en-US" dirty="0"/>
+              <a:t>がわかりやすいグラフ</a:t>
+            </a:r>
+          </a:p>
+        </p:txBody>
+      </p:sp>
+    </p:spTree>
+    <p:extLst>
+      <p:ext uri="{BB962C8B-B14F-4D97-AF65-F5344CB8AC3E}">
+        <p14:creationId xmlns:p14="http://schemas.microsoft.com/office/powerpoint/2010/main" val="2348903210"/>
+      </p:ext>
+    </p:extLst>
+  </p:cSld>
+  <p:clrMapOvr>
+    <a:masterClrMapping/>
+  </p:clrMapOvr>
+</p:sld>
+</file>
+
+<file path=ppt/slides/slide18.xml><?xml version="1.0" encoding="utf-8"?>
+<p:sld xmlns:a="http://schemas.openxmlformats.org/drawingml/2006/main" xmlns:r="http://schemas.openxmlformats.org/officeDocument/2006/relationships" xmlns:p="http://schemas.openxmlformats.org/presentationml/2006/main">
+  <p:cSld>
+    <p:spTree>
+      <p:nvGrpSpPr>
+        <p:cNvPr id="1" name=""/>
+        <p:cNvGrpSpPr/>
+        <p:nvPr/>
+      </p:nvGrpSpPr>
+      <p:grpSpPr>
+        <a:xfrm>
+          <a:off x="0" y="0"/>
+          <a:ext cx="0" cy="0"/>
+          <a:chOff x="0" y="0"/>
+          <a:chExt cx="0" cy="0"/>
+        </a:xfrm>
+      </p:grpSpPr>
+      <p:sp>
+        <p:nvSpPr>
+          <p:cNvPr id="2" name="タイトル 1">
+            <a:extLst>
+              <a:ext uri="{FF2B5EF4-FFF2-40B4-BE49-F238E27FC236}">
+                <a16:creationId xmlns:a16="http://schemas.microsoft.com/office/drawing/2014/main" id="{4DD30E8E-FF3D-4373-8CA7-98926018B415}"/>
+              </a:ext>
+            </a:extLst>
+          </p:cNvPr>
+          <p:cNvSpPr>
+            <a:spLocks noGrp="1"/>
+          </p:cNvSpPr>
+          <p:nvPr>
+            <p:ph type="title"/>
+          </p:nvPr>
+        </p:nvSpPr>
+        <p:spPr/>
+        <p:txBody>
+          <a:bodyPr/>
+          <a:lstStyle/>
+          <a:p>
+            <a:r>
+              <a:rPr kumimoji="1" lang="ja-JP" altLang="en-US" dirty="0"/>
+              <a:t>注意点</a:t>
+            </a:r>
+          </a:p>
+        </p:txBody>
+      </p:sp>
+      <p:sp>
+        <p:nvSpPr>
+          <p:cNvPr id="3" name="コンテンツ プレースホルダー 2">
+            <a:extLst>
+              <a:ext uri="{FF2B5EF4-FFF2-40B4-BE49-F238E27FC236}">
+                <a16:creationId xmlns:a16="http://schemas.microsoft.com/office/drawing/2014/main" id="{C2FCDA66-9F7F-4BAD-B835-F7DD634478A3}"/>
+              </a:ext>
+            </a:extLst>
+          </p:cNvPr>
+          <p:cNvSpPr>
+            <a:spLocks noGrp="1"/>
+          </p:cNvSpPr>
+          <p:nvPr>
+            <p:ph idx="1"/>
+          </p:nvPr>
+        </p:nvSpPr>
+        <p:spPr/>
+        <p:txBody>
+          <a:bodyPr/>
+          <a:lstStyle/>
+          <a:p>
+            <a:r>
+              <a:rPr kumimoji="1" lang="en-US" altLang="ja-JP" dirty="0"/>
+              <a:t>QMC</a:t>
+            </a:r>
+            <a:r>
+              <a:rPr lang="ja-JP" altLang="en-US" dirty="0"/>
+              <a:t>のインターバルを考慮しないといけない。</a:t>
+            </a:r>
+            <a:endParaRPr lang="en-US" altLang="ja-JP" dirty="0"/>
+          </a:p>
+          <a:p>
+            <a:r>
+              <a:rPr kumimoji="1" lang="ja-JP" altLang="en-US" dirty="0"/>
+              <a:t>収束速度を評価するには使えないので、依然として</a:t>
+            </a:r>
+            <a:r>
+              <a:rPr lang="en-US" altLang="ja-JP" dirty="0"/>
+              <a:t>RMSE</a:t>
+            </a:r>
+            <a:r>
+              <a:rPr lang="ja-JP" altLang="en-US" dirty="0"/>
+              <a:t>を見る必要がある</a:t>
+            </a:r>
+            <a:endParaRPr kumimoji="1" lang="ja-JP" altLang="en-US" dirty="0"/>
+          </a:p>
+        </p:txBody>
+      </p:sp>
+    </p:spTree>
+    <p:extLst>
+      <p:ext uri="{BB962C8B-B14F-4D97-AF65-F5344CB8AC3E}">
+        <p14:creationId xmlns:p14="http://schemas.microsoft.com/office/powerpoint/2010/main" val="4292440926"/>
+      </p:ext>
+    </p:extLst>
+  </p:cSld>
+  <p:clrMapOvr>
+    <a:masterClrMapping/>
+  </p:clrMapOvr>
+</p:sld>
+</file>
+
+<file path=ppt/slides/slide19.xml><?xml version="1.0" encoding="utf-8"?>
+<p:sld xmlns:a="http://schemas.openxmlformats.org/drawingml/2006/main" xmlns:r="http://schemas.openxmlformats.org/officeDocument/2006/relationships" xmlns:p="http://schemas.openxmlformats.org/presentationml/2006/main">
+  <p:cSld>
+    <p:spTree>
+      <p:nvGrpSpPr>
+        <p:cNvPr id="1" name=""/>
+        <p:cNvGrpSpPr/>
+        <p:nvPr/>
+      </p:nvGrpSpPr>
+      <p:grpSpPr>
+        <a:xfrm>
+          <a:off x="0" y="0"/>
+          <a:ext cx="0" cy="0"/>
+          <a:chOff x="0" y="0"/>
+          <a:chExt cx="0" cy="0"/>
+        </a:xfrm>
+      </p:grpSpPr>
+      <p:sp>
+        <p:nvSpPr>
+          <p:cNvPr id="2" name="タイトル 1">
+            <a:extLst>
+              <a:ext uri="{FF2B5EF4-FFF2-40B4-BE49-F238E27FC236}">
+                <a16:creationId xmlns:a16="http://schemas.microsoft.com/office/drawing/2014/main" id="{681858D9-77AE-4E76-A57D-DDCCAA90804B}"/>
+              </a:ext>
+            </a:extLst>
+          </p:cNvPr>
+          <p:cNvSpPr>
+            <a:spLocks noGrp="1"/>
+          </p:cNvSpPr>
+          <p:nvPr>
+            <p:ph type="title"/>
+          </p:nvPr>
+        </p:nvSpPr>
+        <p:spPr/>
+        <p:txBody>
+          <a:bodyPr/>
+          <a:lstStyle/>
+          <a:p>
+            <a:r>
+              <a:rPr kumimoji="1" lang="ja-JP" altLang="en-US" dirty="0"/>
+              <a:t>まとめ</a:t>
+            </a:r>
+          </a:p>
+        </p:txBody>
+      </p:sp>
+      <p:sp>
+        <p:nvSpPr>
+          <p:cNvPr id="3" name="コンテンツ プレースホルダー 2">
+            <a:extLst>
+              <a:ext uri="{FF2B5EF4-FFF2-40B4-BE49-F238E27FC236}">
+                <a16:creationId xmlns:a16="http://schemas.microsoft.com/office/drawing/2014/main" id="{2DC3D6BF-D2AC-4765-BBE6-A358E0A87958}"/>
+              </a:ext>
+            </a:extLst>
+          </p:cNvPr>
+          <p:cNvSpPr>
+            <a:spLocks noGrp="1"/>
+          </p:cNvSpPr>
+          <p:nvPr>
+            <p:ph idx="1"/>
+          </p:nvPr>
+        </p:nvSpPr>
+        <p:spPr/>
+        <p:txBody>
+          <a:bodyPr/>
+          <a:lstStyle/>
+          <a:p>
+            <a:r>
+              <a:rPr kumimoji="1" lang="ja-JP" altLang="en-US" dirty="0"/>
+              <a:t>ウェルチの</a:t>
+            </a:r>
+            <a:r>
+              <a:rPr kumimoji="1" lang="en-US" altLang="ja-JP" dirty="0"/>
+              <a:t>t</a:t>
+            </a:r>
+            <a:r>
+              <a:rPr kumimoji="1" lang="ja-JP" altLang="en-US" dirty="0"/>
+              <a:t>検定を使うことで、レンダラーがバイアスが乗っているかを</a:t>
+            </a:r>
+            <a:br>
+              <a:rPr kumimoji="1" lang="en-US" altLang="ja-JP" dirty="0"/>
+            </a:br>
+            <a:r>
+              <a:rPr kumimoji="1" lang="ja-JP" altLang="en-US" dirty="0"/>
+              <a:t>少ないサンプル数でチェックすることができるようになる。</a:t>
+            </a:r>
+          </a:p>
+        </p:txBody>
+      </p:sp>
+    </p:spTree>
+    <p:extLst>
+      <p:ext uri="{BB962C8B-B14F-4D97-AF65-F5344CB8AC3E}">
+        <p14:creationId xmlns:p14="http://schemas.microsoft.com/office/powerpoint/2010/main" val="528221688"/>
+      </p:ext>
+    </p:extLst>
+  </p:cSld>
+  <p:clrMapOvr>
+    <a:masterClrMapping/>
+  </p:clrMapOvr>
+</p:sld>
+</file>
+
+<file path=ppt/slides/slide2.xml><?xml version="1.0" encoding="utf-8"?>
+<p:sld xmlns:a="http://schemas.openxmlformats.org/drawingml/2006/main" xmlns:r="http://schemas.openxmlformats.org/officeDocument/2006/relationships" xmlns:p="http://schemas.openxmlformats.org/presentationml/2006/main">
+  <p:cSld>
+    <p:spTree>
+      <p:nvGrpSpPr>
+        <p:cNvPr id="1" name=""/>
+        <p:cNvGrpSpPr/>
+        <p:nvPr/>
+      </p:nvGrpSpPr>
+      <p:grpSpPr>
+        <a:xfrm>
+          <a:off x="0" y="0"/>
+          <a:ext cx="0" cy="0"/>
+          <a:chOff x="0" y="0"/>
+          <a:chExt cx="0" cy="0"/>
+        </a:xfrm>
+      </p:grpSpPr>
+      <p:sp>
+        <p:nvSpPr>
+          <p:cNvPr id="2" name="タイトル 1">
+            <a:extLst>
+              <a:ext uri="{FF2B5EF4-FFF2-40B4-BE49-F238E27FC236}">
+                <a16:creationId xmlns:a16="http://schemas.microsoft.com/office/drawing/2014/main" id="{31EA86D6-D76B-4FE0-A7B0-1DCD331658AD}"/>
+              </a:ext>
+            </a:extLst>
+          </p:cNvPr>
+          <p:cNvSpPr>
+            <a:spLocks noGrp="1"/>
+          </p:cNvSpPr>
+          <p:nvPr>
+            <p:ph type="title"/>
+          </p:nvPr>
+        </p:nvSpPr>
+        <p:spPr/>
+        <p:txBody>
+          <a:bodyPr/>
+          <a:lstStyle/>
+          <a:p>
+            <a:r>
+              <a:rPr kumimoji="1" lang="en-US" altLang="ja-JP" dirty="0"/>
+              <a:t>Motivation</a:t>
+            </a:r>
+            <a:endParaRPr kumimoji="1" lang="ja-JP" altLang="en-US" dirty="0"/>
+          </a:p>
+        </p:txBody>
+      </p:sp>
+      <p:sp>
+        <p:nvSpPr>
+          <p:cNvPr id="3" name="コンテンツ プレースホルダー 2">
+            <a:extLst>
+              <a:ext uri="{FF2B5EF4-FFF2-40B4-BE49-F238E27FC236}">
+                <a16:creationId xmlns:a16="http://schemas.microsoft.com/office/drawing/2014/main" id="{6A172113-A978-45AF-9EC8-725420025102}"/>
+              </a:ext>
+            </a:extLst>
+          </p:cNvPr>
+          <p:cNvSpPr>
+            <a:spLocks noGrp="1"/>
+          </p:cNvSpPr>
+          <p:nvPr>
+            <p:ph idx="1"/>
+          </p:nvPr>
+        </p:nvSpPr>
+        <p:spPr/>
+        <p:txBody>
+          <a:bodyPr anchor="ctr">
+            <a:normAutofit/>
+          </a:bodyPr>
+          <a:lstStyle/>
+          <a:p>
+            <a:pPr marL="36900" indent="0" algn="ctr" fontAlgn="ctr">
+              <a:buNone/>
+            </a:pPr>
+            <a:r>
+              <a:rPr kumimoji="1" lang="en-US" altLang="ja-JP" sz="3600" dirty="0"/>
+              <a:t>Renderer</a:t>
+            </a:r>
+            <a:r>
+              <a:rPr kumimoji="1" lang="ja-JP" altLang="en-US" sz="3600" dirty="0"/>
+              <a:t>が</a:t>
+            </a:r>
+            <a:r>
+              <a:rPr kumimoji="1" lang="en-US" altLang="ja-JP" sz="3600" dirty="0"/>
+              <a:t>Biased</a:t>
+            </a:r>
+            <a:r>
+              <a:rPr kumimoji="1" lang="ja-JP" altLang="en-US" sz="3600" dirty="0"/>
+              <a:t>か</a:t>
+            </a:r>
+            <a:r>
+              <a:rPr kumimoji="1" lang="en-US" altLang="ja-JP" sz="3600" dirty="0"/>
+              <a:t>Unbiased</a:t>
+            </a:r>
+            <a:r>
+              <a:rPr kumimoji="1" lang="ja-JP" altLang="en-US" sz="3600" dirty="0"/>
+              <a:t>かを</a:t>
+            </a:r>
+            <a:br>
+              <a:rPr kumimoji="1" lang="en-US" altLang="ja-JP" sz="3600" dirty="0"/>
+            </a:br>
+            <a:r>
+              <a:rPr kumimoji="1" lang="ja-JP" altLang="en-US" sz="3600" dirty="0"/>
+              <a:t>少ないレンダリング時間で知りたい！</a:t>
+            </a:r>
+            <a:br>
+              <a:rPr kumimoji="1" lang="en-US" altLang="ja-JP" sz="3600" dirty="0"/>
+            </a:br>
+            <a:endParaRPr kumimoji="1" lang="ja-JP" altLang="en-US" sz="3600" dirty="0"/>
+          </a:p>
+        </p:txBody>
+      </p:sp>
+    </p:spTree>
+    <p:extLst>
+      <p:ext uri="{BB962C8B-B14F-4D97-AF65-F5344CB8AC3E}">
+        <p14:creationId xmlns:p14="http://schemas.microsoft.com/office/powerpoint/2010/main" val="545919855"/>
+      </p:ext>
+    </p:extLst>
+  </p:cSld>
+  <p:clrMapOvr>
+    <a:masterClrMapping/>
+  </p:clrMapOvr>
+</p:sld>
+</file>
+
+<file path=ppt/slides/slide20.xml><?xml version="1.0" encoding="utf-8"?>
+<p:sld xmlns:a="http://schemas.openxmlformats.org/drawingml/2006/main" xmlns:r="http://schemas.openxmlformats.org/officeDocument/2006/relationships" xmlns:p="http://schemas.openxmlformats.org/presentationml/2006/main">
+  <p:cSld>
+    <p:spTree>
+      <p:nvGrpSpPr>
+        <p:cNvPr id="1" name=""/>
+        <p:cNvGrpSpPr/>
+        <p:nvPr/>
+      </p:nvGrpSpPr>
+      <p:grpSpPr>
+        <a:xfrm>
+          <a:off x="0" y="0"/>
+          <a:ext cx="0" cy="0"/>
+          <a:chOff x="0" y="0"/>
+          <a:chExt cx="0" cy="0"/>
+        </a:xfrm>
+      </p:grpSpPr>
+      <p:sp>
+        <p:nvSpPr>
+          <p:cNvPr id="2" name="タイトル 1">
+            <a:extLst>
+              <a:ext uri="{FF2B5EF4-FFF2-40B4-BE49-F238E27FC236}">
+                <a16:creationId xmlns:a16="http://schemas.microsoft.com/office/drawing/2014/main" id="{C03CFDFA-9A29-4FB6-84A9-54EBFB9727E6}"/>
+              </a:ext>
+            </a:extLst>
+          </p:cNvPr>
+          <p:cNvSpPr>
+            <a:spLocks noGrp="1"/>
+          </p:cNvSpPr>
+          <p:nvPr>
+            <p:ph type="title"/>
+          </p:nvPr>
+        </p:nvSpPr>
+        <p:spPr/>
+        <p:txBody>
+          <a:bodyPr/>
+          <a:lstStyle/>
+          <a:p>
+            <a:r>
+              <a:rPr lang="en-US" altLang="ja-JP" dirty="0"/>
+              <a:t>TODO</a:t>
+            </a:r>
+            <a:endParaRPr kumimoji="1" lang="ja-JP" altLang="en-US" dirty="0"/>
+          </a:p>
+        </p:txBody>
+      </p:sp>
+      <p:sp>
+        <p:nvSpPr>
+          <p:cNvPr id="3" name="コンテンツ プレースホルダー 2">
+            <a:extLst>
+              <a:ext uri="{FF2B5EF4-FFF2-40B4-BE49-F238E27FC236}">
+                <a16:creationId xmlns:a16="http://schemas.microsoft.com/office/drawing/2014/main" id="{4827613A-CB48-4376-8AF8-A68FEE9F1671}"/>
+              </a:ext>
+            </a:extLst>
+          </p:cNvPr>
+          <p:cNvSpPr>
+            <a:spLocks noGrp="1"/>
+          </p:cNvSpPr>
+          <p:nvPr>
+            <p:ph idx="1"/>
+          </p:nvPr>
+        </p:nvSpPr>
+        <p:spPr/>
+        <p:txBody>
+          <a:bodyPr/>
+          <a:lstStyle/>
+          <a:p>
+            <a:pPr marL="36900" indent="0">
+              <a:buNone/>
+            </a:pPr>
+            <a:r>
+              <a:rPr kumimoji="1" lang="en-US" altLang="ja-JP" dirty="0"/>
+              <a:t>- </a:t>
+            </a:r>
+            <a:r>
+              <a:rPr kumimoji="1" lang="ja-JP" altLang="en-US" dirty="0"/>
+              <a:t>作業量を見積もりたい</a:t>
+            </a:r>
+            <a:br>
+              <a:rPr kumimoji="1" lang="en-US" altLang="ja-JP" dirty="0"/>
+            </a:br>
+            <a:r>
+              <a:rPr kumimoji="1" lang="en-US" altLang="ja-JP" dirty="0"/>
+              <a:t>- </a:t>
+            </a:r>
+            <a:r>
+              <a:rPr kumimoji="1" lang="en-US" altLang="ja-JP" dirty="0" err="1"/>
+              <a:t>weltch</a:t>
+            </a:r>
+            <a:r>
+              <a:rPr kumimoji="1" lang="ja-JP" altLang="en-US" dirty="0"/>
+              <a:t>のテストについて述べる</a:t>
+            </a:r>
+            <a:br>
+              <a:rPr lang="en-US" altLang="ja-JP" dirty="0"/>
+            </a:br>
+            <a:r>
+              <a:rPr lang="en-US" altLang="ja-JP" dirty="0"/>
+              <a:t>- </a:t>
+            </a:r>
+            <a:r>
+              <a:rPr lang="ja-JP" altLang="en-US" dirty="0"/>
+              <a:t>デモを実装する</a:t>
+            </a:r>
+            <a:r>
+              <a:rPr lang="en-US" altLang="ja-JP" dirty="0"/>
+              <a:t>(</a:t>
+            </a:r>
+            <a:r>
+              <a:rPr lang="ja-JP" altLang="en-US" dirty="0"/>
+              <a:t>全部</a:t>
+            </a:r>
+            <a:r>
+              <a:rPr lang="en-US" altLang="ja-JP" dirty="0"/>
+              <a:t>Python?)</a:t>
+            </a:r>
+            <a:br>
+              <a:rPr lang="en-US" altLang="ja-JP" dirty="0"/>
+            </a:br>
+            <a:endParaRPr kumimoji="1" lang="ja-JP" altLang="en-US" dirty="0"/>
+          </a:p>
+        </p:txBody>
+      </p:sp>
+    </p:spTree>
+    <p:extLst>
+      <p:ext uri="{BB962C8B-B14F-4D97-AF65-F5344CB8AC3E}">
+        <p14:creationId xmlns:p14="http://schemas.microsoft.com/office/powerpoint/2010/main" val="4131927252"/>
+      </p:ext>
+    </p:extLst>
+  </p:cSld>
+  <p:clrMapOvr>
+    <a:masterClrMapping/>
+  </p:clrMapOvr>
+</p:sld>
+</file>
+
+<file path=ppt/slides/slide3.xml><?xml version="1.0" encoding="utf-8"?>
+<p:sld xmlns:a="http://schemas.openxmlformats.org/drawingml/2006/main" xmlns:r="http://schemas.openxmlformats.org/officeDocument/2006/relationships" xmlns:p="http://schemas.openxmlformats.org/presentationml/2006/main">
+  <p:cSld>
+    <p:spTree>
+      <p:nvGrpSpPr>
+        <p:cNvPr id="1" name=""/>
+        <p:cNvGrpSpPr/>
+        <p:nvPr/>
+      </p:nvGrpSpPr>
+      <p:grpSpPr>
+        <a:xfrm>
+          <a:off x="0" y="0"/>
+          <a:ext cx="0" cy="0"/>
+          <a:chOff x="0" y="0"/>
+          <a:chExt cx="0" cy="0"/>
+        </a:xfrm>
+      </p:grpSpPr>
+      <p:sp>
+        <p:nvSpPr>
+          <p:cNvPr id="2" name="タイトル 1">
+            <a:extLst>
+              <a:ext uri="{FF2B5EF4-FFF2-40B4-BE49-F238E27FC236}">
+                <a16:creationId xmlns:a16="http://schemas.microsoft.com/office/drawing/2014/main" id="{B110E0A8-AAD9-40C2-9139-0291A11A51B4}"/>
+              </a:ext>
+            </a:extLst>
+          </p:cNvPr>
+          <p:cNvSpPr>
+            <a:spLocks noGrp="1"/>
+          </p:cNvSpPr>
+          <p:nvPr>
+            <p:ph type="title"/>
+          </p:nvPr>
+        </p:nvSpPr>
+        <p:spPr/>
+        <p:txBody>
+          <a:bodyPr/>
+          <a:lstStyle/>
+          <a:p>
+            <a:r>
+              <a:rPr kumimoji="1" lang="en-US" altLang="ja-JP" sz="4000" dirty="0"/>
+              <a:t>Biased</a:t>
+            </a:r>
+            <a:r>
+              <a:rPr lang="ja-JP" altLang="en-US" dirty="0"/>
+              <a:t> </a:t>
+            </a:r>
+            <a:r>
+              <a:rPr lang="en-US" altLang="ja-JP" dirty="0"/>
+              <a:t>or</a:t>
+            </a:r>
+            <a:r>
+              <a:rPr lang="ja-JP" altLang="en-US" dirty="0"/>
+              <a:t> </a:t>
+            </a:r>
+            <a:r>
+              <a:rPr kumimoji="1" lang="en-US" altLang="ja-JP" sz="4000" dirty="0"/>
+              <a:t>Unbiased</a:t>
+            </a:r>
+            <a:endParaRPr kumimoji="1" lang="ja-JP" altLang="en-US" dirty="0"/>
+          </a:p>
+        </p:txBody>
+      </p:sp>
+      <p:sp>
+        <p:nvSpPr>
+          <p:cNvPr id="3" name="コンテンツ プレースホルダー 2">
+            <a:extLst>
+              <a:ext uri="{FF2B5EF4-FFF2-40B4-BE49-F238E27FC236}">
+                <a16:creationId xmlns:a16="http://schemas.microsoft.com/office/drawing/2014/main" id="{F03EA953-6E7B-4D34-80D1-4305A3FE136C}"/>
+              </a:ext>
+            </a:extLst>
+          </p:cNvPr>
+          <p:cNvSpPr>
+            <a:spLocks noGrp="1"/>
+          </p:cNvSpPr>
+          <p:nvPr>
+            <p:ph idx="1"/>
+          </p:nvPr>
+        </p:nvSpPr>
+        <p:spPr/>
+        <p:txBody>
+          <a:bodyPr anchor="ctr">
+            <a:normAutofit/>
+          </a:bodyPr>
+          <a:lstStyle/>
+          <a:p>
+            <a:pPr marL="36900" indent="0">
+              <a:buNone/>
+            </a:pPr>
+            <a:r>
+              <a:rPr kumimoji="1" lang="en-US" altLang="ja-JP" sz="3200" dirty="0"/>
+              <a:t>     Biased:</a:t>
+            </a:r>
+            <a:r>
+              <a:rPr kumimoji="1" lang="ja-JP" altLang="en-US" sz="3200" dirty="0"/>
+              <a:t>毎サンプル、期待値と同じになる。</a:t>
+            </a:r>
+            <a:br>
+              <a:rPr kumimoji="1" lang="en-US" altLang="ja-JP" sz="3200" dirty="0"/>
+            </a:br>
+            <a:br>
+              <a:rPr kumimoji="1" lang="en-US" altLang="ja-JP" sz="3200" dirty="0"/>
+            </a:br>
+            <a:r>
+              <a:rPr kumimoji="1" lang="en-US" altLang="ja-JP" sz="3200" dirty="0"/>
+              <a:t>Unbiased:</a:t>
+            </a:r>
+            <a:r>
+              <a:rPr kumimoji="1" lang="ja-JP" altLang="en-US" sz="3200" dirty="0"/>
+              <a:t>毎サンプル、期待値と同じにはならない。</a:t>
+            </a:r>
+            <a:br>
+              <a:rPr kumimoji="1" lang="en-US" altLang="ja-JP" sz="3200" dirty="0"/>
+            </a:br>
+            <a:r>
+              <a:rPr lang="ja-JP" altLang="en-US" sz="3200" dirty="0"/>
+              <a:t>                 </a:t>
+            </a:r>
+            <a:r>
+              <a:rPr kumimoji="1" lang="ja-JP" altLang="en-US" sz="3200" dirty="0"/>
+              <a:t>バグってるとなりがち。</a:t>
+            </a:r>
+          </a:p>
+        </p:txBody>
+      </p:sp>
+    </p:spTree>
+    <p:extLst>
+      <p:ext uri="{BB962C8B-B14F-4D97-AF65-F5344CB8AC3E}">
+        <p14:creationId xmlns:p14="http://schemas.microsoft.com/office/powerpoint/2010/main" val="4129185759"/>
+      </p:ext>
+    </p:extLst>
+  </p:cSld>
+  <p:clrMapOvr>
+    <a:masterClrMapping/>
+  </p:clrMapOvr>
+</p:sld>
+</file>
+
+<file path=ppt/slides/slide4.xml><?xml version="1.0" encoding="utf-8"?>
+<p:sld xmlns:a="http://schemas.openxmlformats.org/drawingml/2006/main" xmlns:r="http://schemas.openxmlformats.org/officeDocument/2006/relationships" xmlns:p="http://schemas.openxmlformats.org/presentationml/2006/main">
+  <p:cSld>
+    <p:spTree>
+      <p:nvGrpSpPr>
+        <p:cNvPr id="1" name=""/>
+        <p:cNvGrpSpPr/>
+        <p:nvPr/>
+      </p:nvGrpSpPr>
+      <p:grpSpPr>
+        <a:xfrm>
+          <a:off x="0" y="0"/>
+          <a:ext cx="0" cy="0"/>
+          <a:chOff x="0" y="0"/>
+          <a:chExt cx="0" cy="0"/>
+        </a:xfrm>
+      </p:grpSpPr>
+      <p:sp>
+        <p:nvSpPr>
+          <p:cNvPr id="2" name="タイトル 1">
+            <a:extLst>
+              <a:ext uri="{FF2B5EF4-FFF2-40B4-BE49-F238E27FC236}">
+                <a16:creationId xmlns:a16="http://schemas.microsoft.com/office/drawing/2014/main" id="{31EA86D6-D76B-4FE0-A7B0-1DCD331658AD}"/>
+              </a:ext>
+            </a:extLst>
+          </p:cNvPr>
+          <p:cNvSpPr>
+            <a:spLocks noGrp="1"/>
+          </p:cNvSpPr>
+          <p:nvPr>
+            <p:ph type="title"/>
+          </p:nvPr>
+        </p:nvSpPr>
+        <p:spPr/>
+        <p:txBody>
+          <a:bodyPr/>
+          <a:lstStyle/>
+          <a:p>
+            <a:r>
+              <a:rPr kumimoji="1" lang="en-US" altLang="ja-JP" dirty="0"/>
+              <a:t>Motivation</a:t>
+            </a:r>
+            <a:endParaRPr kumimoji="1" lang="ja-JP" altLang="en-US" dirty="0"/>
+          </a:p>
+        </p:txBody>
+      </p:sp>
+      <p:sp>
+        <p:nvSpPr>
+          <p:cNvPr id="3" name="コンテンツ プレースホルダー 2">
+            <a:extLst>
+              <a:ext uri="{FF2B5EF4-FFF2-40B4-BE49-F238E27FC236}">
+                <a16:creationId xmlns:a16="http://schemas.microsoft.com/office/drawing/2014/main" id="{6A172113-A978-45AF-9EC8-725420025102}"/>
+              </a:ext>
+            </a:extLst>
+          </p:cNvPr>
+          <p:cNvSpPr>
+            <a:spLocks noGrp="1"/>
+          </p:cNvSpPr>
+          <p:nvPr>
+            <p:ph idx="1"/>
+          </p:nvPr>
+        </p:nvSpPr>
+        <p:spPr/>
+        <p:txBody>
+          <a:bodyPr anchor="ctr">
+            <a:normAutofit/>
+          </a:bodyPr>
+          <a:lstStyle/>
+          <a:p>
+            <a:pPr marL="36900" indent="0" algn="ctr" fontAlgn="ctr">
+              <a:buNone/>
+            </a:pPr>
+            <a:r>
+              <a:rPr kumimoji="1" lang="en-US" altLang="ja-JP" sz="3600" dirty="0"/>
+              <a:t>Renderer</a:t>
+            </a:r>
+            <a:r>
+              <a:rPr kumimoji="1" lang="ja-JP" altLang="en-US" sz="3600" dirty="0"/>
+              <a:t>がバグって</a:t>
+            </a:r>
+            <a:r>
+              <a:rPr kumimoji="1" lang="en-US" altLang="ja-JP" sz="3600" dirty="0"/>
+              <a:t>Unbiased</a:t>
+            </a:r>
+            <a:r>
+              <a:rPr kumimoji="1" lang="ja-JP" altLang="en-US" sz="3600" dirty="0"/>
+              <a:t>になってないかを</a:t>
+            </a:r>
+            <a:br>
+              <a:rPr kumimoji="1" lang="en-US" altLang="ja-JP" sz="3600" dirty="0"/>
+            </a:br>
+            <a:r>
+              <a:rPr kumimoji="1" lang="ja-JP" altLang="en-US" sz="3600" dirty="0"/>
+              <a:t>少ない時間で知りたい！</a:t>
+            </a:r>
+            <a:br>
+              <a:rPr kumimoji="1" lang="en-US" altLang="ja-JP" sz="3600" dirty="0"/>
+            </a:br>
+            <a:endParaRPr kumimoji="1" lang="ja-JP" altLang="en-US" sz="3600" dirty="0"/>
+          </a:p>
+        </p:txBody>
+      </p:sp>
+    </p:spTree>
+    <p:extLst>
+      <p:ext uri="{BB962C8B-B14F-4D97-AF65-F5344CB8AC3E}">
+        <p14:creationId xmlns:p14="http://schemas.microsoft.com/office/powerpoint/2010/main" val="552085546"/>
+      </p:ext>
+    </p:extLst>
+  </p:cSld>
+  <p:clrMapOvr>
+    <a:masterClrMapping/>
+  </p:clrMapOvr>
+</p:sld>
+</file>
+
+<file path=ppt/slides/slide5.xml><?xml version="1.0" encoding="utf-8"?>
+<p:sld xmlns:a="http://schemas.openxmlformats.org/drawingml/2006/main" xmlns:r="http://schemas.openxmlformats.org/officeDocument/2006/relationships" xmlns:p="http://schemas.openxmlformats.org/presentationml/2006/main">
+  <p:cSld>
+    <p:spTree>
+      <p:nvGrpSpPr>
+        <p:cNvPr id="1" name=""/>
+        <p:cNvGrpSpPr/>
+        <p:nvPr/>
+      </p:nvGrpSpPr>
+      <p:grpSpPr>
+        <a:xfrm>
+          <a:off x="0" y="0"/>
+          <a:ext cx="0" cy="0"/>
+          <a:chOff x="0" y="0"/>
+          <a:chExt cx="0" cy="0"/>
+        </a:xfrm>
+      </p:grpSpPr>
+      <p:sp>
+        <p:nvSpPr>
+          <p:cNvPr id="4" name="タイトル 3">
+            <a:extLst>
+              <a:ext uri="{FF2B5EF4-FFF2-40B4-BE49-F238E27FC236}">
+                <a16:creationId xmlns:a16="http://schemas.microsoft.com/office/drawing/2014/main" id="{10839F3B-160B-40C8-BA4D-64A4DEF7A4E1}"/>
+              </a:ext>
+            </a:extLst>
+          </p:cNvPr>
+          <p:cNvSpPr>
+            <a:spLocks noGrp="1"/>
+          </p:cNvSpPr>
+          <p:nvPr>
+            <p:ph type="title"/>
+          </p:nvPr>
+        </p:nvSpPr>
+        <p:spPr/>
+        <p:txBody>
+          <a:bodyPr/>
+          <a:lstStyle/>
+          <a:p>
+            <a:r>
+              <a:rPr lang="en-US" altLang="ja-JP" dirty="0"/>
+              <a:t>Absolute-difference</a:t>
+            </a:r>
+            <a:r>
+              <a:rPr lang="ja-JP" altLang="en-US" dirty="0"/>
+              <a:t>、</a:t>
+            </a:r>
+            <a:r>
+              <a:rPr lang="en-US" altLang="ja-JP" dirty="0"/>
+              <a:t>RMSE</a:t>
+            </a:r>
+            <a:endParaRPr lang="ja-JP" altLang="en-US" dirty="0"/>
+          </a:p>
+        </p:txBody>
+      </p:sp>
+      <p:sp>
+        <p:nvSpPr>
+          <p:cNvPr id="5" name="テキスト プレースホルダー 4">
+            <a:extLst>
+              <a:ext uri="{FF2B5EF4-FFF2-40B4-BE49-F238E27FC236}">
+                <a16:creationId xmlns:a16="http://schemas.microsoft.com/office/drawing/2014/main" id="{A589400B-2AD9-4EB0-B573-F79BCC8D47BB}"/>
+              </a:ext>
+            </a:extLst>
+          </p:cNvPr>
+          <p:cNvSpPr>
+            <a:spLocks noGrp="1"/>
+          </p:cNvSpPr>
+          <p:nvPr>
+            <p:ph type="body" idx="1"/>
+          </p:nvPr>
+        </p:nvSpPr>
+        <p:spPr/>
+        <p:txBody>
+          <a:bodyPr/>
+          <a:lstStyle/>
+          <a:p>
+            <a:r>
+              <a:rPr lang="ja-JP" altLang="en-US" dirty="0"/>
+              <a:t>よくある方法</a:t>
+            </a:r>
+          </a:p>
+        </p:txBody>
+      </p:sp>
+    </p:spTree>
+    <p:extLst>
+      <p:ext uri="{BB962C8B-B14F-4D97-AF65-F5344CB8AC3E}">
+        <p14:creationId xmlns:p14="http://schemas.microsoft.com/office/powerpoint/2010/main" val="2988707101"/>
+      </p:ext>
+    </p:extLst>
+  </p:cSld>
+  <p:clrMapOvr>
+    <a:masterClrMapping/>
+  </p:clrMapOvr>
+</p:sld>
+</file>
+
+<file path=ppt/slides/slide6.xml><?xml version="1.0" encoding="utf-8"?>
+<p:sld xmlns:a="http://schemas.openxmlformats.org/drawingml/2006/main" xmlns:r="http://schemas.openxmlformats.org/officeDocument/2006/relationships" xmlns:p="http://schemas.openxmlformats.org/presentationml/2006/main">
+  <p:cSld>
+    <p:spTree>
+      <p:nvGrpSpPr>
+        <p:cNvPr id="1" name=""/>
+        <p:cNvGrpSpPr/>
+        <p:nvPr/>
+      </p:nvGrpSpPr>
+      <p:grpSpPr>
+        <a:xfrm>
+          <a:off x="0" y="0"/>
+          <a:ext cx="0" cy="0"/>
+          <a:chOff x="0" y="0"/>
+          <a:chExt cx="0" cy="0"/>
+        </a:xfrm>
+      </p:grpSpPr>
+      <p:sp>
+        <p:nvSpPr>
+          <p:cNvPr id="4" name="タイトル 3">
+            <a:extLst>
+              <a:ext uri="{FF2B5EF4-FFF2-40B4-BE49-F238E27FC236}">
+                <a16:creationId xmlns:a16="http://schemas.microsoft.com/office/drawing/2014/main" id="{A32C437C-9D18-4B52-B6C3-A6D9F35D2C63}"/>
+              </a:ext>
+            </a:extLst>
+          </p:cNvPr>
+          <p:cNvSpPr>
+            <a:spLocks noGrp="1"/>
+          </p:cNvSpPr>
+          <p:nvPr>
+            <p:ph type="title"/>
+          </p:nvPr>
+        </p:nvSpPr>
+        <p:spPr/>
+        <p:txBody>
+          <a:bodyPr/>
+          <a:lstStyle/>
+          <a:p>
+            <a:r>
+              <a:rPr lang="ja-JP" altLang="en-US" dirty="0"/>
+              <a:t>よくある方法</a:t>
+            </a:r>
+            <a:r>
+              <a:rPr lang="en-US" altLang="ja-JP" dirty="0"/>
+              <a:t> </a:t>
+            </a:r>
+            <a:r>
+              <a:rPr lang="ja-JP" altLang="en-US" dirty="0"/>
+              <a:t>絶対誤差、</a:t>
+            </a:r>
+            <a:r>
+              <a:rPr lang="en-US" altLang="ja-JP" dirty="0"/>
+              <a:t>RMSE</a:t>
+            </a:r>
+            <a:endParaRPr lang="ja-JP" altLang="en-US" dirty="0"/>
+          </a:p>
+        </p:txBody>
+      </p:sp>
+      <mc:AlternateContent xmlns:mc="http://schemas.openxmlformats.org/markup-compatibility/2006">
+        <mc:Choice xmlns:a14="http://schemas.microsoft.com/office/drawing/2010/main" Requires="a14">
+          <p:sp>
+            <p:nvSpPr>
+              <p:cNvPr id="5" name="コンテンツ プレースホルダー 4">
+                <a:extLst>
+                  <a:ext uri="{FF2B5EF4-FFF2-40B4-BE49-F238E27FC236}">
+                    <a16:creationId xmlns:a16="http://schemas.microsoft.com/office/drawing/2014/main" id="{F4E75F39-30FC-44CB-BA15-11A79DA53385}"/>
+                  </a:ext>
+                </a:extLst>
+              </p:cNvPr>
+              <p:cNvSpPr>
+                <a:spLocks noGrp="1"/>
+              </p:cNvSpPr>
+              <p:nvPr>
+                <p:ph sz="half" idx="1"/>
+              </p:nvPr>
+            </p:nvSpPr>
+            <p:spPr/>
+            <p:txBody>
+              <a:bodyPr/>
+              <a:lstStyle/>
+              <a:p>
+                <a:pPr marL="36900" indent="0">
+                  <a:buNone/>
+                </a:pPr>
+                <a:r>
+                  <a:rPr lang="ja-JP" altLang="en-US" dirty="0"/>
+                  <a:t>ステップ</a:t>
+                </a:r>
+                <a:r>
+                  <a:rPr lang="en-US" altLang="ja-JP" dirty="0"/>
+                  <a:t>1:</a:t>
+                </a:r>
+                <a:r>
+                  <a:rPr lang="ja-JP" altLang="en-US" dirty="0"/>
+                  <a:t> リファレンス画像を作る</a:t>
+                </a:r>
+                <a:br>
+                  <a:rPr lang="en-US" altLang="ja-JP" dirty="0"/>
+                </a:br>
+                <a:r>
+                  <a:rPr lang="ja-JP" altLang="en-US" dirty="0"/>
+                  <a:t>ステップ</a:t>
+                </a:r>
+                <a:r>
+                  <a:rPr lang="en-US" altLang="ja-JP" dirty="0"/>
+                  <a:t>2: </a:t>
+                </a:r>
+                <a:r>
+                  <a:rPr lang="ja-JP" altLang="en-US" dirty="0"/>
+                  <a:t>たくさんサンプルしてレンダリング</a:t>
+                </a:r>
+                <a:br>
+                  <a:rPr lang="en-US" altLang="ja-JP" dirty="0"/>
+                </a:br>
+                <a:r>
+                  <a:rPr lang="ja-JP" altLang="en-US" dirty="0"/>
+                  <a:t>ステップ</a:t>
+                </a:r>
+                <a:r>
+                  <a:rPr lang="en-US" altLang="ja-JP" dirty="0"/>
+                  <a:t>3: </a:t>
+                </a:r>
+                <a:r>
+                  <a:rPr lang="ja-JP" altLang="en-US" dirty="0"/>
+                  <a:t>二者の絶対誤差か</a:t>
+                </a:r>
+                <a:r>
+                  <a:rPr lang="en-US" altLang="ja-JP" dirty="0"/>
+                  <a:t>RMSE</a:t>
+                </a:r>
+                <a:r>
+                  <a:rPr lang="ja-JP" altLang="en-US" dirty="0"/>
+                  <a:t>を取る</a:t>
+                </a:r>
+                <a:endParaRPr lang="en-US" altLang="ja-JP" dirty="0"/>
+              </a:p>
+              <a:p>
+                <a:pPr marL="36900" indent="0">
+                  <a:buNone/>
+                </a:pPr>
+                <a:endParaRPr lang="en-US" altLang="ja-JP" dirty="0"/>
+              </a:p>
+              <a:p>
+                <a:pPr marL="36900" indent="0">
+                  <a:buNone/>
+                </a:pPr>
+                <a14:m>
+                  <m:oMathPara xmlns:m="http://schemas.openxmlformats.org/officeDocument/2006/math">
+                    <m:oMathParaPr>
+                      <m:jc m:val="centerGroup"/>
+                    </m:oMathParaPr>
+                    <m:oMath xmlns:m="http://schemas.openxmlformats.org/officeDocument/2006/math">
+                      <m:r>
+                        <a:rPr lang="en-US" altLang="ja-JP" b="0" i="1" smtClean="0">
+                          <a:latin typeface="Cambria Math" panose="02040503050406030204" pitchFamily="18" charset="0"/>
+                        </a:rPr>
+                        <m:t>𝑅𝑀𝑆𝐸</m:t>
+                      </m:r>
+                      <m:r>
+                        <a:rPr lang="en-US" altLang="ja-JP" b="0" i="1" smtClean="0">
+                          <a:latin typeface="Cambria Math" panose="02040503050406030204" pitchFamily="18" charset="0"/>
+                        </a:rPr>
+                        <m:t>=</m:t>
+                      </m:r>
+                      <m:rad>
+                        <m:radPr>
+                          <m:degHide m:val="on"/>
+                          <m:ctrlPr>
+                            <a:rPr lang="en-US" altLang="ja-JP" b="0" i="1" smtClean="0">
+                              <a:latin typeface="Cambria Math" panose="02040503050406030204" pitchFamily="18" charset="0"/>
+                            </a:rPr>
+                          </m:ctrlPr>
+                        </m:radPr>
+                        <m:deg/>
+                        <m:e>
+                          <m:f>
+                            <m:fPr>
+                              <m:ctrlPr>
+                                <a:rPr lang="en-US" altLang="ja-JP" i="1">
+                                  <a:latin typeface="Cambria Math" panose="02040503050406030204" pitchFamily="18" charset="0"/>
+                                </a:rPr>
+                              </m:ctrlPr>
+                            </m:fPr>
+                            <m:num>
+                              <m:r>
+                                <a:rPr lang="en-US" altLang="ja-JP" i="1">
+                                  <a:latin typeface="Cambria Math" panose="02040503050406030204" pitchFamily="18" charset="0"/>
+                                </a:rPr>
+                                <m:t>1</m:t>
+                              </m:r>
+                            </m:num>
+                            <m:den>
+                              <m:r>
+                                <a:rPr lang="en-US" altLang="ja-JP" i="1">
+                                  <a:latin typeface="Cambria Math" panose="02040503050406030204" pitchFamily="18" charset="0"/>
+                                </a:rPr>
+                                <m:t>𝑁</m:t>
+                              </m:r>
+                            </m:den>
+                          </m:f>
+                          <m:nary>
+                            <m:naryPr>
+                              <m:chr m:val="∑"/>
+                              <m:ctrlPr>
+                                <a:rPr lang="en-US" altLang="ja-JP" i="1">
+                                  <a:latin typeface="Cambria Math" panose="02040503050406030204" pitchFamily="18" charset="0"/>
+                                </a:rPr>
+                              </m:ctrlPr>
+                            </m:naryPr>
+                            <m:sub>
+                              <m:r>
+                                <a:rPr lang="en-US" altLang="ja-JP" i="1">
+                                  <a:latin typeface="Cambria Math" panose="02040503050406030204" pitchFamily="18" charset="0"/>
+                                </a:rPr>
+                                <m:t>𝑖</m:t>
+                              </m:r>
+                              <m:r>
+                                <a:rPr lang="en-US" altLang="ja-JP" i="1">
+                                  <a:latin typeface="Cambria Math" panose="02040503050406030204" pitchFamily="18" charset="0"/>
+                                </a:rPr>
+                                <m:t>=1</m:t>
+                              </m:r>
+                            </m:sub>
+                            <m:sup>
+                              <m:r>
+                                <a:rPr lang="en-US" altLang="ja-JP" i="1">
+                                  <a:latin typeface="Cambria Math" panose="02040503050406030204" pitchFamily="18" charset="0"/>
+                                </a:rPr>
+                                <m:t>𝑁</m:t>
+                              </m:r>
+                            </m:sup>
+                            <m:e>
+                              <m:sSup>
+                                <m:sSupPr>
+                                  <m:ctrlPr>
+                                    <a:rPr lang="en-US" altLang="ja-JP" i="1">
+                                      <a:latin typeface="Cambria Math" panose="02040503050406030204" pitchFamily="18" charset="0"/>
+                                    </a:rPr>
+                                  </m:ctrlPr>
+                                </m:sSupPr>
+                                <m:e>
+                                  <m:d>
+                                    <m:dPr>
+                                      <m:ctrlPr>
+                                        <a:rPr lang="en-US" altLang="ja-JP" i="1">
+                                          <a:latin typeface="Cambria Math" panose="02040503050406030204" pitchFamily="18" charset="0"/>
+                                        </a:rPr>
+                                      </m:ctrlPr>
+                                    </m:dPr>
+                                    <m:e>
+                                      <m:sSub>
+                                        <m:sSubPr>
+                                          <m:ctrlPr>
+                                            <a:rPr lang="en-US" altLang="ja-JP" i="1">
+                                              <a:latin typeface="Cambria Math" panose="02040503050406030204" pitchFamily="18" charset="0"/>
+                                            </a:rPr>
+                                          </m:ctrlPr>
+                                        </m:sSubPr>
+                                        <m:e>
+                                          <m:r>
+                                            <a:rPr lang="en-US" altLang="ja-JP" i="1">
+                                              <a:latin typeface="Cambria Math" panose="02040503050406030204" pitchFamily="18" charset="0"/>
+                                            </a:rPr>
+                                            <m:t>𝑥</m:t>
+                                          </m:r>
+                                        </m:e>
+                                        <m:sub>
+                                          <m:r>
+                                            <a:rPr lang="en-US" altLang="ja-JP" i="1">
+                                              <a:latin typeface="Cambria Math" panose="02040503050406030204" pitchFamily="18" charset="0"/>
+                                            </a:rPr>
+                                            <m:t>𝑖</m:t>
+                                          </m:r>
+                                        </m:sub>
+                                      </m:sSub>
+                                      <m:r>
+                                        <a:rPr lang="en-US" altLang="ja-JP" i="1">
+                                          <a:latin typeface="Cambria Math" panose="02040503050406030204" pitchFamily="18" charset="0"/>
+                                        </a:rPr>
+                                        <m:t>−</m:t>
+                                      </m:r>
+                                      <m:sSub>
+                                        <m:sSubPr>
+                                          <m:ctrlPr>
+                                            <a:rPr lang="en-US" altLang="ja-JP" i="1">
+                                              <a:latin typeface="Cambria Math" panose="02040503050406030204" pitchFamily="18" charset="0"/>
+                                            </a:rPr>
+                                          </m:ctrlPr>
+                                        </m:sSubPr>
+                                        <m:e>
+                                          <m:r>
+                                            <a:rPr lang="en-US" altLang="ja-JP" i="1">
+                                              <a:latin typeface="Cambria Math" panose="02040503050406030204" pitchFamily="18" charset="0"/>
+                                            </a:rPr>
+                                            <m:t>𝑟</m:t>
+                                          </m:r>
+                                        </m:e>
+                                        <m:sub>
+                                          <m:r>
+                                            <a:rPr lang="en-US" altLang="ja-JP" i="1">
+                                              <a:latin typeface="Cambria Math" panose="02040503050406030204" pitchFamily="18" charset="0"/>
+                                            </a:rPr>
+                                            <m:t>𝑖</m:t>
+                                          </m:r>
+                                        </m:sub>
+                                      </m:sSub>
+                                    </m:e>
+                                  </m:d>
+                                </m:e>
+                                <m:sup>
+                                  <m:r>
+                                    <a:rPr lang="en-US" altLang="ja-JP" i="1">
+                                      <a:latin typeface="Cambria Math" panose="02040503050406030204" pitchFamily="18" charset="0"/>
+                                    </a:rPr>
+                                    <m:t>2</m:t>
+                                  </m:r>
+                                </m:sup>
+                              </m:sSup>
+                            </m:e>
+                          </m:nary>
+                          <m:r>
+                            <m:rPr>
+                              <m:nor/>
+                            </m:rPr>
+                            <a:rPr lang="en-US" altLang="ja-JP" dirty="0"/>
+                            <m:t> </m:t>
+                          </m:r>
+                        </m:e>
+                      </m:rad>
+                    </m:oMath>
+                  </m:oMathPara>
+                </a14:m>
+                <a:endParaRPr lang="en-US" altLang="ja-JP" dirty="0"/>
+              </a:p>
+              <a:p>
+                <a:pPr marL="36900" indent="0">
+                  <a:buNone/>
+                </a:pPr>
+                <a:r>
+                  <a:rPr lang="ja-JP" altLang="en-US" dirty="0"/>
+                  <a:t>絶対誤差では、差がずっと残ってるかを見る。</a:t>
+                </a:r>
+                <a:endParaRPr lang="en-US" altLang="ja-JP" dirty="0"/>
+              </a:p>
+              <a:p>
+                <a:pPr marL="36900" indent="0">
+                  <a:buNone/>
+                </a:pPr>
+                <a:r>
+                  <a:rPr lang="en-US" altLang="ja-JP" dirty="0"/>
+                  <a:t>RMSE</a:t>
+                </a:r>
+                <a:r>
+                  <a:rPr lang="ja-JP" altLang="en-US" dirty="0"/>
+                  <a:t>では、</a:t>
+                </a:r>
+                <a:r>
+                  <a:rPr lang="en-US" altLang="ja-JP" dirty="0"/>
+                  <a:t>Bias</a:t>
+                </a:r>
+                <a:r>
+                  <a:rPr lang="ja-JP" altLang="en-US" dirty="0"/>
+                  <a:t>があると</a:t>
+                </a:r>
+                <a:r>
+                  <a:rPr lang="en-US" altLang="ja-JP" dirty="0"/>
+                  <a:t>log-log</a:t>
+                </a:r>
+                <a:r>
+                  <a:rPr lang="ja-JP" altLang="en-US" dirty="0"/>
+                  <a:t>プロットが曲がる。</a:t>
+                </a:r>
+                <a:endParaRPr lang="en-US" altLang="ja-JP" dirty="0"/>
+              </a:p>
+              <a:p>
+                <a:pPr marL="36900" indent="0">
+                  <a:buNone/>
+                </a:pPr>
+                <a:endParaRPr lang="en-US" altLang="ja-JP" dirty="0"/>
+              </a:p>
+            </p:txBody>
+          </p:sp>
+        </mc:Choice>
+        <mc:Fallback>
+          <p:sp>
+            <p:nvSpPr>
+              <p:cNvPr id="5" name="コンテンツ プレースホルダー 4">
+                <a:extLst>
+                  <a:ext uri="{FF2B5EF4-FFF2-40B4-BE49-F238E27FC236}">
+                    <a16:creationId xmlns:a16="http://schemas.microsoft.com/office/drawing/2014/main" id="{F4E75F39-30FC-44CB-BA15-11A79DA53385}"/>
+                  </a:ext>
+                </a:extLst>
+              </p:cNvPr>
+              <p:cNvSpPr>
+                <a:spLocks noGrp="1" noRot="1" noChangeAspect="1" noMove="1" noResize="1" noEditPoints="1" noAdjustHandles="1" noChangeArrowheads="1" noChangeShapeType="1" noTextEdit="1"/>
+              </p:cNvSpPr>
+              <p:nvPr>
+                <p:ph sz="half" idx="1"/>
+              </p:nvPr>
+            </p:nvSpPr>
+            <p:spPr>
+              <a:blipFill>
+                <a:blip r:embed="rId2"/>
+                <a:stretch>
+                  <a:fillRect/>
+                </a:stretch>
+              </a:blipFill>
+            </p:spPr>
+            <p:txBody>
+              <a:bodyPr/>
+              <a:lstStyle/>
+              <a:p>
+                <a:r>
+                  <a:rPr lang="ja-JP" altLang="en-US">
+                    <a:noFill/>
+                  </a:rPr>
+                  <a:t> </a:t>
+                </a:r>
+              </a:p>
+            </p:txBody>
+          </p:sp>
+        </mc:Fallback>
+      </mc:AlternateContent>
+      <p:pic>
+        <p:nvPicPr>
+          <p:cNvPr id="10" name="コンテンツ プレースホルダー 9">
+            <a:extLst>
+              <a:ext uri="{FF2B5EF4-FFF2-40B4-BE49-F238E27FC236}">
+                <a16:creationId xmlns:a16="http://schemas.microsoft.com/office/drawing/2014/main" id="{6BE4D158-A4FF-466F-A5AC-0890E602B110}"/>
+              </a:ext>
+            </a:extLst>
+          </p:cNvPr>
+          <p:cNvPicPr>
+            <a:picLocks noGrp="1" noChangeAspect="1"/>
+          </p:cNvPicPr>
+          <p:nvPr>
+            <p:ph sz="half" idx="2"/>
+          </p:nvPr>
+        </p:nvPicPr>
+        <p:blipFill>
+          <a:blip r:embed="rId3"/>
+          <a:stretch>
+            <a:fillRect/>
+          </a:stretch>
+        </p:blipFill>
+        <p:spPr>
+          <a:xfrm>
+            <a:off x="6090676" y="2391813"/>
+            <a:ext cx="5936736" cy="2074373"/>
+          </a:xfrm>
+        </p:spPr>
+      </p:pic>
+    </p:spTree>
+    <p:extLst>
+      <p:ext uri="{BB962C8B-B14F-4D97-AF65-F5344CB8AC3E}">
+        <p14:creationId xmlns:p14="http://schemas.microsoft.com/office/powerpoint/2010/main" val="3787296452"/>
+      </p:ext>
+    </p:extLst>
+  </p:cSld>
+  <p:clrMapOvr>
+    <a:masterClrMapping/>
+  </p:clrMapOvr>
+</p:sld>
+</file>
+
+<file path=ppt/slides/slide7.xml><?xml version="1.0" encoding="utf-8"?>
+<p:sld xmlns:a="http://schemas.openxmlformats.org/drawingml/2006/main" xmlns:r="http://schemas.openxmlformats.org/officeDocument/2006/relationships" xmlns:p="http://schemas.openxmlformats.org/presentationml/2006/main">
+  <p:cSld>
+    <p:spTree>
+      <p:nvGrpSpPr>
+        <p:cNvPr id="1" name=""/>
+        <p:cNvGrpSpPr/>
+        <p:nvPr/>
+      </p:nvGrpSpPr>
+      <p:grpSpPr>
+        <a:xfrm>
+          <a:off x="0" y="0"/>
+          <a:ext cx="0" cy="0"/>
+          <a:chOff x="0" y="0"/>
+          <a:chExt cx="0" cy="0"/>
+        </a:xfrm>
+      </p:grpSpPr>
+      <p:sp>
+        <p:nvSpPr>
+          <p:cNvPr id="4" name="タイトル 3">
+            <a:extLst>
+              <a:ext uri="{FF2B5EF4-FFF2-40B4-BE49-F238E27FC236}">
+                <a16:creationId xmlns:a16="http://schemas.microsoft.com/office/drawing/2014/main" id="{A32C437C-9D18-4B52-B6C3-A6D9F35D2C63}"/>
+              </a:ext>
+            </a:extLst>
+          </p:cNvPr>
+          <p:cNvSpPr>
+            <a:spLocks noGrp="1"/>
+          </p:cNvSpPr>
+          <p:nvPr>
+            <p:ph type="title"/>
+          </p:nvPr>
+        </p:nvSpPr>
+        <p:spPr/>
+        <p:txBody>
+          <a:bodyPr/>
+          <a:lstStyle/>
+          <a:p>
+            <a:r>
+              <a:rPr lang="ja-JP" altLang="en-US" dirty="0"/>
+              <a:t>よくある方法</a:t>
+            </a:r>
+            <a:r>
+              <a:rPr lang="en-US" altLang="ja-JP" dirty="0"/>
+              <a:t> RMSE</a:t>
+            </a:r>
+            <a:endParaRPr lang="ja-JP" altLang="en-US" dirty="0"/>
+          </a:p>
+        </p:txBody>
+      </p:sp>
+      <p:sp>
+        <p:nvSpPr>
+          <p:cNvPr id="5" name="コンテンツ プレースホルダー 4">
+            <a:extLst>
+              <a:ext uri="{FF2B5EF4-FFF2-40B4-BE49-F238E27FC236}">
+                <a16:creationId xmlns:a16="http://schemas.microsoft.com/office/drawing/2014/main" id="{F4E75F39-30FC-44CB-BA15-11A79DA53385}"/>
+              </a:ext>
+            </a:extLst>
+          </p:cNvPr>
+          <p:cNvSpPr>
+            <a:spLocks noGrp="1"/>
+          </p:cNvSpPr>
+          <p:nvPr>
+            <p:ph idx="1"/>
+          </p:nvPr>
+        </p:nvSpPr>
+        <p:spPr/>
+        <p:txBody>
+          <a:bodyPr/>
+          <a:lstStyle/>
+          <a:p>
+            <a:pPr marL="36900" indent="0">
+              <a:buNone/>
+            </a:pPr>
+            <a:r>
+              <a:rPr lang="en-US" altLang="ja-JP" dirty="0"/>
+              <a:t>Proc</a:t>
+            </a:r>
+          </a:p>
+          <a:p>
+            <a:pPr>
+              <a:buFont typeface="Wingdings" panose="05000000000000000000" pitchFamily="2" charset="2"/>
+              <a:buChar char="ü"/>
+            </a:pPr>
+            <a:r>
+              <a:rPr lang="ja-JP" altLang="en-US" dirty="0"/>
+              <a:t>原理、手順が単純</a:t>
+            </a:r>
+            <a:endParaRPr lang="en-US" altLang="ja-JP" dirty="0"/>
+          </a:p>
+          <a:p>
+            <a:pPr marL="36900" indent="0">
+              <a:buNone/>
+            </a:pPr>
+            <a:r>
+              <a:rPr lang="en-US" altLang="ja-JP" dirty="0"/>
+              <a:t>Cons</a:t>
+            </a:r>
+          </a:p>
+          <a:p>
+            <a:pPr>
+              <a:buFont typeface="Wingdings" panose="05000000000000000000" pitchFamily="2" charset="2"/>
+              <a:buChar char="ü"/>
+            </a:pPr>
+            <a:r>
+              <a:rPr lang="ja-JP" altLang="en-US" dirty="0"/>
+              <a:t>サンプル数が多く必要</a:t>
+            </a:r>
+            <a:r>
+              <a:rPr lang="en-US" altLang="ja-JP" dirty="0"/>
+              <a:t>(</a:t>
+            </a:r>
+            <a:r>
+              <a:rPr lang="ja-JP" altLang="en-US" dirty="0"/>
+              <a:t>時間がかかる</a:t>
+            </a:r>
+            <a:r>
+              <a:rPr lang="en-US" altLang="ja-JP" dirty="0"/>
+              <a:t>)</a:t>
+            </a:r>
+          </a:p>
+          <a:p>
+            <a:pPr>
+              <a:buFont typeface="Wingdings" panose="05000000000000000000" pitchFamily="2" charset="2"/>
+              <a:buChar char="ü"/>
+            </a:pPr>
+            <a:r>
+              <a:rPr lang="ja-JP" altLang="en-US" dirty="0"/>
+              <a:t>「差がある」 「曲がる」を客観的に測るには？</a:t>
+            </a:r>
+            <a:r>
+              <a:rPr lang="en-US" altLang="ja-JP" dirty="0"/>
+              <a:t>MC</a:t>
+            </a:r>
+            <a:r>
+              <a:rPr lang="ja-JP" altLang="en-US" dirty="0"/>
+              <a:t>ノイズと区別するには？</a:t>
+            </a:r>
+            <a:endParaRPr lang="en-US" altLang="ja-JP" dirty="0"/>
+          </a:p>
+          <a:p>
+            <a:pPr marL="36900" indent="0">
+              <a:buNone/>
+            </a:pPr>
+            <a:endParaRPr lang="en-US" altLang="ja-JP" dirty="0"/>
+          </a:p>
+        </p:txBody>
+      </p:sp>
+    </p:spTree>
+    <p:extLst>
+      <p:ext uri="{BB962C8B-B14F-4D97-AF65-F5344CB8AC3E}">
+        <p14:creationId xmlns:p14="http://schemas.microsoft.com/office/powerpoint/2010/main" val="1669438501"/>
+      </p:ext>
+    </p:extLst>
+  </p:cSld>
+  <p:clrMapOvr>
+    <a:masterClrMapping/>
+  </p:clrMapOvr>
+</p:sld>
+</file>
+
+<file path=ppt/slides/slide8.xml><?xml version="1.0" encoding="utf-8"?>
+<p:sld xmlns:a="http://schemas.openxmlformats.org/drawingml/2006/main" xmlns:r="http://schemas.openxmlformats.org/officeDocument/2006/relationships" xmlns:p="http://schemas.openxmlformats.org/presentationml/2006/main">
+  <p:cSld>
+    <p:spTree>
+      <p:nvGrpSpPr>
+        <p:cNvPr id="1" name=""/>
+        <p:cNvGrpSpPr/>
+        <p:nvPr/>
+      </p:nvGrpSpPr>
+      <p:grpSpPr>
+        <a:xfrm>
+          <a:off x="0" y="0"/>
+          <a:ext cx="0" cy="0"/>
+          <a:chOff x="0" y="0"/>
+          <a:chExt cx="0" cy="0"/>
+        </a:xfrm>
+      </p:grpSpPr>
+      <p:sp>
+        <p:nvSpPr>
+          <p:cNvPr id="4" name="タイトル 3">
+            <a:extLst>
+              <a:ext uri="{FF2B5EF4-FFF2-40B4-BE49-F238E27FC236}">
+                <a16:creationId xmlns:a16="http://schemas.microsoft.com/office/drawing/2014/main" id="{335CDED5-DE77-4E2C-83EA-E50DFDCB2042}"/>
+              </a:ext>
+            </a:extLst>
+          </p:cNvPr>
+          <p:cNvSpPr>
+            <a:spLocks noGrp="1"/>
+          </p:cNvSpPr>
+          <p:nvPr>
+            <p:ph type="title"/>
+          </p:nvPr>
+        </p:nvSpPr>
+        <p:spPr/>
+        <p:txBody>
+          <a:bodyPr/>
+          <a:lstStyle/>
+          <a:p>
+            <a:r>
+              <a:rPr lang="en-US" altLang="ja-JP" dirty="0"/>
+              <a:t>Welch's t-test(</a:t>
+            </a:r>
+            <a:r>
+              <a:rPr lang="ja-JP" altLang="en-US" dirty="0"/>
+              <a:t>ウェルチの</a:t>
+            </a:r>
+            <a:r>
+              <a:rPr lang="en-US" altLang="ja-JP" dirty="0"/>
+              <a:t>t</a:t>
+            </a:r>
+            <a:r>
+              <a:rPr lang="ja-JP" altLang="en-US" dirty="0"/>
+              <a:t>検定</a:t>
+            </a:r>
+            <a:r>
+              <a:rPr lang="en-US" altLang="ja-JP" dirty="0"/>
+              <a:t>)</a:t>
+            </a:r>
+            <a:endParaRPr lang="ja-JP" altLang="en-US" dirty="0"/>
+          </a:p>
+        </p:txBody>
+      </p:sp>
+      <p:sp>
+        <p:nvSpPr>
+          <p:cNvPr id="5" name="テキスト プレースホルダー 4">
+            <a:extLst>
+              <a:ext uri="{FF2B5EF4-FFF2-40B4-BE49-F238E27FC236}">
+                <a16:creationId xmlns:a16="http://schemas.microsoft.com/office/drawing/2014/main" id="{3C82CB6C-4020-41D4-AA68-3B949FE60BE3}"/>
+              </a:ext>
+            </a:extLst>
+          </p:cNvPr>
+          <p:cNvSpPr>
+            <a:spLocks noGrp="1"/>
+          </p:cNvSpPr>
+          <p:nvPr>
+            <p:ph type="body" idx="1"/>
+          </p:nvPr>
+        </p:nvSpPr>
+        <p:spPr/>
+        <p:txBody>
+          <a:bodyPr/>
+          <a:lstStyle/>
+          <a:p>
+            <a:r>
+              <a:rPr lang="ja-JP" altLang="en-US" dirty="0"/>
+              <a:t>二つの母集団が同じ平均になっているかの検定</a:t>
+            </a:r>
+          </a:p>
+        </p:txBody>
+      </p:sp>
+    </p:spTree>
+    <p:extLst>
+      <p:ext uri="{BB962C8B-B14F-4D97-AF65-F5344CB8AC3E}">
+        <p14:creationId xmlns:p14="http://schemas.microsoft.com/office/powerpoint/2010/main" val="3474986257"/>
+      </p:ext>
+    </p:extLst>
+  </p:cSld>
+  <p:clrMapOvr>
+    <a:masterClrMapping/>
+  </p:clrMapOvr>
+</p:sld>
+</file>
+
+<file path=ppt/slides/slide9.xml><?xml version="1.0" encoding="utf-8"?>
+<p:sld xmlns:a="http://schemas.openxmlformats.org/drawingml/2006/main" xmlns:r="http://schemas.openxmlformats.org/officeDocument/2006/relationships" xmlns:p="http://schemas.openxmlformats.org/presentationml/2006/main">
+  <p:cSld>
+    <p:spTree>
+      <p:nvGrpSpPr>
+        <p:cNvPr id="1" name=""/>
+        <p:cNvGrpSpPr/>
+        <p:nvPr/>
+      </p:nvGrpSpPr>
+      <p:grpSpPr>
+        <a:xfrm>
+          <a:off x="0" y="0"/>
+          <a:ext cx="0" cy="0"/>
+          <a:chOff x="0" y="0"/>
+          <a:chExt cx="0" cy="0"/>
+        </a:xfrm>
+      </p:grpSpPr>
+      <p:sp>
+        <p:nvSpPr>
+          <p:cNvPr id="4" name="タイトル 3">
+            <a:extLst>
+              <a:ext uri="{FF2B5EF4-FFF2-40B4-BE49-F238E27FC236}">
+                <a16:creationId xmlns:a16="http://schemas.microsoft.com/office/drawing/2014/main" id="{23FA6549-4D62-4649-A469-58E7E40B309C}"/>
+              </a:ext>
+            </a:extLst>
+          </p:cNvPr>
+          <p:cNvSpPr>
+            <a:spLocks noGrp="1"/>
+          </p:cNvSpPr>
+          <p:nvPr>
+            <p:ph type="title"/>
+          </p:nvPr>
+        </p:nvSpPr>
+        <p:spPr/>
+        <p:txBody>
+          <a:bodyPr/>
+          <a:lstStyle/>
+          <a:p>
+            <a:r>
+              <a:rPr lang="en-US" altLang="ja-JP" dirty="0"/>
+              <a:t>Welch's t-test</a:t>
+            </a:r>
+            <a:endParaRPr lang="ja-JP" altLang="en-US" dirty="0"/>
+          </a:p>
+        </p:txBody>
+      </p:sp>
+      <mc:AlternateContent xmlns:mc="http://schemas.openxmlformats.org/markup-compatibility/2006">
+        <mc:Choice xmlns:a14="http://schemas.microsoft.com/office/drawing/2010/main" Requires="a14">
+          <p:sp>
+            <p:nvSpPr>
+              <p:cNvPr id="5" name="コンテンツ プレースホルダー 4">
+                <a:extLst>
+                  <a:ext uri="{FF2B5EF4-FFF2-40B4-BE49-F238E27FC236}">
+                    <a16:creationId xmlns:a16="http://schemas.microsoft.com/office/drawing/2014/main" id="{FA33C10B-CEAA-4FEF-A66A-C286C6F58C0D}"/>
+                  </a:ext>
+                </a:extLst>
+              </p:cNvPr>
+              <p:cNvSpPr>
+                <a:spLocks noGrp="1"/>
+              </p:cNvSpPr>
+              <p:nvPr>
+                <p:ph idx="1"/>
+              </p:nvPr>
+            </p:nvSpPr>
+            <p:spPr/>
+            <p:txBody>
+              <a:bodyPr/>
+              <a:lstStyle/>
+              <a:p>
+                <a:pPr marL="36900" indent="0">
+                  <a:buNone/>
+                </a:pPr>
+                <a:r>
+                  <a:rPr lang="ja-JP" altLang="en-US" dirty="0"/>
+                  <a:t>統計的仮説検定の一種。</a:t>
+                </a:r>
+                <a:endParaRPr lang="en-US" altLang="ja-JP" dirty="0"/>
+              </a:p>
+              <a:p>
+                <a:pPr marL="36900" indent="0">
+                  <a:buNone/>
+                </a:pPr>
+                <a:r>
+                  <a:rPr lang="ja-JP" altLang="en-US" dirty="0"/>
+                  <a:t>「</a:t>
+                </a:r>
+                <a:r>
+                  <a:rPr lang="en-US" altLang="ja-JP" b="1" dirty="0"/>
+                  <a:t>2</a:t>
+                </a:r>
+                <a:r>
+                  <a:rPr lang="ja-JP" altLang="en-US" b="1" dirty="0"/>
+                  <a:t>つの正規分布に従う確率変数の期待値は等しい</a:t>
+                </a:r>
+                <a:r>
+                  <a:rPr lang="ja-JP" altLang="en-US" dirty="0"/>
+                  <a:t>」</a:t>
+                </a:r>
+                <a:br>
+                  <a:rPr lang="en-US" altLang="ja-JP" dirty="0"/>
+                </a:br>
+                <a:r>
+                  <a:rPr lang="ja-JP" altLang="en-US" dirty="0"/>
+                  <a:t>を帰無仮説</a:t>
+                </a:r>
+                <a:r>
+                  <a:rPr lang="en-US" altLang="ja-JP" dirty="0"/>
+                  <a:t>(</a:t>
+                </a:r>
+                <a14:m>
+                  <m:oMath xmlns:m="http://schemas.openxmlformats.org/officeDocument/2006/math">
+                    <m:sSub>
+                      <m:sSubPr>
+                        <m:ctrlPr>
+                          <a:rPr lang="en-US" altLang="ja-JP" b="0" i="1" smtClean="0">
+                            <a:latin typeface="Cambria Math" panose="02040503050406030204" pitchFamily="18" charset="0"/>
+                          </a:rPr>
+                        </m:ctrlPr>
+                      </m:sSubPr>
+                      <m:e>
+                        <m:r>
+                          <a:rPr lang="en-US" altLang="ja-JP" b="0" i="1" smtClean="0">
+                            <a:latin typeface="Cambria Math" panose="02040503050406030204" pitchFamily="18" charset="0"/>
+                          </a:rPr>
+                          <m:t>𝐻</m:t>
+                        </m:r>
+                      </m:e>
+                      <m:sub>
+                        <m:r>
+                          <a:rPr lang="en-US" altLang="ja-JP" b="0" i="1" smtClean="0">
+                            <a:latin typeface="Cambria Math" panose="02040503050406030204" pitchFamily="18" charset="0"/>
+                          </a:rPr>
+                          <m:t>0</m:t>
+                        </m:r>
+                      </m:sub>
+                    </m:sSub>
+                  </m:oMath>
+                </a14:m>
+                <a:r>
+                  <a:rPr lang="en-US" altLang="ja-JP" dirty="0"/>
+                  <a:t>)</a:t>
+                </a:r>
+                <a:r>
+                  <a:rPr lang="ja-JP" altLang="en-US" dirty="0"/>
+                  <a:t>とした検定</a:t>
+                </a:r>
+                <a:r>
+                  <a:rPr lang="en-US" altLang="ja-JP" dirty="0"/>
+                  <a:t>(</a:t>
+                </a:r>
+                <a:r>
+                  <a:rPr lang="ja-JP" altLang="en-US" dirty="0"/>
+                  <a:t>両側検定の場合</a:t>
+                </a:r>
+                <a:r>
+                  <a:rPr lang="en-US" altLang="ja-JP" dirty="0"/>
+                  <a:t>)</a:t>
+                </a:r>
+                <a:r>
+                  <a:rPr lang="ja-JP" altLang="en-US" dirty="0"/>
+                  <a:t>。</a:t>
+                </a:r>
+                <a:endParaRPr lang="en-US" altLang="ja-JP" dirty="0"/>
+              </a:p>
+              <a:p>
+                <a:pPr marL="36900" indent="0">
+                  <a:buNone/>
+                </a:pPr>
+                <a:r>
+                  <a:rPr lang="ja-JP" altLang="en-US" dirty="0"/>
+                  <a:t>検定にパス</a:t>
+                </a:r>
+                <a:r>
+                  <a:rPr lang="en-US" altLang="ja-JP" dirty="0"/>
+                  <a:t>(</a:t>
+                </a:r>
+                <a:r>
+                  <a:rPr lang="ja-JP" altLang="en-US" dirty="0"/>
+                  <a:t>帰無仮説が棄却</a:t>
+                </a:r>
+                <a:r>
+                  <a:rPr lang="en-US" altLang="ja-JP" dirty="0"/>
+                  <a:t>)</a:t>
+                </a:r>
+                <a:r>
+                  <a:rPr lang="ja-JP" altLang="en-US" dirty="0"/>
+                  <a:t>すると「等しくなかったようだ」となる。</a:t>
+                </a:r>
+                <a:br>
+                  <a:rPr lang="en-US" altLang="ja-JP" dirty="0"/>
+                </a:br>
+                <a:r>
+                  <a:rPr lang="ja-JP" altLang="en-US" dirty="0"/>
+                  <a:t>「等しいです」は言えないことに注意。</a:t>
+                </a:r>
+                <a:endParaRPr lang="en-US" altLang="ja-JP" dirty="0"/>
+              </a:p>
+              <a:p>
+                <a:pPr marL="36900" indent="0">
+                  <a:buNone/>
+                </a:pPr>
+                <a:r>
+                  <a:rPr lang="ja-JP" altLang="en-US" dirty="0"/>
+                  <a:t>分散が二つの母集団で異なっても使用できる。</a:t>
+                </a:r>
+                <a:endParaRPr lang="en-US" altLang="ja-JP" dirty="0"/>
+              </a:p>
+            </p:txBody>
+          </p:sp>
+        </mc:Choice>
+        <mc:Fallback>
+          <p:sp>
+            <p:nvSpPr>
+              <p:cNvPr id="5" name="コンテンツ プレースホルダー 4">
+                <a:extLst>
+                  <a:ext uri="{FF2B5EF4-FFF2-40B4-BE49-F238E27FC236}">
+                    <a16:creationId xmlns:a16="http://schemas.microsoft.com/office/drawing/2014/main" id="{FA33C10B-CEAA-4FEF-A66A-C286C6F58C0D}"/>
+                  </a:ext>
+                </a:extLst>
+              </p:cNvPr>
+              <p:cNvSpPr>
+                <a:spLocks noGrp="1" noRot="1" noChangeAspect="1" noMove="1" noResize="1" noEditPoints="1" noAdjustHandles="1" noChangeArrowheads="1" noChangeShapeType="1" noTextEdit="1"/>
+              </p:cNvSpPr>
+              <p:nvPr>
+                <p:ph idx="1"/>
+              </p:nvPr>
+            </p:nvSpPr>
+            <p:spPr>
+              <a:blipFill>
+                <a:blip r:embed="rId2"/>
+                <a:stretch>
+                  <a:fillRect/>
+                </a:stretch>
+              </a:blipFill>
+            </p:spPr>
+            <p:txBody>
+              <a:bodyPr/>
+              <a:lstStyle/>
+              <a:p>
+                <a:r>
+                  <a:rPr lang="ja-JP" altLang="en-US">
+                    <a:noFill/>
+                  </a:rPr>
+                  <a:t> </a:t>
+                </a:r>
+              </a:p>
+            </p:txBody>
+          </p:sp>
+        </mc:Fallback>
+      </mc:AlternateContent>
+    </p:spTree>
+    <p:extLst>
+      <p:ext uri="{BB962C8B-B14F-4D97-AF65-F5344CB8AC3E}">
+        <p14:creationId xmlns:p14="http://schemas.microsoft.com/office/powerpoint/2010/main" val="4189556383"/>
+      </p:ext>
+    </p:extLst>
+  </p:cSld>
+  <p:clrMapOvr>
+    <a:masterClrMapping/>
+  </p:clrMapOvr>
+</p:sld>
+</file>
+
 <file path=ppt/theme/theme1.xml><?xml version="1.0" encoding="utf-8"?>
 <a:theme xmlns:a="http://schemas.openxmlformats.org/drawingml/2006/main" name="石版">
   <a:themeElements>
